--- a/Glas Overgow.pptx
+++ b/Glas Overgow.pptx
@@ -1,43 +1,43 @@
 
 <file path=ppt/presentation.xml><?xml version="1.0" encoding="utf-8"?>
-<p:presentation xmlns:a="http://schemas.openxmlformats.org/drawingml/2006/main" xmlns:r="http://schemas.openxmlformats.org/officeDocument/2006/relationships" xmlns:mc="http://schemas.openxmlformats.org/markup-compatibility/2006" xmlns:mv="urn:schemas-microsoft-com:mac:vml" xmlns:p="http://schemas.openxmlformats.org/presentationml/2006/main" xmlns:c="http://schemas.openxmlformats.org/drawingml/2006/chart" xmlns:dgm="http://schemas.openxmlformats.org/drawingml/2006/diagram" xmlns:o="urn:schemas-microsoft-com:office:office" xmlns:v="urn:schemas-microsoft-com:vml" xmlns:pvml="urn:schemas-microsoft-com:office:powerpoint" xmlns:com="http://schemas.openxmlformats.org/drawingml/2006/compatibility" xmlns:p14="http://schemas.microsoft.com/office/powerpoint/2010/main" xmlns:p15="http://schemas.microsoft.com/office/powerpoint/2012/main" autoCompressPictures="0" embedTrueTypeFonts="1" strictFirstAndLastChars="0" saveSubsetFonts="1">
+<p:presentation xmlns:a="http://schemas.openxmlformats.org/drawingml/2006/main" xmlns:r="http://schemas.openxmlformats.org/officeDocument/2006/relationships" xmlns:p="http://schemas.openxmlformats.org/presentationml/2006/main" strictFirstAndLastChars="0" embedTrueTypeFonts="1" saveSubsetFonts="1" autoCompressPictures="0">
   <p:sldMasterIdLst>
-    <p:sldMasterId id="2147483659" r:id="rId4"/>
+    <p:sldMasterId id="2147483659" r:id="rId1"/>
   </p:sldMasterIdLst>
   <p:notesMasterIdLst>
-    <p:notesMasterId r:id="rId5"/>
+    <p:notesMasterId r:id="rId11"/>
   </p:notesMasterIdLst>
   <p:sldIdLst>
-    <p:sldId id="256" r:id="rId6"/>
-    <p:sldId id="257" r:id="rId7"/>
-    <p:sldId id="258" r:id="rId8"/>
-    <p:sldId id="259" r:id="rId9"/>
-    <p:sldId id="260" r:id="rId10"/>
-    <p:sldId id="261" r:id="rId11"/>
-    <p:sldId id="262" r:id="rId12"/>
-    <p:sldId id="263" r:id="rId13"/>
-    <p:sldId id="264" r:id="rId14"/>
+    <p:sldId id="256" r:id="rId2"/>
+    <p:sldId id="257" r:id="rId3"/>
+    <p:sldId id="258" r:id="rId4"/>
+    <p:sldId id="259" r:id="rId5"/>
+    <p:sldId id="260" r:id="rId6"/>
+    <p:sldId id="261" r:id="rId7"/>
+    <p:sldId id="262" r:id="rId8"/>
+    <p:sldId id="263" r:id="rId9"/>
+    <p:sldId id="264" r:id="rId10"/>
   </p:sldIdLst>
-  <p:sldSz cy="5143500" cx="9144000"/>
+  <p:sldSz cx="9144000" cy="5143500" type="screen16x9"/>
   <p:notesSz cx="6858000" cy="9144000"/>
   <p:embeddedFontLst>
     <p:embeddedFont>
-      <p:font typeface="Raleway"/>
-      <p:regular r:id="rId15"/>
-      <p:bold r:id="rId16"/>
-      <p:italic r:id="rId17"/>
-      <p:boldItalic r:id="rId18"/>
+      <p:font typeface="Lato" panose="020B0604020202020204" charset="-18"/>
+      <p:regular r:id="rId12"/>
+      <p:bold r:id="rId13"/>
+      <p:italic r:id="rId14"/>
+      <p:boldItalic r:id="rId15"/>
     </p:embeddedFont>
     <p:embeddedFont>
-      <p:font typeface="Lato"/>
-      <p:regular r:id="rId19"/>
-      <p:bold r:id="rId20"/>
-      <p:italic r:id="rId21"/>
-      <p:boldItalic r:id="rId22"/>
+      <p:font typeface="Raleway" panose="020B0604020202020204" charset="-18"/>
+      <p:regular r:id="rId16"/>
+      <p:bold r:id="rId17"/>
+      <p:italic r:id="rId18"/>
+      <p:boldItalic r:id="rId19"/>
     </p:embeddedFont>
   </p:embeddedFontLst>
   <p:defaultTextStyle>
-    <a:defPPr lvl="0" marR="0" rtl="0" algn="l">
+    <a:defPPr marR="0" lvl="0" algn="l" rtl="0">
       <a:lnSpc>
         <a:spcPct val="100000"/>
       </a:lnSpc>
@@ -48,7 +48,7 @@
         <a:spcPts val="0"/>
       </a:spcAft>
     </a:defPPr>
-    <a:lvl1pPr lvl="0" marR="0" rtl="0" algn="l">
+    <a:lvl1pPr marR="0" lvl="0" algn="l" rtl="0">
       <a:lnSpc>
         <a:spcPct val="100000"/>
       </a:lnSpc>
@@ -62,7 +62,7 @@
         <a:srgbClr val="000000"/>
       </a:buClr>
       <a:buFont typeface="Arial"/>
-      <a:defRPr b="0" i="0" sz="1400" u="none" cap="none" strike="noStrike">
+      <a:defRPr sz="1400" b="0" i="0" u="none" strike="noStrike" cap="none">
         <a:solidFill>
           <a:srgbClr val="000000"/>
         </a:solidFill>
@@ -72,7 +72,7 @@
         <a:sym typeface="Arial"/>
       </a:defRPr>
     </a:lvl1pPr>
-    <a:lvl2pPr lvl="1" marR="0" rtl="0" algn="l">
+    <a:lvl2pPr marR="0" lvl="1" algn="l" rtl="0">
       <a:lnSpc>
         <a:spcPct val="100000"/>
       </a:lnSpc>
@@ -86,7 +86,7 @@
         <a:srgbClr val="000000"/>
       </a:buClr>
       <a:buFont typeface="Arial"/>
-      <a:defRPr b="0" i="0" sz="1400" u="none" cap="none" strike="noStrike">
+      <a:defRPr sz="1400" b="0" i="0" u="none" strike="noStrike" cap="none">
         <a:solidFill>
           <a:srgbClr val="000000"/>
         </a:solidFill>
@@ -96,7 +96,7 @@
         <a:sym typeface="Arial"/>
       </a:defRPr>
     </a:lvl2pPr>
-    <a:lvl3pPr lvl="2" marR="0" rtl="0" algn="l">
+    <a:lvl3pPr marR="0" lvl="2" algn="l" rtl="0">
       <a:lnSpc>
         <a:spcPct val="100000"/>
       </a:lnSpc>
@@ -110,7 +110,7 @@
         <a:srgbClr val="000000"/>
       </a:buClr>
       <a:buFont typeface="Arial"/>
-      <a:defRPr b="0" i="0" sz="1400" u="none" cap="none" strike="noStrike">
+      <a:defRPr sz="1400" b="0" i="0" u="none" strike="noStrike" cap="none">
         <a:solidFill>
           <a:srgbClr val="000000"/>
         </a:solidFill>
@@ -120,7 +120,7 @@
         <a:sym typeface="Arial"/>
       </a:defRPr>
     </a:lvl3pPr>
-    <a:lvl4pPr lvl="3" marR="0" rtl="0" algn="l">
+    <a:lvl4pPr marR="0" lvl="3" algn="l" rtl="0">
       <a:lnSpc>
         <a:spcPct val="100000"/>
       </a:lnSpc>
@@ -134,7 +134,7 @@
         <a:srgbClr val="000000"/>
       </a:buClr>
       <a:buFont typeface="Arial"/>
-      <a:defRPr b="0" i="0" sz="1400" u="none" cap="none" strike="noStrike">
+      <a:defRPr sz="1400" b="0" i="0" u="none" strike="noStrike" cap="none">
         <a:solidFill>
           <a:srgbClr val="000000"/>
         </a:solidFill>
@@ -144,7 +144,7 @@
         <a:sym typeface="Arial"/>
       </a:defRPr>
     </a:lvl4pPr>
-    <a:lvl5pPr lvl="4" marR="0" rtl="0" algn="l">
+    <a:lvl5pPr marR="0" lvl="4" algn="l" rtl="0">
       <a:lnSpc>
         <a:spcPct val="100000"/>
       </a:lnSpc>
@@ -158,7 +158,7 @@
         <a:srgbClr val="000000"/>
       </a:buClr>
       <a:buFont typeface="Arial"/>
-      <a:defRPr b="0" i="0" sz="1400" u="none" cap="none" strike="noStrike">
+      <a:defRPr sz="1400" b="0" i="0" u="none" strike="noStrike" cap="none">
         <a:solidFill>
           <a:srgbClr val="000000"/>
         </a:solidFill>
@@ -168,7 +168,7 @@
         <a:sym typeface="Arial"/>
       </a:defRPr>
     </a:lvl5pPr>
-    <a:lvl6pPr lvl="5" marR="0" rtl="0" algn="l">
+    <a:lvl6pPr marR="0" lvl="5" algn="l" rtl="0">
       <a:lnSpc>
         <a:spcPct val="100000"/>
       </a:lnSpc>
@@ -182,7 +182,7 @@
         <a:srgbClr val="000000"/>
       </a:buClr>
       <a:buFont typeface="Arial"/>
-      <a:defRPr b="0" i="0" sz="1400" u="none" cap="none" strike="noStrike">
+      <a:defRPr sz="1400" b="0" i="0" u="none" strike="noStrike" cap="none">
         <a:solidFill>
           <a:srgbClr val="000000"/>
         </a:solidFill>
@@ -192,7 +192,7 @@
         <a:sym typeface="Arial"/>
       </a:defRPr>
     </a:lvl6pPr>
-    <a:lvl7pPr lvl="6" marR="0" rtl="0" algn="l">
+    <a:lvl7pPr marR="0" lvl="6" algn="l" rtl="0">
       <a:lnSpc>
         <a:spcPct val="100000"/>
       </a:lnSpc>
@@ -206,7 +206,7 @@
         <a:srgbClr val="000000"/>
       </a:buClr>
       <a:buFont typeface="Arial"/>
-      <a:defRPr b="0" i="0" sz="1400" u="none" cap="none" strike="noStrike">
+      <a:defRPr sz="1400" b="0" i="0" u="none" strike="noStrike" cap="none">
         <a:solidFill>
           <a:srgbClr val="000000"/>
         </a:solidFill>
@@ -216,7 +216,7 @@
         <a:sym typeface="Arial"/>
       </a:defRPr>
     </a:lvl7pPr>
-    <a:lvl8pPr lvl="7" marR="0" rtl="0" algn="l">
+    <a:lvl8pPr marR="0" lvl="7" algn="l" rtl="0">
       <a:lnSpc>
         <a:spcPct val="100000"/>
       </a:lnSpc>
@@ -230,7 +230,7 @@
         <a:srgbClr val="000000"/>
       </a:buClr>
       <a:buFont typeface="Arial"/>
-      <a:defRPr b="0" i="0" sz="1400" u="none" cap="none" strike="noStrike">
+      <a:defRPr sz="1400" b="0" i="0" u="none" strike="noStrike" cap="none">
         <a:solidFill>
           <a:srgbClr val="000000"/>
         </a:solidFill>
@@ -240,7 +240,7 @@
         <a:sym typeface="Arial"/>
       </a:defRPr>
     </a:lvl8pPr>
-    <a:lvl9pPr lvl="8" marR="0" rtl="0" algn="l">
+    <a:lvl9pPr marR="0" lvl="8" algn="l" rtl="0">
       <a:lnSpc>
         <a:spcPct val="100000"/>
       </a:lnSpc>
@@ -254,7 +254,7 @@
         <a:srgbClr val="000000"/>
       </a:buClr>
       <a:buFont typeface="Arial"/>
-      <a:defRPr b="0" i="0" sz="1400" u="none" cap="none" strike="noStrike">
+      <a:defRPr sz="1400" b="0" i="0" u="none" strike="noStrike" cap="none">
         <a:solidFill>
           <a:srgbClr val="000000"/>
         </a:solidFill>
@@ -267,7 +267,7 @@
   </p:defaultTextStyle>
   <p:extLst>
     <p:ext uri="{EFAFB233-063F-42B5-8137-9DF3F51BA10A}">
-      <p15:sldGuideLst>
+      <p15:sldGuideLst xmlns:p15="http://schemas.microsoft.com/office/powerpoint/2012/main">
         <p15:guide id="1" orient="horz" pos="1620">
           <p15:clr>
             <a:srgbClr val="A4A3A4"/>
@@ -285,11 +285,16 @@
 </file>
 
 <file path=ppt/notesMasters/notesMaster1.xml><?xml version="1.0" encoding="utf-8"?>
-<p:notesMaster xmlns:a="http://schemas.openxmlformats.org/drawingml/2006/main" xmlns:r="http://schemas.openxmlformats.org/officeDocument/2006/relationships" xmlns:mc="http://schemas.openxmlformats.org/markup-compatibility/2006" xmlns:mv="urn:schemas-microsoft-com:mac:vml" xmlns:p="http://schemas.openxmlformats.org/presentationml/2006/main" xmlns:c="http://schemas.openxmlformats.org/drawingml/2006/chart" xmlns:dgm="http://schemas.openxmlformats.org/drawingml/2006/diagram" xmlns:o="urn:schemas-microsoft-com:office:office" xmlns:v="urn:schemas-microsoft-com:vml" xmlns:pvml="urn:schemas-microsoft-com:office:powerpoint" xmlns:com="http://schemas.openxmlformats.org/drawingml/2006/compatibility" xmlns:p14="http://schemas.microsoft.com/office/powerpoint/2010/main" xmlns:p15="http://schemas.microsoft.com/office/powerpoint/2012/main">
+<p:notesMaster xmlns:a="http://schemas.openxmlformats.org/drawingml/2006/main" xmlns:r="http://schemas.openxmlformats.org/officeDocument/2006/relationships" xmlns:p="http://schemas.openxmlformats.org/presentationml/2006/main">
   <p:cSld>
+    <p:bg>
+      <p:bgRef idx="1001">
+        <a:schemeClr val="bg1"/>
+      </p:bgRef>
+    </p:bg>
     <p:spTree>
       <p:nvGrpSpPr>
-        <p:cNvPr id="2" name="Shape 2"/>
+        <p:cNvPr id="1" name="Shape 2"/>
         <p:cNvGrpSpPr/>
         <p:nvPr/>
       </p:nvGrpSpPr>
@@ -304,9 +309,11 @@
       <p:sp>
         <p:nvSpPr>
           <p:cNvPr id="3" name="Google Shape;3;n"/>
-          <p:cNvSpPr/>
+          <p:cNvSpPr>
+            <a:spLocks noGrp="1" noRot="1" noChangeAspect="1"/>
+          </p:cNvSpPr>
           <p:nvPr>
-            <p:ph idx="2" type="sldImg"/>
+            <p:ph type="sldImg" idx="2"/>
           </p:nvPr>
         </p:nvSpPr>
         <p:spPr>
@@ -315,9 +322,13 @@
             <a:ext cx="6096075" cy="3429000"/>
           </a:xfrm>
           <a:custGeom>
-            <a:rect b="b" l="l" r="r" t="t"/>
+            <a:avLst/>
+            <a:gdLst/>
+            <a:ahLst/>
+            <a:cxnLst/>
+            <a:rect l="l" t="t" r="r" b="b"/>
             <a:pathLst>
-              <a:path extrusionOk="0" h="120000" w="120000">
+              <a:path w="120000" h="120000" extrusionOk="0">
                 <a:moveTo>
                   <a:pt x="0" y="0"/>
                 </a:moveTo>
@@ -335,23 +346,25 @@
             </a:pathLst>
           </a:custGeom>
           <a:noFill/>
-          <a:ln cap="flat" cmpd="sng" w="9525">
+          <a:ln w="9525" cap="flat" cmpd="sng">
             <a:solidFill>
               <a:srgbClr val="000000"/>
             </a:solidFill>
             <a:prstDash val="solid"/>
             <a:round/>
-            <a:headEnd len="sm" w="sm" type="none"/>
-            <a:tailEnd len="sm" w="sm" type="none"/>
+            <a:headEnd type="none" w="sm" len="sm"/>
+            <a:tailEnd type="none" w="sm" len="sm"/>
           </a:ln>
         </p:spPr>
       </p:sp>
       <p:sp>
         <p:nvSpPr>
           <p:cNvPr id="4" name="Google Shape;4;n"/>
-          <p:cNvSpPr txBox="1"/>
+          <p:cNvSpPr txBox="1">
+            <a:spLocks noGrp="1"/>
+          </p:cNvSpPr>
           <p:nvPr>
-            <p:ph idx="1" type="body"/>
+            <p:ph type="body" idx="1"/>
           </p:nvPr>
         </p:nvSpPr>
         <p:spPr>
@@ -368,9 +381,9 @@
           </a:ln>
         </p:spPr>
         <p:txBody>
-          <a:bodyPr anchorCtr="0" anchor="t" bIns="91425" lIns="91425" spcFirstLastPara="1" rIns="91425" wrap="square" tIns="91425"/>
+          <a:bodyPr spcFirstLastPara="1" wrap="square" lIns="91425" tIns="91425" rIns="91425" bIns="91425" anchor="t" anchorCtr="0"/>
           <a:lstStyle>
-            <a:lvl1pPr indent="-298450" lvl="0" marL="457200">
+            <a:lvl1pPr marL="457200" lvl="0" indent="-298450">
               <a:spcBef>
                 <a:spcPts val="0"/>
               </a:spcBef>
@@ -381,7 +394,7 @@
               <a:buChar char="●"/>
               <a:defRPr sz="1100"/>
             </a:lvl1pPr>
-            <a:lvl2pPr indent="-298450" lvl="1" marL="914400">
+            <a:lvl2pPr marL="914400" lvl="1" indent="-298450">
               <a:spcBef>
                 <a:spcPts val="0"/>
               </a:spcBef>
@@ -392,7 +405,7 @@
               <a:buChar char="○"/>
               <a:defRPr sz="1100"/>
             </a:lvl2pPr>
-            <a:lvl3pPr indent="-298450" lvl="2" marL="1371600">
+            <a:lvl3pPr marL="1371600" lvl="2" indent="-298450">
               <a:spcBef>
                 <a:spcPts val="0"/>
               </a:spcBef>
@@ -403,7 +416,7 @@
               <a:buChar char="■"/>
               <a:defRPr sz="1100"/>
             </a:lvl3pPr>
-            <a:lvl4pPr indent="-298450" lvl="3" marL="1828800">
+            <a:lvl4pPr marL="1828800" lvl="3" indent="-298450">
               <a:spcBef>
                 <a:spcPts val="0"/>
               </a:spcBef>
@@ -414,7 +427,7 @@
               <a:buChar char="●"/>
               <a:defRPr sz="1100"/>
             </a:lvl4pPr>
-            <a:lvl5pPr indent="-298450" lvl="4" marL="2286000">
+            <a:lvl5pPr marL="2286000" lvl="4" indent="-298450">
               <a:spcBef>
                 <a:spcPts val="0"/>
               </a:spcBef>
@@ -425,7 +438,7 @@
               <a:buChar char="○"/>
               <a:defRPr sz="1100"/>
             </a:lvl5pPr>
-            <a:lvl6pPr indent="-298450" lvl="5" marL="2743200">
+            <a:lvl6pPr marL="2743200" lvl="5" indent="-298450">
               <a:spcBef>
                 <a:spcPts val="0"/>
               </a:spcBef>
@@ -436,7 +449,7 @@
               <a:buChar char="■"/>
               <a:defRPr sz="1100"/>
             </a:lvl6pPr>
-            <a:lvl7pPr indent="-298450" lvl="6" marL="3200400">
+            <a:lvl7pPr marL="3200400" lvl="6" indent="-298450">
               <a:spcBef>
                 <a:spcPts val="0"/>
               </a:spcBef>
@@ -447,7 +460,7 @@
               <a:buChar char="●"/>
               <a:defRPr sz="1100"/>
             </a:lvl7pPr>
-            <a:lvl8pPr indent="-298450" lvl="7" marL="3657600">
+            <a:lvl8pPr marL="3657600" lvl="7" indent="-298450">
               <a:spcBef>
                 <a:spcPts val="0"/>
               </a:spcBef>
@@ -458,7 +471,7 @@
               <a:buChar char="○"/>
               <a:defRPr sz="1100"/>
             </a:lvl8pPr>
-            <a:lvl9pPr indent="-298450" lvl="8" marL="4114800">
+            <a:lvl9pPr marL="4114800" lvl="8" indent="-298450">
               <a:spcBef>
                 <a:spcPts val="0"/>
               </a:spcBef>
@@ -470,14 +483,16 @@
               <a:defRPr sz="1100"/>
             </a:lvl9pPr>
           </a:lstStyle>
-          <a:p/>
+          <a:p>
+            <a:endParaRPr/>
+          </a:p>
         </p:txBody>
       </p:sp>
     </p:spTree>
   </p:cSld>
-  <p:clrMap accent1="accent1" accent2="accent2" accent3="accent3" accent4="accent4" accent5="accent5" accent6="accent6" bg1="lt1" bg2="dk2" tx1="dk1" tx2="lt2" folHlink="folHlink" hlink="hlink"/>
+  <p:clrMap bg1="lt1" tx1="dk1" bg2="dk2" tx2="lt2" accent1="accent1" accent2="accent2" accent3="accent3" accent4="accent4" accent5="accent5" accent6="accent6" hlink="hlink" folHlink="folHlink"/>
   <p:notesStyle>
-    <a:defPPr lvl="0" marR="0" rtl="0" algn="l">
+    <a:defPPr marR="0" lvl="0" algn="l" rtl="0">
       <a:lnSpc>
         <a:spcPct val="100000"/>
       </a:lnSpc>
@@ -488,7 +503,7 @@
         <a:spcPts val="0"/>
       </a:spcAft>
     </a:defPPr>
-    <a:lvl1pPr lvl="0" marR="0" rtl="0" algn="l">
+    <a:lvl1pPr marR="0" lvl="0" algn="l" rtl="0">
       <a:lnSpc>
         <a:spcPct val="100000"/>
       </a:lnSpc>
@@ -502,7 +517,7 @@
         <a:srgbClr val="000000"/>
       </a:buClr>
       <a:buFont typeface="Arial"/>
-      <a:defRPr b="0" i="0" sz="1400" u="none" cap="none" strike="noStrike">
+      <a:defRPr sz="1400" b="0" i="0" u="none" strike="noStrike" cap="none">
         <a:solidFill>
           <a:srgbClr val="000000"/>
         </a:solidFill>
@@ -512,7 +527,7 @@
         <a:sym typeface="Arial"/>
       </a:defRPr>
     </a:lvl1pPr>
-    <a:lvl2pPr lvl="1" marR="0" rtl="0" algn="l">
+    <a:lvl2pPr marR="0" lvl="1" algn="l" rtl="0">
       <a:lnSpc>
         <a:spcPct val="100000"/>
       </a:lnSpc>
@@ -526,7 +541,7 @@
         <a:srgbClr val="000000"/>
       </a:buClr>
       <a:buFont typeface="Arial"/>
-      <a:defRPr b="0" i="0" sz="1400" u="none" cap="none" strike="noStrike">
+      <a:defRPr sz="1400" b="0" i="0" u="none" strike="noStrike" cap="none">
         <a:solidFill>
           <a:srgbClr val="000000"/>
         </a:solidFill>
@@ -536,7 +551,7 @@
         <a:sym typeface="Arial"/>
       </a:defRPr>
     </a:lvl2pPr>
-    <a:lvl3pPr lvl="2" marR="0" rtl="0" algn="l">
+    <a:lvl3pPr marR="0" lvl="2" algn="l" rtl="0">
       <a:lnSpc>
         <a:spcPct val="100000"/>
       </a:lnSpc>
@@ -550,7 +565,7 @@
         <a:srgbClr val="000000"/>
       </a:buClr>
       <a:buFont typeface="Arial"/>
-      <a:defRPr b="0" i="0" sz="1400" u="none" cap="none" strike="noStrike">
+      <a:defRPr sz="1400" b="0" i="0" u="none" strike="noStrike" cap="none">
         <a:solidFill>
           <a:srgbClr val="000000"/>
         </a:solidFill>
@@ -560,7 +575,7 @@
         <a:sym typeface="Arial"/>
       </a:defRPr>
     </a:lvl3pPr>
-    <a:lvl4pPr lvl="3" marR="0" rtl="0" algn="l">
+    <a:lvl4pPr marR="0" lvl="3" algn="l" rtl="0">
       <a:lnSpc>
         <a:spcPct val="100000"/>
       </a:lnSpc>
@@ -574,7 +589,7 @@
         <a:srgbClr val="000000"/>
       </a:buClr>
       <a:buFont typeface="Arial"/>
-      <a:defRPr b="0" i="0" sz="1400" u="none" cap="none" strike="noStrike">
+      <a:defRPr sz="1400" b="0" i="0" u="none" strike="noStrike" cap="none">
         <a:solidFill>
           <a:srgbClr val="000000"/>
         </a:solidFill>
@@ -584,7 +599,7 @@
         <a:sym typeface="Arial"/>
       </a:defRPr>
     </a:lvl4pPr>
-    <a:lvl5pPr lvl="4" marR="0" rtl="0" algn="l">
+    <a:lvl5pPr marR="0" lvl="4" algn="l" rtl="0">
       <a:lnSpc>
         <a:spcPct val="100000"/>
       </a:lnSpc>
@@ -598,7 +613,7 @@
         <a:srgbClr val="000000"/>
       </a:buClr>
       <a:buFont typeface="Arial"/>
-      <a:defRPr b="0" i="0" sz="1400" u="none" cap="none" strike="noStrike">
+      <a:defRPr sz="1400" b="0" i="0" u="none" strike="noStrike" cap="none">
         <a:solidFill>
           <a:srgbClr val="000000"/>
         </a:solidFill>
@@ -608,7 +623,7 @@
         <a:sym typeface="Arial"/>
       </a:defRPr>
     </a:lvl5pPr>
-    <a:lvl6pPr lvl="5" marR="0" rtl="0" algn="l">
+    <a:lvl6pPr marR="0" lvl="5" algn="l" rtl="0">
       <a:lnSpc>
         <a:spcPct val="100000"/>
       </a:lnSpc>
@@ -622,7 +637,7 @@
         <a:srgbClr val="000000"/>
       </a:buClr>
       <a:buFont typeface="Arial"/>
-      <a:defRPr b="0" i="0" sz="1400" u="none" cap="none" strike="noStrike">
+      <a:defRPr sz="1400" b="0" i="0" u="none" strike="noStrike" cap="none">
         <a:solidFill>
           <a:srgbClr val="000000"/>
         </a:solidFill>
@@ -632,7 +647,7 @@
         <a:sym typeface="Arial"/>
       </a:defRPr>
     </a:lvl6pPr>
-    <a:lvl7pPr lvl="6" marR="0" rtl="0" algn="l">
+    <a:lvl7pPr marR="0" lvl="6" algn="l" rtl="0">
       <a:lnSpc>
         <a:spcPct val="100000"/>
       </a:lnSpc>
@@ -646,7 +661,7 @@
         <a:srgbClr val="000000"/>
       </a:buClr>
       <a:buFont typeface="Arial"/>
-      <a:defRPr b="0" i="0" sz="1400" u="none" cap="none" strike="noStrike">
+      <a:defRPr sz="1400" b="0" i="0" u="none" strike="noStrike" cap="none">
         <a:solidFill>
           <a:srgbClr val="000000"/>
         </a:solidFill>
@@ -656,7 +671,7 @@
         <a:sym typeface="Arial"/>
       </a:defRPr>
     </a:lvl7pPr>
-    <a:lvl8pPr lvl="7" marR="0" rtl="0" algn="l">
+    <a:lvl8pPr marR="0" lvl="7" algn="l" rtl="0">
       <a:lnSpc>
         <a:spcPct val="100000"/>
       </a:lnSpc>
@@ -670,7 +685,7 @@
         <a:srgbClr val="000000"/>
       </a:buClr>
       <a:buFont typeface="Arial"/>
-      <a:defRPr b="0" i="0" sz="1400" u="none" cap="none" strike="noStrike">
+      <a:defRPr sz="1400" b="0" i="0" u="none" strike="noStrike" cap="none">
         <a:solidFill>
           <a:srgbClr val="000000"/>
         </a:solidFill>
@@ -680,7 +695,7 @@
         <a:sym typeface="Arial"/>
       </a:defRPr>
     </a:lvl8pPr>
-    <a:lvl9pPr lvl="8" marR="0" rtl="0" algn="l">
+    <a:lvl9pPr marR="0" lvl="8" algn="l" rtl="0">
       <a:lnSpc>
         <a:spcPct val="100000"/>
       </a:lnSpc>
@@ -694,7 +709,7 @@
         <a:srgbClr val="000000"/>
       </a:buClr>
       <a:buFont typeface="Arial"/>
-      <a:defRPr b="0" i="0" sz="1400" u="none" cap="none" strike="noStrike">
+      <a:defRPr sz="1400" b="0" i="0" u="none" strike="noStrike" cap="none">
         <a:solidFill>
           <a:srgbClr val="000000"/>
         </a:solidFill>
@@ -709,11 +724,11 @@
 </file>
 
 <file path=ppt/notesSlides/notesSlide1.xml><?xml version="1.0" encoding="utf-8"?>
-<p:notes xmlns:a="http://schemas.openxmlformats.org/drawingml/2006/main" xmlns:r="http://schemas.openxmlformats.org/officeDocument/2006/relationships" xmlns:mc="http://schemas.openxmlformats.org/markup-compatibility/2006" xmlns:mv="urn:schemas-microsoft-com:mac:vml" xmlns:p="http://schemas.openxmlformats.org/presentationml/2006/main" xmlns:c="http://schemas.openxmlformats.org/drawingml/2006/chart" xmlns:dgm="http://schemas.openxmlformats.org/drawingml/2006/diagram" xmlns:o="urn:schemas-microsoft-com:office:office" xmlns:v="urn:schemas-microsoft-com:vml" xmlns:pvml="urn:schemas-microsoft-com:office:powerpoint" xmlns:com="http://schemas.openxmlformats.org/drawingml/2006/compatibility" xmlns:p14="http://schemas.microsoft.com/office/powerpoint/2010/main" xmlns:p15="http://schemas.microsoft.com/office/powerpoint/2012/main" showMasterPhAnim="0" showMasterSp="0">
+<p:notes xmlns:a="http://schemas.openxmlformats.org/drawingml/2006/main" xmlns:r="http://schemas.openxmlformats.org/officeDocument/2006/relationships" xmlns:p="http://schemas.openxmlformats.org/presentationml/2006/main" showMasterSp="0" showMasterPhAnim="0">
   <p:cSld>
     <p:spTree>
       <p:nvGrpSpPr>
-        <p:cNvPr id="82" name="Shape 82"/>
+        <p:cNvPr id="1" name="Shape 82"/>
         <p:cNvGrpSpPr/>
         <p:nvPr/>
       </p:nvGrpSpPr>
@@ -728,9 +743,11 @@
       <p:sp>
         <p:nvSpPr>
           <p:cNvPr id="83" name="Google Shape;83;p:notes"/>
-          <p:cNvSpPr/>
+          <p:cNvSpPr>
+            <a:spLocks noGrp="1" noRot="1" noChangeAspect="1"/>
+          </p:cNvSpPr>
           <p:nvPr>
-            <p:ph idx="2" type="sldImg"/>
+            <p:ph type="sldImg" idx="2"/>
           </p:nvPr>
         </p:nvSpPr>
         <p:spPr>
@@ -739,9 +756,13 @@
             <a:ext cx="6096075" cy="3429000"/>
           </a:xfrm>
           <a:custGeom>
-            <a:rect b="b" l="l" r="r" t="t"/>
+            <a:avLst/>
+            <a:gdLst/>
+            <a:ahLst/>
+            <a:cxnLst/>
+            <a:rect l="l" t="t" r="r" b="b"/>
             <a:pathLst>
-              <a:path extrusionOk="0" h="120000" w="120000">
+              <a:path w="120000" h="120000" extrusionOk="0">
                 <a:moveTo>
                   <a:pt x="0" y="0"/>
                 </a:moveTo>
@@ -763,9 +784,11 @@
       <p:sp>
         <p:nvSpPr>
           <p:cNvPr id="84" name="Google Shape;84;p:notes"/>
-          <p:cNvSpPr txBox="1"/>
+          <p:cNvSpPr txBox="1">
+            <a:spLocks noGrp="1"/>
+          </p:cNvSpPr>
           <p:nvPr>
-            <p:ph idx="1" type="body"/>
+            <p:ph type="body" idx="1"/>
           </p:nvPr>
         </p:nvSpPr>
         <p:spPr>
@@ -778,12 +801,12 @@
           </a:prstGeom>
         </p:spPr>
         <p:txBody>
-          <a:bodyPr anchorCtr="0" anchor="t" bIns="91425" lIns="91425" spcFirstLastPara="1" rIns="91425" wrap="square" tIns="91425">
+          <a:bodyPr spcFirstLastPara="1" wrap="square" lIns="91425" tIns="91425" rIns="91425" bIns="91425" anchor="t" anchorCtr="0">
             <a:noAutofit/>
           </a:bodyPr>
           <a:lstStyle/>
           <a:p>
-            <a:pPr indent="0" lvl="0" marL="0" rtl="0" algn="l">
+            <a:pPr marL="0" lvl="0" indent="0" algn="l" rtl="0">
               <a:spcBef>
                 <a:spcPts val="0"/>
               </a:spcBef>
@@ -792,9 +815,6 @@
               </a:spcAft>
               <a:buNone/>
             </a:pPr>
-            <a:r>
-              <a:t/>
-            </a:r>
             <a:endParaRPr/>
           </a:p>
         </p:txBody>
@@ -808,11 +828,11 @@
 </file>
 
 <file path=ppt/notesSlides/notesSlide2.xml><?xml version="1.0" encoding="utf-8"?>
-<p:notes xmlns:a="http://schemas.openxmlformats.org/drawingml/2006/main" xmlns:r="http://schemas.openxmlformats.org/officeDocument/2006/relationships" xmlns:mc="http://schemas.openxmlformats.org/markup-compatibility/2006" xmlns:mv="urn:schemas-microsoft-com:mac:vml" xmlns:p="http://schemas.openxmlformats.org/presentationml/2006/main" xmlns:c="http://schemas.openxmlformats.org/drawingml/2006/chart" xmlns:dgm="http://schemas.openxmlformats.org/drawingml/2006/diagram" xmlns:o="urn:schemas-microsoft-com:office:office" xmlns:v="urn:schemas-microsoft-com:vml" xmlns:pvml="urn:schemas-microsoft-com:office:powerpoint" xmlns:com="http://schemas.openxmlformats.org/drawingml/2006/compatibility" xmlns:p14="http://schemas.microsoft.com/office/powerpoint/2010/main" xmlns:p15="http://schemas.microsoft.com/office/powerpoint/2012/main" showMasterPhAnim="0" showMasterSp="0">
+<p:notes xmlns:a="http://schemas.openxmlformats.org/drawingml/2006/main" xmlns:r="http://schemas.openxmlformats.org/officeDocument/2006/relationships" xmlns:p="http://schemas.openxmlformats.org/presentationml/2006/main" showMasterSp="0" showMasterPhAnim="0">
   <p:cSld>
     <p:spTree>
       <p:nvGrpSpPr>
-        <p:cNvPr id="88" name="Shape 88"/>
+        <p:cNvPr id="1" name="Shape 88"/>
         <p:cNvGrpSpPr/>
         <p:nvPr/>
       </p:nvGrpSpPr>
@@ -827,20 +847,26 @@
       <p:sp>
         <p:nvSpPr>
           <p:cNvPr id="89" name="Google Shape;89;g5051d587e5_0_77:notes"/>
-          <p:cNvSpPr/>
+          <p:cNvSpPr>
+            <a:spLocks noGrp="1" noRot="1" noChangeAspect="1"/>
+          </p:cNvSpPr>
           <p:nvPr>
-            <p:ph idx="2" type="sldImg"/>
+            <p:ph type="sldImg" idx="2"/>
           </p:nvPr>
         </p:nvSpPr>
         <p:spPr>
           <a:xfrm>
-            <a:off x="381300" y="685800"/>
+            <a:off x="381000" y="685800"/>
             <a:ext cx="6096000" cy="3429000"/>
           </a:xfrm>
           <a:custGeom>
-            <a:rect b="b" l="l" r="r" t="t"/>
+            <a:avLst/>
+            <a:gdLst/>
+            <a:ahLst/>
+            <a:cxnLst/>
+            <a:rect l="l" t="t" r="r" b="b"/>
             <a:pathLst>
-              <a:path extrusionOk="0" h="120000" w="120000">
+              <a:path w="120000" h="120000" extrusionOk="0">
                 <a:moveTo>
                   <a:pt x="0" y="0"/>
                 </a:moveTo>
@@ -862,9 +888,11 @@
       <p:sp>
         <p:nvSpPr>
           <p:cNvPr id="90" name="Google Shape;90;g5051d587e5_0_77:notes"/>
-          <p:cNvSpPr txBox="1"/>
+          <p:cNvSpPr txBox="1">
+            <a:spLocks noGrp="1"/>
+          </p:cNvSpPr>
           <p:nvPr>
-            <p:ph idx="1" type="body"/>
+            <p:ph type="body" idx="1"/>
           </p:nvPr>
         </p:nvSpPr>
         <p:spPr>
@@ -877,12 +905,12 @@
           </a:prstGeom>
         </p:spPr>
         <p:txBody>
-          <a:bodyPr anchorCtr="0" anchor="t" bIns="91425" lIns="91425" spcFirstLastPara="1" rIns="91425" wrap="square" tIns="91425">
+          <a:bodyPr spcFirstLastPara="1" wrap="square" lIns="91425" tIns="91425" rIns="91425" bIns="91425" anchor="t" anchorCtr="0">
             <a:noAutofit/>
           </a:bodyPr>
           <a:lstStyle/>
           <a:p>
-            <a:pPr indent="0" lvl="0" marL="0" rtl="0" algn="l">
+            <a:pPr marL="0" lvl="0" indent="0" algn="l" rtl="0">
               <a:spcBef>
                 <a:spcPts val="0"/>
               </a:spcBef>
@@ -891,9 +919,6 @@
               </a:spcAft>
               <a:buNone/>
             </a:pPr>
-            <a:r>
-              <a:t/>
-            </a:r>
             <a:endParaRPr/>
           </a:p>
         </p:txBody>
@@ -907,11 +932,11 @@
 </file>
 
 <file path=ppt/notesSlides/notesSlide3.xml><?xml version="1.0" encoding="utf-8"?>
-<p:notes xmlns:a="http://schemas.openxmlformats.org/drawingml/2006/main" xmlns:r="http://schemas.openxmlformats.org/officeDocument/2006/relationships" xmlns:mc="http://schemas.openxmlformats.org/markup-compatibility/2006" xmlns:mv="urn:schemas-microsoft-com:mac:vml" xmlns:p="http://schemas.openxmlformats.org/presentationml/2006/main" xmlns:c="http://schemas.openxmlformats.org/drawingml/2006/chart" xmlns:dgm="http://schemas.openxmlformats.org/drawingml/2006/diagram" xmlns:o="urn:schemas-microsoft-com:office:office" xmlns:v="urn:schemas-microsoft-com:vml" xmlns:pvml="urn:schemas-microsoft-com:office:powerpoint" xmlns:com="http://schemas.openxmlformats.org/drawingml/2006/compatibility" xmlns:p14="http://schemas.microsoft.com/office/powerpoint/2010/main" xmlns:p15="http://schemas.microsoft.com/office/powerpoint/2012/main" showMasterPhAnim="0" showMasterSp="0">
+<p:notes xmlns:a="http://schemas.openxmlformats.org/drawingml/2006/main" xmlns:r="http://schemas.openxmlformats.org/officeDocument/2006/relationships" xmlns:p="http://schemas.openxmlformats.org/presentationml/2006/main" showMasterSp="0" showMasterPhAnim="0">
   <p:cSld>
     <p:spTree>
       <p:nvGrpSpPr>
-        <p:cNvPr id="94" name="Shape 94"/>
+        <p:cNvPr id="1" name="Shape 94"/>
         <p:cNvGrpSpPr/>
         <p:nvPr/>
       </p:nvGrpSpPr>
@@ -926,9 +951,11 @@
       <p:sp>
         <p:nvSpPr>
           <p:cNvPr id="95" name="Google Shape;95;g5051d587e5_0_82:notes"/>
-          <p:cNvSpPr/>
+          <p:cNvSpPr>
+            <a:spLocks noGrp="1" noRot="1" noChangeAspect="1"/>
+          </p:cNvSpPr>
           <p:nvPr>
-            <p:ph idx="2" type="sldImg"/>
+            <p:ph type="sldImg" idx="2"/>
           </p:nvPr>
         </p:nvSpPr>
         <p:spPr>
@@ -937,9 +964,13 @@
             <a:ext cx="6096000" cy="3429000"/>
           </a:xfrm>
           <a:custGeom>
-            <a:rect b="b" l="l" r="r" t="t"/>
+            <a:avLst/>
+            <a:gdLst/>
+            <a:ahLst/>
+            <a:cxnLst/>
+            <a:rect l="l" t="t" r="r" b="b"/>
             <a:pathLst>
-              <a:path extrusionOk="0" h="120000" w="120000">
+              <a:path w="120000" h="120000" extrusionOk="0">
                 <a:moveTo>
                   <a:pt x="0" y="0"/>
                 </a:moveTo>
@@ -961,9 +992,11 @@
       <p:sp>
         <p:nvSpPr>
           <p:cNvPr id="96" name="Google Shape;96;g5051d587e5_0_82:notes"/>
-          <p:cNvSpPr txBox="1"/>
+          <p:cNvSpPr txBox="1">
+            <a:spLocks noGrp="1"/>
+          </p:cNvSpPr>
           <p:nvPr>
-            <p:ph idx="1" type="body"/>
+            <p:ph type="body" idx="1"/>
           </p:nvPr>
         </p:nvSpPr>
         <p:spPr>
@@ -976,12 +1009,12 @@
           </a:prstGeom>
         </p:spPr>
         <p:txBody>
-          <a:bodyPr anchorCtr="0" anchor="t" bIns="91425" lIns="91425" spcFirstLastPara="1" rIns="91425" wrap="square" tIns="91425">
+          <a:bodyPr spcFirstLastPara="1" wrap="square" lIns="91425" tIns="91425" rIns="91425" bIns="91425" anchor="t" anchorCtr="0">
             <a:noAutofit/>
           </a:bodyPr>
           <a:lstStyle/>
           <a:p>
-            <a:pPr indent="0" lvl="0" marL="0" rtl="0" algn="l">
+            <a:pPr marL="0" lvl="0" indent="0" algn="l" rtl="0">
               <a:spcBef>
                 <a:spcPts val="0"/>
               </a:spcBef>
@@ -990,9 +1023,6 @@
               </a:spcAft>
               <a:buNone/>
             </a:pPr>
-            <a:r>
-              <a:t/>
-            </a:r>
             <a:endParaRPr/>
           </a:p>
         </p:txBody>
@@ -1006,11 +1036,11 @@
 </file>
 
 <file path=ppt/notesSlides/notesSlide4.xml><?xml version="1.0" encoding="utf-8"?>
-<p:notes xmlns:a="http://schemas.openxmlformats.org/drawingml/2006/main" xmlns:r="http://schemas.openxmlformats.org/officeDocument/2006/relationships" xmlns:mc="http://schemas.openxmlformats.org/markup-compatibility/2006" xmlns:mv="urn:schemas-microsoft-com:mac:vml" xmlns:p="http://schemas.openxmlformats.org/presentationml/2006/main" xmlns:c="http://schemas.openxmlformats.org/drawingml/2006/chart" xmlns:dgm="http://schemas.openxmlformats.org/drawingml/2006/diagram" xmlns:o="urn:schemas-microsoft-com:office:office" xmlns:v="urn:schemas-microsoft-com:vml" xmlns:pvml="urn:schemas-microsoft-com:office:powerpoint" xmlns:com="http://schemas.openxmlformats.org/drawingml/2006/compatibility" xmlns:p14="http://schemas.microsoft.com/office/powerpoint/2010/main" xmlns:p15="http://schemas.microsoft.com/office/powerpoint/2012/main" showMasterPhAnim="0" showMasterSp="0">
+<p:notes xmlns:a="http://schemas.openxmlformats.org/drawingml/2006/main" xmlns:r="http://schemas.openxmlformats.org/officeDocument/2006/relationships" xmlns:p="http://schemas.openxmlformats.org/presentationml/2006/main" showMasterSp="0" showMasterPhAnim="0">
   <p:cSld>
     <p:spTree>
       <p:nvGrpSpPr>
-        <p:cNvPr id="100" name="Shape 100"/>
+        <p:cNvPr id="1" name="Shape 100"/>
         <p:cNvGrpSpPr/>
         <p:nvPr/>
       </p:nvGrpSpPr>
@@ -1025,9 +1055,11 @@
       <p:sp>
         <p:nvSpPr>
           <p:cNvPr id="101" name="Google Shape;101;g5051d587e5_0_87:notes"/>
-          <p:cNvSpPr/>
+          <p:cNvSpPr>
+            <a:spLocks noGrp="1" noRot="1" noChangeAspect="1"/>
+          </p:cNvSpPr>
           <p:nvPr>
-            <p:ph idx="2" type="sldImg"/>
+            <p:ph type="sldImg" idx="2"/>
           </p:nvPr>
         </p:nvSpPr>
         <p:spPr>
@@ -1036,9 +1068,13 @@
             <a:ext cx="6096000" cy="3429000"/>
           </a:xfrm>
           <a:custGeom>
-            <a:rect b="b" l="l" r="r" t="t"/>
+            <a:avLst/>
+            <a:gdLst/>
+            <a:ahLst/>
+            <a:cxnLst/>
+            <a:rect l="l" t="t" r="r" b="b"/>
             <a:pathLst>
-              <a:path extrusionOk="0" h="120000" w="120000">
+              <a:path w="120000" h="120000" extrusionOk="0">
                 <a:moveTo>
                   <a:pt x="0" y="0"/>
                 </a:moveTo>
@@ -1060,9 +1096,11 @@
       <p:sp>
         <p:nvSpPr>
           <p:cNvPr id="102" name="Google Shape;102;g5051d587e5_0_87:notes"/>
-          <p:cNvSpPr txBox="1"/>
+          <p:cNvSpPr txBox="1">
+            <a:spLocks noGrp="1"/>
+          </p:cNvSpPr>
           <p:nvPr>
-            <p:ph idx="1" type="body"/>
+            <p:ph type="body" idx="1"/>
           </p:nvPr>
         </p:nvSpPr>
         <p:spPr>
@@ -1075,12 +1113,12 @@
           </a:prstGeom>
         </p:spPr>
         <p:txBody>
-          <a:bodyPr anchorCtr="0" anchor="t" bIns="91425" lIns="91425" spcFirstLastPara="1" rIns="91425" wrap="square" tIns="91425">
+          <a:bodyPr spcFirstLastPara="1" wrap="square" lIns="91425" tIns="91425" rIns="91425" bIns="91425" anchor="t" anchorCtr="0">
             <a:noAutofit/>
           </a:bodyPr>
           <a:lstStyle/>
           <a:p>
-            <a:pPr indent="0" lvl="0" marL="0" rtl="0" algn="l">
+            <a:pPr marL="0" lvl="0" indent="0" algn="l" rtl="0">
               <a:spcBef>
                 <a:spcPts val="0"/>
               </a:spcBef>
@@ -1089,9 +1127,6 @@
               </a:spcAft>
               <a:buNone/>
             </a:pPr>
-            <a:r>
-              <a:t/>
-            </a:r>
             <a:endParaRPr/>
           </a:p>
         </p:txBody>
@@ -1105,11 +1140,11 @@
 </file>
 
 <file path=ppt/notesSlides/notesSlide5.xml><?xml version="1.0" encoding="utf-8"?>
-<p:notes xmlns:a="http://schemas.openxmlformats.org/drawingml/2006/main" xmlns:r="http://schemas.openxmlformats.org/officeDocument/2006/relationships" xmlns:mc="http://schemas.openxmlformats.org/markup-compatibility/2006" xmlns:mv="urn:schemas-microsoft-com:mac:vml" xmlns:p="http://schemas.openxmlformats.org/presentationml/2006/main" xmlns:c="http://schemas.openxmlformats.org/drawingml/2006/chart" xmlns:dgm="http://schemas.openxmlformats.org/drawingml/2006/diagram" xmlns:o="urn:schemas-microsoft-com:office:office" xmlns:v="urn:schemas-microsoft-com:vml" xmlns:pvml="urn:schemas-microsoft-com:office:powerpoint" xmlns:com="http://schemas.openxmlformats.org/drawingml/2006/compatibility" xmlns:p14="http://schemas.microsoft.com/office/powerpoint/2010/main" xmlns:p15="http://schemas.microsoft.com/office/powerpoint/2012/main" showMasterPhAnim="0" showMasterSp="0">
+<p:notes xmlns:a="http://schemas.openxmlformats.org/drawingml/2006/main" xmlns:r="http://schemas.openxmlformats.org/officeDocument/2006/relationships" xmlns:p="http://schemas.openxmlformats.org/presentationml/2006/main" showMasterSp="0" showMasterPhAnim="0">
   <p:cSld>
     <p:spTree>
       <p:nvGrpSpPr>
-        <p:cNvPr id="106" name="Shape 106"/>
+        <p:cNvPr id="1" name="Shape 106"/>
         <p:cNvGrpSpPr/>
         <p:nvPr/>
       </p:nvGrpSpPr>
@@ -1124,9 +1159,11 @@
       <p:sp>
         <p:nvSpPr>
           <p:cNvPr id="107" name="Google Shape;107;g5051d587e5_0_92:notes"/>
-          <p:cNvSpPr/>
+          <p:cNvSpPr>
+            <a:spLocks noGrp="1" noRot="1" noChangeAspect="1"/>
+          </p:cNvSpPr>
           <p:nvPr>
-            <p:ph idx="2" type="sldImg"/>
+            <p:ph type="sldImg" idx="2"/>
           </p:nvPr>
         </p:nvSpPr>
         <p:spPr>
@@ -1135,9 +1172,13 @@
             <a:ext cx="6096000" cy="3429000"/>
           </a:xfrm>
           <a:custGeom>
-            <a:rect b="b" l="l" r="r" t="t"/>
+            <a:avLst/>
+            <a:gdLst/>
+            <a:ahLst/>
+            <a:cxnLst/>
+            <a:rect l="l" t="t" r="r" b="b"/>
             <a:pathLst>
-              <a:path extrusionOk="0" h="120000" w="120000">
+              <a:path w="120000" h="120000" extrusionOk="0">
                 <a:moveTo>
                   <a:pt x="0" y="0"/>
                 </a:moveTo>
@@ -1159,9 +1200,11 @@
       <p:sp>
         <p:nvSpPr>
           <p:cNvPr id="108" name="Google Shape;108;g5051d587e5_0_92:notes"/>
-          <p:cNvSpPr txBox="1"/>
+          <p:cNvSpPr txBox="1">
+            <a:spLocks noGrp="1"/>
+          </p:cNvSpPr>
           <p:nvPr>
-            <p:ph idx="1" type="body"/>
+            <p:ph type="body" idx="1"/>
           </p:nvPr>
         </p:nvSpPr>
         <p:spPr>
@@ -1174,12 +1217,12 @@
           </a:prstGeom>
         </p:spPr>
         <p:txBody>
-          <a:bodyPr anchorCtr="0" anchor="t" bIns="91425" lIns="91425" spcFirstLastPara="1" rIns="91425" wrap="square" tIns="91425">
+          <a:bodyPr spcFirstLastPara="1" wrap="square" lIns="91425" tIns="91425" rIns="91425" bIns="91425" anchor="t" anchorCtr="0">
             <a:noAutofit/>
           </a:bodyPr>
           <a:lstStyle/>
           <a:p>
-            <a:pPr indent="0" lvl="0" marL="0" rtl="0" algn="l">
+            <a:pPr marL="0" lvl="0" indent="0" algn="l" rtl="0">
               <a:spcBef>
                 <a:spcPts val="0"/>
               </a:spcBef>
@@ -1188,9 +1231,6 @@
               </a:spcAft>
               <a:buNone/>
             </a:pPr>
-            <a:r>
-              <a:t/>
-            </a:r>
             <a:endParaRPr/>
           </a:p>
         </p:txBody>
@@ -1204,11 +1244,11 @@
 </file>
 
 <file path=ppt/notesSlides/notesSlide6.xml><?xml version="1.0" encoding="utf-8"?>
-<p:notes xmlns:a="http://schemas.openxmlformats.org/drawingml/2006/main" xmlns:r="http://schemas.openxmlformats.org/officeDocument/2006/relationships" xmlns:mc="http://schemas.openxmlformats.org/markup-compatibility/2006" xmlns:mv="urn:schemas-microsoft-com:mac:vml" xmlns:p="http://schemas.openxmlformats.org/presentationml/2006/main" xmlns:c="http://schemas.openxmlformats.org/drawingml/2006/chart" xmlns:dgm="http://schemas.openxmlformats.org/drawingml/2006/diagram" xmlns:o="urn:schemas-microsoft-com:office:office" xmlns:v="urn:schemas-microsoft-com:vml" xmlns:pvml="urn:schemas-microsoft-com:office:powerpoint" xmlns:com="http://schemas.openxmlformats.org/drawingml/2006/compatibility" xmlns:p14="http://schemas.microsoft.com/office/powerpoint/2010/main" xmlns:p15="http://schemas.microsoft.com/office/powerpoint/2012/main" showMasterPhAnim="0" showMasterSp="0">
+<p:notes xmlns:a="http://schemas.openxmlformats.org/drawingml/2006/main" xmlns:r="http://schemas.openxmlformats.org/officeDocument/2006/relationships" xmlns:p="http://schemas.openxmlformats.org/presentationml/2006/main" showMasterSp="0" showMasterPhAnim="0">
   <p:cSld>
     <p:spTree>
       <p:nvGrpSpPr>
-        <p:cNvPr id="112" name="Shape 112"/>
+        <p:cNvPr id="1" name="Shape 112"/>
         <p:cNvGrpSpPr/>
         <p:nvPr/>
       </p:nvGrpSpPr>
@@ -1223,9 +1263,11 @@
       <p:sp>
         <p:nvSpPr>
           <p:cNvPr id="113" name="Google Shape;113;g5051d587e5_0_97:notes"/>
-          <p:cNvSpPr/>
+          <p:cNvSpPr>
+            <a:spLocks noGrp="1" noRot="1" noChangeAspect="1"/>
+          </p:cNvSpPr>
           <p:nvPr>
-            <p:ph idx="2" type="sldImg"/>
+            <p:ph type="sldImg" idx="2"/>
           </p:nvPr>
         </p:nvSpPr>
         <p:spPr>
@@ -1234,9 +1276,13 @@
             <a:ext cx="6096000" cy="3429000"/>
           </a:xfrm>
           <a:custGeom>
-            <a:rect b="b" l="l" r="r" t="t"/>
+            <a:avLst/>
+            <a:gdLst/>
+            <a:ahLst/>
+            <a:cxnLst/>
+            <a:rect l="l" t="t" r="r" b="b"/>
             <a:pathLst>
-              <a:path extrusionOk="0" h="120000" w="120000">
+              <a:path w="120000" h="120000" extrusionOk="0">
                 <a:moveTo>
                   <a:pt x="0" y="0"/>
                 </a:moveTo>
@@ -1258,9 +1304,11 @@
       <p:sp>
         <p:nvSpPr>
           <p:cNvPr id="114" name="Google Shape;114;g5051d587e5_0_97:notes"/>
-          <p:cNvSpPr txBox="1"/>
+          <p:cNvSpPr txBox="1">
+            <a:spLocks noGrp="1"/>
+          </p:cNvSpPr>
           <p:nvPr>
-            <p:ph idx="1" type="body"/>
+            <p:ph type="body" idx="1"/>
           </p:nvPr>
         </p:nvSpPr>
         <p:spPr>
@@ -1273,12 +1321,12 @@
           </a:prstGeom>
         </p:spPr>
         <p:txBody>
-          <a:bodyPr anchorCtr="0" anchor="t" bIns="91425" lIns="91425" spcFirstLastPara="1" rIns="91425" wrap="square" tIns="91425">
+          <a:bodyPr spcFirstLastPara="1" wrap="square" lIns="91425" tIns="91425" rIns="91425" bIns="91425" anchor="t" anchorCtr="0">
             <a:noAutofit/>
           </a:bodyPr>
           <a:lstStyle/>
           <a:p>
-            <a:pPr indent="0" lvl="0" marL="0" rtl="0" algn="l">
+            <a:pPr marL="0" lvl="0" indent="0" algn="l" rtl="0">
               <a:spcBef>
                 <a:spcPts val="0"/>
               </a:spcBef>
@@ -1287,9 +1335,6 @@
               </a:spcAft>
               <a:buNone/>
             </a:pPr>
-            <a:r>
-              <a:t/>
-            </a:r>
             <a:endParaRPr/>
           </a:p>
         </p:txBody>
@@ -1303,11 +1348,11 @@
 </file>
 
 <file path=ppt/notesSlides/notesSlide7.xml><?xml version="1.0" encoding="utf-8"?>
-<p:notes xmlns:a="http://schemas.openxmlformats.org/drawingml/2006/main" xmlns:r="http://schemas.openxmlformats.org/officeDocument/2006/relationships" xmlns:mc="http://schemas.openxmlformats.org/markup-compatibility/2006" xmlns:mv="urn:schemas-microsoft-com:mac:vml" xmlns:p="http://schemas.openxmlformats.org/presentationml/2006/main" xmlns:c="http://schemas.openxmlformats.org/drawingml/2006/chart" xmlns:dgm="http://schemas.openxmlformats.org/drawingml/2006/diagram" xmlns:o="urn:schemas-microsoft-com:office:office" xmlns:v="urn:schemas-microsoft-com:vml" xmlns:pvml="urn:schemas-microsoft-com:office:powerpoint" xmlns:com="http://schemas.openxmlformats.org/drawingml/2006/compatibility" xmlns:p14="http://schemas.microsoft.com/office/powerpoint/2010/main" xmlns:p15="http://schemas.microsoft.com/office/powerpoint/2012/main" showMasterPhAnim="0" showMasterSp="0">
+<p:notes xmlns:a="http://schemas.openxmlformats.org/drawingml/2006/main" xmlns:r="http://schemas.openxmlformats.org/officeDocument/2006/relationships" xmlns:p="http://schemas.openxmlformats.org/presentationml/2006/main" showMasterSp="0" showMasterPhAnim="0">
   <p:cSld>
     <p:spTree>
       <p:nvGrpSpPr>
-        <p:cNvPr id="118" name="Shape 118"/>
+        <p:cNvPr id="1" name="Shape 118"/>
         <p:cNvGrpSpPr/>
         <p:nvPr/>
       </p:nvGrpSpPr>
@@ -1322,9 +1367,11 @@
       <p:sp>
         <p:nvSpPr>
           <p:cNvPr id="119" name="Google Shape;119;g5051d587e5_0_102:notes"/>
-          <p:cNvSpPr/>
+          <p:cNvSpPr>
+            <a:spLocks noGrp="1" noRot="1" noChangeAspect="1"/>
+          </p:cNvSpPr>
           <p:nvPr>
-            <p:ph idx="2" type="sldImg"/>
+            <p:ph type="sldImg" idx="2"/>
           </p:nvPr>
         </p:nvSpPr>
         <p:spPr>
@@ -1333,9 +1380,13 @@
             <a:ext cx="6096000" cy="3429000"/>
           </a:xfrm>
           <a:custGeom>
-            <a:rect b="b" l="l" r="r" t="t"/>
+            <a:avLst/>
+            <a:gdLst/>
+            <a:ahLst/>
+            <a:cxnLst/>
+            <a:rect l="l" t="t" r="r" b="b"/>
             <a:pathLst>
-              <a:path extrusionOk="0" h="120000" w="120000">
+              <a:path w="120000" h="120000" extrusionOk="0">
                 <a:moveTo>
                   <a:pt x="0" y="0"/>
                 </a:moveTo>
@@ -1357,9 +1408,11 @@
       <p:sp>
         <p:nvSpPr>
           <p:cNvPr id="120" name="Google Shape;120;g5051d587e5_0_102:notes"/>
-          <p:cNvSpPr txBox="1"/>
+          <p:cNvSpPr txBox="1">
+            <a:spLocks noGrp="1"/>
+          </p:cNvSpPr>
           <p:nvPr>
-            <p:ph idx="1" type="body"/>
+            <p:ph type="body" idx="1"/>
           </p:nvPr>
         </p:nvSpPr>
         <p:spPr>
@@ -1372,12 +1425,12 @@
           </a:prstGeom>
         </p:spPr>
         <p:txBody>
-          <a:bodyPr anchorCtr="0" anchor="t" bIns="91425" lIns="91425" spcFirstLastPara="1" rIns="91425" wrap="square" tIns="91425">
+          <a:bodyPr spcFirstLastPara="1" wrap="square" lIns="91425" tIns="91425" rIns="91425" bIns="91425" anchor="t" anchorCtr="0">
             <a:noAutofit/>
           </a:bodyPr>
           <a:lstStyle/>
           <a:p>
-            <a:pPr indent="0" lvl="0" marL="0" rtl="0" algn="l">
+            <a:pPr marL="0" lvl="0" indent="0" algn="l" rtl="0">
               <a:spcBef>
                 <a:spcPts val="0"/>
               </a:spcBef>
@@ -1386,9 +1439,6 @@
               </a:spcAft>
               <a:buNone/>
             </a:pPr>
-            <a:r>
-              <a:t/>
-            </a:r>
             <a:endParaRPr/>
           </a:p>
         </p:txBody>
@@ -1402,11 +1452,11 @@
 </file>
 
 <file path=ppt/notesSlides/notesSlide8.xml><?xml version="1.0" encoding="utf-8"?>
-<p:notes xmlns:a="http://schemas.openxmlformats.org/drawingml/2006/main" xmlns:r="http://schemas.openxmlformats.org/officeDocument/2006/relationships" xmlns:mc="http://schemas.openxmlformats.org/markup-compatibility/2006" xmlns:mv="urn:schemas-microsoft-com:mac:vml" xmlns:p="http://schemas.openxmlformats.org/presentationml/2006/main" xmlns:c="http://schemas.openxmlformats.org/drawingml/2006/chart" xmlns:dgm="http://schemas.openxmlformats.org/drawingml/2006/diagram" xmlns:o="urn:schemas-microsoft-com:office:office" xmlns:v="urn:schemas-microsoft-com:vml" xmlns:pvml="urn:schemas-microsoft-com:office:powerpoint" xmlns:com="http://schemas.openxmlformats.org/drawingml/2006/compatibility" xmlns:p14="http://schemas.microsoft.com/office/powerpoint/2010/main" xmlns:p15="http://schemas.microsoft.com/office/powerpoint/2012/main" showMasterPhAnim="0" showMasterSp="0">
+<p:notes xmlns:a="http://schemas.openxmlformats.org/drawingml/2006/main" xmlns:r="http://schemas.openxmlformats.org/officeDocument/2006/relationships" xmlns:p="http://schemas.openxmlformats.org/presentationml/2006/main" showMasterSp="0" showMasterPhAnim="0">
   <p:cSld>
     <p:spTree>
       <p:nvGrpSpPr>
-        <p:cNvPr id="124" name="Shape 124"/>
+        <p:cNvPr id="1" name="Shape 124"/>
         <p:cNvGrpSpPr/>
         <p:nvPr/>
       </p:nvGrpSpPr>
@@ -1421,9 +1471,11 @@
       <p:sp>
         <p:nvSpPr>
           <p:cNvPr id="125" name="Google Shape;125;g5051d587e5_0_107:notes"/>
-          <p:cNvSpPr/>
+          <p:cNvSpPr>
+            <a:spLocks noGrp="1" noRot="1" noChangeAspect="1"/>
+          </p:cNvSpPr>
           <p:nvPr>
-            <p:ph idx="2" type="sldImg"/>
+            <p:ph type="sldImg" idx="2"/>
           </p:nvPr>
         </p:nvSpPr>
         <p:spPr>
@@ -1432,9 +1484,13 @@
             <a:ext cx="6096000" cy="3429000"/>
           </a:xfrm>
           <a:custGeom>
-            <a:rect b="b" l="l" r="r" t="t"/>
+            <a:avLst/>
+            <a:gdLst/>
+            <a:ahLst/>
+            <a:cxnLst/>
+            <a:rect l="l" t="t" r="r" b="b"/>
             <a:pathLst>
-              <a:path extrusionOk="0" h="120000" w="120000">
+              <a:path w="120000" h="120000" extrusionOk="0">
                 <a:moveTo>
                   <a:pt x="0" y="0"/>
                 </a:moveTo>
@@ -1456,9 +1512,11 @@
       <p:sp>
         <p:nvSpPr>
           <p:cNvPr id="126" name="Google Shape;126;g5051d587e5_0_107:notes"/>
-          <p:cNvSpPr txBox="1"/>
+          <p:cNvSpPr txBox="1">
+            <a:spLocks noGrp="1"/>
+          </p:cNvSpPr>
           <p:nvPr>
-            <p:ph idx="1" type="body"/>
+            <p:ph type="body" idx="1"/>
           </p:nvPr>
         </p:nvSpPr>
         <p:spPr>
@@ -1471,12 +1529,12 @@
           </a:prstGeom>
         </p:spPr>
         <p:txBody>
-          <a:bodyPr anchorCtr="0" anchor="t" bIns="91425" lIns="91425" spcFirstLastPara="1" rIns="91425" wrap="square" tIns="91425">
+          <a:bodyPr spcFirstLastPara="1" wrap="square" lIns="91425" tIns="91425" rIns="91425" bIns="91425" anchor="t" anchorCtr="0">
             <a:noAutofit/>
           </a:bodyPr>
           <a:lstStyle/>
           <a:p>
-            <a:pPr indent="0" lvl="0" marL="0" rtl="0" algn="l">
+            <a:pPr marL="0" lvl="0" indent="0" algn="l" rtl="0">
               <a:spcBef>
                 <a:spcPts val="0"/>
               </a:spcBef>
@@ -1485,9 +1543,6 @@
               </a:spcAft>
               <a:buNone/>
             </a:pPr>
-            <a:r>
-              <a:t/>
-            </a:r>
             <a:endParaRPr/>
           </a:p>
         </p:txBody>
@@ -1501,11 +1556,11 @@
 </file>
 
 <file path=ppt/notesSlides/notesSlide9.xml><?xml version="1.0" encoding="utf-8"?>
-<p:notes xmlns:a="http://schemas.openxmlformats.org/drawingml/2006/main" xmlns:r="http://schemas.openxmlformats.org/officeDocument/2006/relationships" xmlns:mc="http://schemas.openxmlformats.org/markup-compatibility/2006" xmlns:mv="urn:schemas-microsoft-com:mac:vml" xmlns:p="http://schemas.openxmlformats.org/presentationml/2006/main" xmlns:c="http://schemas.openxmlformats.org/drawingml/2006/chart" xmlns:dgm="http://schemas.openxmlformats.org/drawingml/2006/diagram" xmlns:o="urn:schemas-microsoft-com:office:office" xmlns:v="urn:schemas-microsoft-com:vml" xmlns:pvml="urn:schemas-microsoft-com:office:powerpoint" xmlns:com="http://schemas.openxmlformats.org/drawingml/2006/compatibility" xmlns:p14="http://schemas.microsoft.com/office/powerpoint/2010/main" xmlns:p15="http://schemas.microsoft.com/office/powerpoint/2012/main" showMasterPhAnim="0" showMasterSp="0">
+<p:notes xmlns:a="http://schemas.openxmlformats.org/drawingml/2006/main" xmlns:r="http://schemas.openxmlformats.org/officeDocument/2006/relationships" xmlns:p="http://schemas.openxmlformats.org/presentationml/2006/main" showMasterSp="0" showMasterPhAnim="0">
   <p:cSld>
     <p:spTree>
       <p:nvGrpSpPr>
-        <p:cNvPr id="130" name="Shape 130"/>
+        <p:cNvPr id="1" name="Shape 130"/>
         <p:cNvGrpSpPr/>
         <p:nvPr/>
       </p:nvGrpSpPr>
@@ -1520,9 +1575,11 @@
       <p:sp>
         <p:nvSpPr>
           <p:cNvPr id="131" name="Google Shape;131;g5051d587e5_0_112:notes"/>
-          <p:cNvSpPr/>
+          <p:cNvSpPr>
+            <a:spLocks noGrp="1" noRot="1" noChangeAspect="1"/>
+          </p:cNvSpPr>
           <p:nvPr>
-            <p:ph idx="2" type="sldImg"/>
+            <p:ph type="sldImg" idx="2"/>
           </p:nvPr>
         </p:nvSpPr>
         <p:spPr>
@@ -1531,9 +1588,13 @@
             <a:ext cx="6096000" cy="3429000"/>
           </a:xfrm>
           <a:custGeom>
-            <a:rect b="b" l="l" r="r" t="t"/>
+            <a:avLst/>
+            <a:gdLst/>
+            <a:ahLst/>
+            <a:cxnLst/>
+            <a:rect l="l" t="t" r="r" b="b"/>
             <a:pathLst>
-              <a:path extrusionOk="0" h="120000" w="120000">
+              <a:path w="120000" h="120000" extrusionOk="0">
                 <a:moveTo>
                   <a:pt x="0" y="0"/>
                 </a:moveTo>
@@ -1555,9 +1616,11 @@
       <p:sp>
         <p:nvSpPr>
           <p:cNvPr id="132" name="Google Shape;132;g5051d587e5_0_112:notes"/>
-          <p:cNvSpPr txBox="1"/>
+          <p:cNvSpPr txBox="1">
+            <a:spLocks noGrp="1"/>
+          </p:cNvSpPr>
           <p:nvPr>
-            <p:ph idx="1" type="body"/>
+            <p:ph type="body" idx="1"/>
           </p:nvPr>
         </p:nvSpPr>
         <p:spPr>
@@ -1570,12 +1633,12 @@
           </a:prstGeom>
         </p:spPr>
         <p:txBody>
-          <a:bodyPr anchorCtr="0" anchor="t" bIns="91425" lIns="91425" spcFirstLastPara="1" rIns="91425" wrap="square" tIns="91425">
+          <a:bodyPr spcFirstLastPara="1" wrap="square" lIns="91425" tIns="91425" rIns="91425" bIns="91425" anchor="t" anchorCtr="0">
             <a:noAutofit/>
           </a:bodyPr>
           <a:lstStyle/>
           <a:p>
-            <a:pPr indent="0" lvl="0" marL="0" rtl="0" algn="l">
+            <a:pPr marL="0" lvl="0" indent="0" algn="l" rtl="0">
               <a:spcBef>
                 <a:spcPts val="0"/>
               </a:spcBef>
@@ -1584,9 +1647,6 @@
               </a:spcAft>
               <a:buNone/>
             </a:pPr>
-            <a:r>
-              <a:t/>
-            </a:r>
             <a:endParaRPr/>
           </a:p>
         </p:txBody>
@@ -1600,18 +1660,19 @@
 </file>
 
 <file path=ppt/slideLayouts/slideLayout1.xml><?xml version="1.0" encoding="utf-8"?>
-<p:sldLayout xmlns:a="http://schemas.openxmlformats.org/drawingml/2006/main" xmlns:r="http://schemas.openxmlformats.org/officeDocument/2006/relationships" xmlns:mc="http://schemas.openxmlformats.org/markup-compatibility/2006" xmlns:mv="urn:schemas-microsoft-com:mac:vml" xmlns:p="http://schemas.openxmlformats.org/presentationml/2006/main" xmlns:c="http://schemas.openxmlformats.org/drawingml/2006/chart" xmlns:dgm="http://schemas.openxmlformats.org/drawingml/2006/diagram" xmlns:o="urn:schemas-microsoft-com:office:office" xmlns:v="urn:schemas-microsoft-com:vml" xmlns:pvml="urn:schemas-microsoft-com:office:powerpoint" xmlns:com="http://schemas.openxmlformats.org/drawingml/2006/compatibility" xmlns:p14="http://schemas.microsoft.com/office/powerpoint/2010/main" xmlns:p15="http://schemas.microsoft.com/office/powerpoint/2012/main" matchingName="Title slide" type="title">
+<p:sldLayout xmlns:a="http://schemas.openxmlformats.org/drawingml/2006/main" xmlns:r="http://schemas.openxmlformats.org/officeDocument/2006/relationships" xmlns:p="http://schemas.openxmlformats.org/presentationml/2006/main" matchingName="Title slide" type="title">
   <p:cSld name="TITLE">
     <p:bg>
       <p:bgPr>
         <a:solidFill>
           <a:schemeClr val="lt2"/>
         </a:solidFill>
+        <a:effectLst/>
       </p:bgPr>
     </p:bg>
     <p:spTree>
       <p:nvGrpSpPr>
-        <p:cNvPr id="9" name="Shape 9"/>
+        <p:cNvPr id="1" name="Shape 9"/>
         <p:cNvGrpSpPr/>
         <p:nvPr/>
       </p:nvGrpSpPr>
@@ -1645,12 +1706,12 @@
           </a:ln>
         </p:spPr>
         <p:txBody>
-          <a:bodyPr anchorCtr="0" anchor="ctr" bIns="91425" lIns="91425" spcFirstLastPara="1" rIns="91425" wrap="square" tIns="91425">
+          <a:bodyPr spcFirstLastPara="1" wrap="square" lIns="91425" tIns="91425" rIns="91425" bIns="91425" anchor="ctr" anchorCtr="0">
             <a:noAutofit/>
           </a:bodyPr>
           <a:lstStyle/>
           <a:p>
-            <a:pPr indent="0" lvl="0" marL="0" rtl="0" algn="l">
+            <a:pPr marL="0" lvl="0" indent="0" algn="l" rtl="0">
               <a:spcBef>
                 <a:spcPts val="0"/>
               </a:spcBef>
@@ -1659,9 +1720,6 @@
               </a:spcAft>
               <a:buNone/>
             </a:pPr>
-            <a:r>
-              <a:t/>
-            </a:r>
             <a:endParaRPr/>
           </a:p>
         </p:txBody>
@@ -1702,12 +1760,12 @@
             </a:ln>
           </p:spPr>
           <p:txBody>
-            <a:bodyPr anchorCtr="0" anchor="ctr" bIns="91425" lIns="91425" spcFirstLastPara="1" rIns="91425" wrap="square" tIns="91425">
+            <a:bodyPr spcFirstLastPara="1" wrap="square" lIns="91425" tIns="91425" rIns="91425" bIns="91425" anchor="ctr" anchorCtr="0">
               <a:noAutofit/>
             </a:bodyPr>
             <a:lstStyle/>
             <a:p>
-              <a:pPr indent="0" lvl="0" marL="0" rtl="0" algn="l">
+              <a:pPr marL="0" lvl="0" indent="0" algn="l" rtl="0">
                 <a:spcBef>
                   <a:spcPts val="0"/>
                 </a:spcBef>
@@ -1716,9 +1774,6 @@
                 </a:spcAft>
                 <a:buNone/>
               </a:pPr>
-              <a:r>
-                <a:t/>
-              </a:r>
               <a:endParaRPr/>
             </a:p>
           </p:txBody>
@@ -1745,12 +1800,12 @@
             </a:ln>
           </p:spPr>
           <p:txBody>
-            <a:bodyPr anchorCtr="0" anchor="ctr" bIns="91425" lIns="91425" spcFirstLastPara="1" rIns="91425" wrap="square" tIns="91425">
+            <a:bodyPr spcFirstLastPara="1" wrap="square" lIns="91425" tIns="91425" rIns="91425" bIns="91425" anchor="ctr" anchorCtr="0">
               <a:noAutofit/>
             </a:bodyPr>
             <a:lstStyle/>
             <a:p>
-              <a:pPr indent="0" lvl="0" marL="0" rtl="0" algn="l">
+              <a:pPr marL="0" lvl="0" indent="0" algn="l" rtl="0">
                 <a:spcBef>
                   <a:spcPts val="0"/>
                 </a:spcBef>
@@ -1759,9 +1814,6 @@
                 </a:spcAft>
                 <a:buNone/>
               </a:pPr>
-              <a:r>
-                <a:t/>
-              </a:r>
               <a:endParaRPr/>
             </a:p>
           </p:txBody>
@@ -1770,7 +1822,9 @@
       <p:sp>
         <p:nvSpPr>
           <p:cNvPr id="14" name="Google Shape;14;p2"/>
-          <p:cNvSpPr txBox="1"/>
+          <p:cNvSpPr txBox="1">
+            <a:spLocks noGrp="1"/>
+          </p:cNvSpPr>
           <p:nvPr>
             <p:ph type="ctrTitle"/>
           </p:nvPr>
@@ -1785,7 +1839,7 @@
           </a:prstGeom>
         </p:spPr>
         <p:txBody>
-          <a:bodyPr anchorCtr="0" anchor="t" bIns="91425" lIns="91425" spcFirstLastPara="1" rIns="91425" wrap="square" tIns="91425"/>
+          <a:bodyPr spcFirstLastPara="1" wrap="square" lIns="91425" tIns="91425" rIns="91425" bIns="91425" anchor="t" anchorCtr="0"/>
           <a:lstStyle>
             <a:lvl1pPr lvl="0">
               <a:spcBef>
@@ -1950,15 +2004,19 @@
               </a:defRPr>
             </a:lvl9pPr>
           </a:lstStyle>
-          <a:p/>
+          <a:p>
+            <a:endParaRPr/>
+          </a:p>
         </p:txBody>
       </p:sp>
       <p:sp>
         <p:nvSpPr>
           <p:cNvPr id="15" name="Google Shape;15;p2"/>
-          <p:cNvSpPr txBox="1"/>
+          <p:cNvSpPr txBox="1">
+            <a:spLocks noGrp="1"/>
+          </p:cNvSpPr>
           <p:nvPr>
-            <p:ph idx="1" type="subTitle"/>
+            <p:ph type="subTitle" idx="1"/>
           </p:nvPr>
         </p:nvSpPr>
         <p:spPr>
@@ -1971,7 +2029,7 @@
           </a:prstGeom>
         </p:spPr>
         <p:txBody>
-          <a:bodyPr anchorCtr="0" anchor="t" bIns="91425" lIns="91425" spcFirstLastPara="1" rIns="91425" wrap="square" tIns="91425"/>
+          <a:bodyPr spcFirstLastPara="1" wrap="square" lIns="91425" tIns="91425" rIns="91425" bIns="91425" anchor="t" anchorCtr="0"/>
           <a:lstStyle>
             <a:lvl1pPr lvl="0">
               <a:lnSpc>
@@ -2100,15 +2158,19 @@
               <a:defRPr sz="1600"/>
             </a:lvl9pPr>
           </a:lstStyle>
-          <a:p/>
+          <a:p>
+            <a:endParaRPr/>
+          </a:p>
         </p:txBody>
       </p:sp>
       <p:sp>
         <p:nvSpPr>
           <p:cNvPr id="16" name="Google Shape;16;p2"/>
-          <p:cNvSpPr txBox="1"/>
+          <p:cNvSpPr txBox="1">
+            <a:spLocks noGrp="1"/>
+          </p:cNvSpPr>
           <p:nvPr>
-            <p:ph idx="12" type="sldNum"/>
+            <p:ph type="sldNum" idx="12"/>
           </p:nvPr>
         </p:nvSpPr>
         <p:spPr>
@@ -2121,7 +2183,7 @@
           </a:prstGeom>
         </p:spPr>
         <p:txBody>
-          <a:bodyPr anchorCtr="0" anchor="ctr" bIns="91425" lIns="91425" spcFirstLastPara="1" rIns="91425" wrap="square" tIns="91425">
+          <a:bodyPr spcFirstLastPara="1" wrap="square" lIns="91425" tIns="91425" rIns="91425" bIns="91425" anchor="ctr" anchorCtr="0">
             <a:noAutofit/>
           </a:bodyPr>
           <a:lstStyle>
@@ -2163,7 +2225,7 @@
             </a:lvl9pPr>
           </a:lstStyle>
           <a:p>
-            <a:pPr indent="0" lvl="0" marL="0" rtl="0" algn="r">
+            <a:pPr marL="0" lvl="0" indent="0" algn="r" rtl="0">
               <a:spcBef>
                 <a:spcPts val="0"/>
               </a:spcBef>
@@ -2189,18 +2251,19 @@
 </file>
 
 <file path=ppt/slideLayouts/slideLayout10.xml><?xml version="1.0" encoding="utf-8"?>
-<p:sldLayout xmlns:a="http://schemas.openxmlformats.org/drawingml/2006/main" xmlns:r="http://schemas.openxmlformats.org/officeDocument/2006/relationships" xmlns:mc="http://schemas.openxmlformats.org/markup-compatibility/2006" xmlns:mv="urn:schemas-microsoft-com:mac:vml" xmlns:p="http://schemas.openxmlformats.org/presentationml/2006/main" xmlns:c="http://schemas.openxmlformats.org/drawingml/2006/chart" xmlns:dgm="http://schemas.openxmlformats.org/drawingml/2006/diagram" xmlns:o="urn:schemas-microsoft-com:office:office" xmlns:v="urn:schemas-microsoft-com:vml" xmlns:pvml="urn:schemas-microsoft-com:office:powerpoint" xmlns:com="http://schemas.openxmlformats.org/drawingml/2006/compatibility" xmlns:p14="http://schemas.microsoft.com/office/powerpoint/2010/main" xmlns:p15="http://schemas.microsoft.com/office/powerpoint/2012/main" matchingName="Big number">
+<p:sldLayout xmlns:a="http://schemas.openxmlformats.org/drawingml/2006/main" xmlns:r="http://schemas.openxmlformats.org/officeDocument/2006/relationships" xmlns:p="http://schemas.openxmlformats.org/presentationml/2006/main" matchingName="Big number">
   <p:cSld name="BIG_NUMBER">
     <p:bg>
       <p:bgPr>
         <a:solidFill>
           <a:schemeClr val="dk1"/>
         </a:solidFill>
+        <a:effectLst/>
       </p:bgPr>
     </p:bg>
     <p:spTree>
       <p:nvGrpSpPr>
-        <p:cNvPr id="73" name="Shape 73"/>
+        <p:cNvPr id="1" name="Shape 73"/>
         <p:cNvGrpSpPr/>
         <p:nvPr/>
       </p:nvGrpSpPr>
@@ -2248,12 +2311,12 @@
             </a:ln>
           </p:spPr>
           <p:txBody>
-            <a:bodyPr anchorCtr="0" anchor="ctr" bIns="91425" lIns="91425" spcFirstLastPara="1" rIns="91425" wrap="square" tIns="91425">
+            <a:bodyPr spcFirstLastPara="1" wrap="square" lIns="91425" tIns="91425" rIns="91425" bIns="91425" anchor="ctr" anchorCtr="0">
               <a:noAutofit/>
             </a:bodyPr>
             <a:lstStyle/>
             <a:p>
-              <a:pPr indent="0" lvl="0" marL="0" rtl="0" algn="l">
+              <a:pPr marL="0" lvl="0" indent="0" algn="l" rtl="0">
                 <a:spcBef>
                   <a:spcPts val="0"/>
                 </a:spcBef>
@@ -2262,9 +2325,6 @@
                 </a:spcAft>
                 <a:buNone/>
               </a:pPr>
-              <a:r>
-                <a:t/>
-              </a:r>
               <a:endParaRPr/>
             </a:p>
           </p:txBody>
@@ -2291,12 +2351,12 @@
             </a:ln>
           </p:spPr>
           <p:txBody>
-            <a:bodyPr anchorCtr="0" anchor="ctr" bIns="91425" lIns="91425" spcFirstLastPara="1" rIns="91425" wrap="square" tIns="91425">
+            <a:bodyPr spcFirstLastPara="1" wrap="square" lIns="91425" tIns="91425" rIns="91425" bIns="91425" anchor="ctr" anchorCtr="0">
               <a:noAutofit/>
             </a:bodyPr>
             <a:lstStyle/>
             <a:p>
-              <a:pPr indent="0" lvl="0" marL="0" rtl="0" algn="l">
+              <a:pPr marL="0" lvl="0" indent="0" algn="l" rtl="0">
                 <a:spcBef>
                   <a:spcPts val="0"/>
                 </a:spcBef>
@@ -2305,9 +2365,6 @@
                 </a:spcAft>
                 <a:buNone/>
               </a:pPr>
-              <a:r>
-                <a:t/>
-              </a:r>
               <a:endParaRPr/>
             </a:p>
           </p:txBody>
@@ -2316,9 +2373,11 @@
       <p:sp>
         <p:nvSpPr>
           <p:cNvPr id="77" name="Google Shape;77;p11"/>
-          <p:cNvSpPr txBox="1"/>
+          <p:cNvSpPr txBox="1">
+            <a:spLocks noGrp="1"/>
+          </p:cNvSpPr>
           <p:nvPr>
-            <p:ph hasCustomPrompt="1" type="title"/>
+            <p:ph type="title" hasCustomPrompt="1"/>
           </p:nvPr>
         </p:nvSpPr>
         <p:spPr>
@@ -2331,7 +2390,7 @@
           </a:prstGeom>
         </p:spPr>
         <p:txBody>
-          <a:bodyPr anchorCtr="0" anchor="t" bIns="91425" lIns="91425" spcFirstLastPara="1" rIns="91425" wrap="square" tIns="91425"/>
+          <a:bodyPr spcFirstLastPara="1" wrap="square" lIns="91425" tIns="91425" rIns="91425" bIns="91425" anchor="t" anchorCtr="0"/>
           <a:lstStyle>
             <a:lvl1pPr lvl="0">
               <a:spcBef>
@@ -2506,9 +2565,11 @@
       <p:sp>
         <p:nvSpPr>
           <p:cNvPr id="78" name="Google Shape;78;p11"/>
-          <p:cNvSpPr txBox="1"/>
+          <p:cNvSpPr txBox="1">
+            <a:spLocks noGrp="1"/>
+          </p:cNvSpPr>
           <p:nvPr>
-            <p:ph idx="1" type="body"/>
+            <p:ph type="body" idx="1"/>
           </p:nvPr>
         </p:nvSpPr>
         <p:spPr>
@@ -2521,9 +2582,9 @@
           </a:prstGeom>
         </p:spPr>
         <p:txBody>
-          <a:bodyPr anchorCtr="0" anchor="t" bIns="91425" lIns="91425" spcFirstLastPara="1" rIns="91425" wrap="square" tIns="91425"/>
+          <a:bodyPr spcFirstLastPara="1" wrap="square" lIns="91425" tIns="91425" rIns="91425" bIns="91425" anchor="t" anchorCtr="0"/>
           <a:lstStyle>
-            <a:lvl1pPr indent="-311150" lvl="0" marL="457200">
+            <a:lvl1pPr marL="457200" lvl="0" indent="-311150">
               <a:spcBef>
                 <a:spcPts val="0"/>
               </a:spcBef>
@@ -2541,7 +2602,7 @@
                 </a:solidFill>
               </a:defRPr>
             </a:lvl1pPr>
-            <a:lvl2pPr indent="-298450" lvl="1" marL="914400">
+            <a:lvl2pPr marL="914400" lvl="1" indent="-298450">
               <a:spcBef>
                 <a:spcPts val="1600"/>
               </a:spcBef>
@@ -2559,7 +2620,7 @@
                 </a:solidFill>
               </a:defRPr>
             </a:lvl2pPr>
-            <a:lvl3pPr indent="-298450" lvl="2" marL="1371600">
+            <a:lvl3pPr marL="1371600" lvl="2" indent="-298450">
               <a:spcBef>
                 <a:spcPts val="1600"/>
               </a:spcBef>
@@ -2577,7 +2638,7 @@
                 </a:solidFill>
               </a:defRPr>
             </a:lvl3pPr>
-            <a:lvl4pPr indent="-298450" lvl="3" marL="1828800">
+            <a:lvl4pPr marL="1828800" lvl="3" indent="-298450">
               <a:spcBef>
                 <a:spcPts val="1600"/>
               </a:spcBef>
@@ -2595,7 +2656,7 @@
                 </a:solidFill>
               </a:defRPr>
             </a:lvl4pPr>
-            <a:lvl5pPr indent="-298450" lvl="4" marL="2286000">
+            <a:lvl5pPr marL="2286000" lvl="4" indent="-298450">
               <a:spcBef>
                 <a:spcPts val="1600"/>
               </a:spcBef>
@@ -2613,7 +2674,7 @@
                 </a:solidFill>
               </a:defRPr>
             </a:lvl5pPr>
-            <a:lvl6pPr indent="-298450" lvl="5" marL="2743200">
+            <a:lvl6pPr marL="2743200" lvl="5" indent="-298450">
               <a:spcBef>
                 <a:spcPts val="1600"/>
               </a:spcBef>
@@ -2631,7 +2692,7 @@
                 </a:solidFill>
               </a:defRPr>
             </a:lvl6pPr>
-            <a:lvl7pPr indent="-298450" lvl="6" marL="3200400">
+            <a:lvl7pPr marL="3200400" lvl="6" indent="-298450">
               <a:spcBef>
                 <a:spcPts val="1600"/>
               </a:spcBef>
@@ -2649,7 +2710,7 @@
                 </a:solidFill>
               </a:defRPr>
             </a:lvl7pPr>
-            <a:lvl8pPr indent="-298450" lvl="7" marL="3657600">
+            <a:lvl8pPr marL="3657600" lvl="7" indent="-298450">
               <a:spcBef>
                 <a:spcPts val="1600"/>
               </a:spcBef>
@@ -2667,7 +2728,7 @@
                 </a:solidFill>
               </a:defRPr>
             </a:lvl8pPr>
-            <a:lvl9pPr indent="-298450" lvl="8" marL="4114800">
+            <a:lvl9pPr marL="4114800" lvl="8" indent="-298450">
               <a:spcBef>
                 <a:spcPts val="1600"/>
               </a:spcBef>
@@ -2686,15 +2747,19 @@
               </a:defRPr>
             </a:lvl9pPr>
           </a:lstStyle>
-          <a:p/>
+          <a:p>
+            <a:endParaRPr/>
+          </a:p>
         </p:txBody>
       </p:sp>
       <p:sp>
         <p:nvSpPr>
           <p:cNvPr id="79" name="Google Shape;79;p11"/>
-          <p:cNvSpPr txBox="1"/>
+          <p:cNvSpPr txBox="1">
+            <a:spLocks noGrp="1"/>
+          </p:cNvSpPr>
           <p:nvPr>
-            <p:ph idx="12" type="sldNum"/>
+            <p:ph type="sldNum" idx="12"/>
           </p:nvPr>
         </p:nvSpPr>
         <p:spPr>
@@ -2707,7 +2772,7 @@
           </a:prstGeom>
         </p:spPr>
         <p:txBody>
-          <a:bodyPr anchorCtr="0" anchor="ctr" bIns="91425" lIns="91425" spcFirstLastPara="1" rIns="91425" wrap="square" tIns="91425">
+          <a:bodyPr spcFirstLastPara="1" wrap="square" lIns="91425" tIns="91425" rIns="91425" bIns="91425" anchor="ctr" anchorCtr="0">
             <a:noAutofit/>
           </a:bodyPr>
           <a:lstStyle>
@@ -2785,7 +2850,7 @@
             </a:lvl9pPr>
           </a:lstStyle>
           <a:p>
-            <a:pPr indent="0" lvl="0" marL="0" rtl="0" algn="r">
+            <a:pPr marL="0" lvl="0" indent="0" algn="r" rtl="0">
               <a:spcBef>
                 <a:spcPts val="0"/>
               </a:spcBef>
@@ -2811,11 +2876,11 @@
 </file>
 
 <file path=ppt/slideLayouts/slideLayout11.xml><?xml version="1.0" encoding="utf-8"?>
-<p:sldLayout xmlns:a="http://schemas.openxmlformats.org/drawingml/2006/main" xmlns:r="http://schemas.openxmlformats.org/officeDocument/2006/relationships" xmlns:mc="http://schemas.openxmlformats.org/markup-compatibility/2006" xmlns:mv="urn:schemas-microsoft-com:mac:vml" xmlns:p="http://schemas.openxmlformats.org/presentationml/2006/main" xmlns:c="http://schemas.openxmlformats.org/drawingml/2006/chart" xmlns:dgm="http://schemas.openxmlformats.org/drawingml/2006/diagram" xmlns:o="urn:schemas-microsoft-com:office:office" xmlns:v="urn:schemas-microsoft-com:vml" xmlns:pvml="urn:schemas-microsoft-com:office:powerpoint" xmlns:com="http://schemas.openxmlformats.org/drawingml/2006/compatibility" xmlns:p14="http://schemas.microsoft.com/office/powerpoint/2010/main" xmlns:p15="http://schemas.microsoft.com/office/powerpoint/2012/main" matchingName="Blank" type="blank">
+<p:sldLayout xmlns:a="http://schemas.openxmlformats.org/drawingml/2006/main" xmlns:r="http://schemas.openxmlformats.org/officeDocument/2006/relationships" xmlns:p="http://schemas.openxmlformats.org/presentationml/2006/main" matchingName="Blank" type="blank">
   <p:cSld name="BLANK">
     <p:spTree>
       <p:nvGrpSpPr>
-        <p:cNvPr id="80" name="Shape 80"/>
+        <p:cNvPr id="1" name="Shape 80"/>
         <p:cNvGrpSpPr/>
         <p:nvPr/>
       </p:nvGrpSpPr>
@@ -2830,9 +2895,11 @@
       <p:sp>
         <p:nvSpPr>
           <p:cNvPr id="81" name="Google Shape;81;p12"/>
-          <p:cNvSpPr txBox="1"/>
+          <p:cNvSpPr txBox="1">
+            <a:spLocks noGrp="1"/>
+          </p:cNvSpPr>
           <p:nvPr>
-            <p:ph idx="12" type="sldNum"/>
+            <p:ph type="sldNum" idx="12"/>
           </p:nvPr>
         </p:nvSpPr>
         <p:spPr>
@@ -2845,7 +2912,7 @@
           </a:prstGeom>
         </p:spPr>
         <p:txBody>
-          <a:bodyPr anchorCtr="0" anchor="ctr" bIns="91425" lIns="91425" spcFirstLastPara="1" rIns="91425" wrap="square" tIns="91425">
+          <a:bodyPr spcFirstLastPara="1" wrap="square" lIns="91425" tIns="91425" rIns="91425" bIns="91425" anchor="ctr" anchorCtr="0">
             <a:noAutofit/>
           </a:bodyPr>
           <a:lstStyle>
@@ -2887,7 +2954,7 @@
             </a:lvl9pPr>
           </a:lstStyle>
           <a:p>
-            <a:pPr indent="0" lvl="0" marL="0" rtl="0" algn="r">
+            <a:pPr marL="0" lvl="0" indent="0" algn="r" rtl="0">
               <a:spcBef>
                 <a:spcPts val="0"/>
               </a:spcBef>
@@ -2913,18 +2980,19 @@
 </file>
 
 <file path=ppt/slideLayouts/slideLayout2.xml><?xml version="1.0" encoding="utf-8"?>
-<p:sldLayout xmlns:a="http://schemas.openxmlformats.org/drawingml/2006/main" xmlns:r="http://schemas.openxmlformats.org/officeDocument/2006/relationships" xmlns:mc="http://schemas.openxmlformats.org/markup-compatibility/2006" xmlns:mv="urn:schemas-microsoft-com:mac:vml" xmlns:p="http://schemas.openxmlformats.org/presentationml/2006/main" xmlns:c="http://schemas.openxmlformats.org/drawingml/2006/chart" xmlns:dgm="http://schemas.openxmlformats.org/drawingml/2006/diagram" xmlns:o="urn:schemas-microsoft-com:office:office" xmlns:v="urn:schemas-microsoft-com:vml" xmlns:pvml="urn:schemas-microsoft-com:office:powerpoint" xmlns:com="http://schemas.openxmlformats.org/drawingml/2006/compatibility" xmlns:p14="http://schemas.microsoft.com/office/powerpoint/2010/main" xmlns:p15="http://schemas.microsoft.com/office/powerpoint/2012/main" matchingName="Section header" type="secHead">
+<p:sldLayout xmlns:a="http://schemas.openxmlformats.org/drawingml/2006/main" xmlns:r="http://schemas.openxmlformats.org/officeDocument/2006/relationships" xmlns:p="http://schemas.openxmlformats.org/presentationml/2006/main" matchingName="Section header" type="secHead">
   <p:cSld name="SECTION_HEADER">
     <p:bg>
       <p:bgPr>
         <a:solidFill>
           <a:schemeClr val="dk1"/>
         </a:solidFill>
+        <a:effectLst/>
       </p:bgPr>
     </p:bg>
     <p:spTree>
       <p:nvGrpSpPr>
-        <p:cNvPr id="17" name="Shape 17"/>
+        <p:cNvPr id="1" name="Shape 17"/>
         <p:cNvGrpSpPr/>
         <p:nvPr/>
       </p:nvGrpSpPr>
@@ -2972,12 +3040,12 @@
             </a:ln>
           </p:spPr>
           <p:txBody>
-            <a:bodyPr anchorCtr="0" anchor="ctr" bIns="91425" lIns="91425" spcFirstLastPara="1" rIns="91425" wrap="square" tIns="91425">
+            <a:bodyPr spcFirstLastPara="1" wrap="square" lIns="91425" tIns="91425" rIns="91425" bIns="91425" anchor="ctr" anchorCtr="0">
               <a:noAutofit/>
             </a:bodyPr>
             <a:lstStyle/>
             <a:p>
-              <a:pPr indent="0" lvl="0" marL="0" rtl="0" algn="l">
+              <a:pPr marL="0" lvl="0" indent="0" algn="l" rtl="0">
                 <a:spcBef>
                   <a:spcPts val="0"/>
                 </a:spcBef>
@@ -2986,9 +3054,6 @@
                 </a:spcAft>
                 <a:buNone/>
               </a:pPr>
-              <a:r>
-                <a:t/>
-              </a:r>
               <a:endParaRPr/>
             </a:p>
           </p:txBody>
@@ -3015,12 +3080,12 @@
             </a:ln>
           </p:spPr>
           <p:txBody>
-            <a:bodyPr anchorCtr="0" anchor="ctr" bIns="91425" lIns="91425" spcFirstLastPara="1" rIns="91425" wrap="square" tIns="91425">
+            <a:bodyPr spcFirstLastPara="1" wrap="square" lIns="91425" tIns="91425" rIns="91425" bIns="91425" anchor="ctr" anchorCtr="0">
               <a:noAutofit/>
             </a:bodyPr>
             <a:lstStyle/>
             <a:p>
-              <a:pPr indent="0" lvl="0" marL="0" rtl="0" algn="l">
+              <a:pPr marL="0" lvl="0" indent="0" algn="l" rtl="0">
                 <a:spcBef>
                   <a:spcPts val="0"/>
                 </a:spcBef>
@@ -3029,9 +3094,6 @@
                 </a:spcAft>
                 <a:buNone/>
               </a:pPr>
-              <a:r>
-                <a:t/>
-              </a:r>
               <a:endParaRPr/>
             </a:p>
           </p:txBody>
@@ -3040,7 +3102,9 @@
       <p:sp>
         <p:nvSpPr>
           <p:cNvPr id="21" name="Google Shape;21;p3"/>
-          <p:cNvSpPr txBox="1"/>
+          <p:cNvSpPr txBox="1">
+            <a:spLocks noGrp="1"/>
+          </p:cNvSpPr>
           <p:nvPr>
             <p:ph type="title"/>
           </p:nvPr>
@@ -3055,7 +3119,7 @@
           </a:prstGeom>
         </p:spPr>
         <p:txBody>
-          <a:bodyPr anchorCtr="0" anchor="t" bIns="91425" lIns="91425" spcFirstLastPara="1" rIns="91425" wrap="square" tIns="91425"/>
+          <a:bodyPr spcFirstLastPara="1" wrap="square" lIns="91425" tIns="91425" rIns="91425" bIns="91425" anchor="t" anchorCtr="0"/>
           <a:lstStyle>
             <a:lvl1pPr lvl="0">
               <a:spcBef>
@@ -3220,15 +3284,19 @@
               </a:defRPr>
             </a:lvl9pPr>
           </a:lstStyle>
-          <a:p/>
+          <a:p>
+            <a:endParaRPr/>
+          </a:p>
         </p:txBody>
       </p:sp>
       <p:sp>
         <p:nvSpPr>
           <p:cNvPr id="22" name="Google Shape;22;p3"/>
-          <p:cNvSpPr txBox="1"/>
+          <p:cNvSpPr txBox="1">
+            <a:spLocks noGrp="1"/>
+          </p:cNvSpPr>
           <p:nvPr>
-            <p:ph idx="12" type="sldNum"/>
+            <p:ph type="sldNum" idx="12"/>
           </p:nvPr>
         </p:nvSpPr>
         <p:spPr>
@@ -3241,7 +3309,7 @@
           </a:prstGeom>
         </p:spPr>
         <p:txBody>
-          <a:bodyPr anchorCtr="0" anchor="ctr" bIns="91425" lIns="91425" spcFirstLastPara="1" rIns="91425" wrap="square" tIns="91425">
+          <a:bodyPr spcFirstLastPara="1" wrap="square" lIns="91425" tIns="91425" rIns="91425" bIns="91425" anchor="ctr" anchorCtr="0">
             <a:noAutofit/>
           </a:bodyPr>
           <a:lstStyle>
@@ -3319,7 +3387,7 @@
             </a:lvl9pPr>
           </a:lstStyle>
           <a:p>
-            <a:pPr indent="0" lvl="0" marL="0" rtl="0" algn="r">
+            <a:pPr marL="0" lvl="0" indent="0" algn="r" rtl="0">
               <a:spcBef>
                 <a:spcPts val="0"/>
               </a:spcBef>
@@ -3345,11 +3413,11 @@
 </file>
 
 <file path=ppt/slideLayouts/slideLayout3.xml><?xml version="1.0" encoding="utf-8"?>
-<p:sldLayout xmlns:a="http://schemas.openxmlformats.org/drawingml/2006/main" xmlns:r="http://schemas.openxmlformats.org/officeDocument/2006/relationships" xmlns:mc="http://schemas.openxmlformats.org/markup-compatibility/2006" xmlns:mv="urn:schemas-microsoft-com:mac:vml" xmlns:p="http://schemas.openxmlformats.org/presentationml/2006/main" xmlns:c="http://schemas.openxmlformats.org/drawingml/2006/chart" xmlns:dgm="http://schemas.openxmlformats.org/drawingml/2006/diagram" xmlns:o="urn:schemas-microsoft-com:office:office" xmlns:v="urn:schemas-microsoft-com:vml" xmlns:pvml="urn:schemas-microsoft-com:office:powerpoint" xmlns:com="http://schemas.openxmlformats.org/drawingml/2006/compatibility" xmlns:p14="http://schemas.microsoft.com/office/powerpoint/2010/main" xmlns:p15="http://schemas.microsoft.com/office/powerpoint/2012/main" matchingName="Title and body" type="tx">
+<p:sldLayout xmlns:a="http://schemas.openxmlformats.org/drawingml/2006/main" xmlns:r="http://schemas.openxmlformats.org/officeDocument/2006/relationships" xmlns:p="http://schemas.openxmlformats.org/presentationml/2006/main" matchingName="Title and body" type="tx">
   <p:cSld name="TITLE_AND_BODY">
     <p:spTree>
       <p:nvGrpSpPr>
-        <p:cNvPr id="23" name="Shape 23"/>
+        <p:cNvPr id="1" name="Shape 23"/>
         <p:cNvGrpSpPr/>
         <p:nvPr/>
       </p:nvGrpSpPr>
@@ -3383,12 +3451,12 @@
           </a:ln>
         </p:spPr>
         <p:txBody>
-          <a:bodyPr anchorCtr="0" anchor="ctr" bIns="91425" lIns="91425" spcFirstLastPara="1" rIns="91425" wrap="square" tIns="91425">
+          <a:bodyPr spcFirstLastPara="1" wrap="square" lIns="91425" tIns="91425" rIns="91425" bIns="91425" anchor="ctr" anchorCtr="0">
             <a:noAutofit/>
           </a:bodyPr>
           <a:lstStyle/>
           <a:p>
-            <a:pPr indent="0" lvl="0" marL="0" rtl="0" algn="l">
+            <a:pPr marL="0" lvl="0" indent="0" algn="l" rtl="0">
               <a:spcBef>
                 <a:spcPts val="0"/>
               </a:spcBef>
@@ -3397,9 +3465,6 @@
               </a:spcAft>
               <a:buNone/>
             </a:pPr>
-            <a:r>
-              <a:t/>
-            </a:r>
             <a:endParaRPr/>
           </a:p>
         </p:txBody>
@@ -3440,12 +3505,12 @@
             </a:ln>
           </p:spPr>
           <p:txBody>
-            <a:bodyPr anchorCtr="0" anchor="ctr" bIns="91425" lIns="91425" spcFirstLastPara="1" rIns="91425" wrap="square" tIns="91425">
+            <a:bodyPr spcFirstLastPara="1" wrap="square" lIns="91425" tIns="91425" rIns="91425" bIns="91425" anchor="ctr" anchorCtr="0">
               <a:noAutofit/>
             </a:bodyPr>
             <a:lstStyle/>
             <a:p>
-              <a:pPr indent="0" lvl="0" marL="0" rtl="0" algn="l">
+              <a:pPr marL="0" lvl="0" indent="0" algn="l" rtl="0">
                 <a:spcBef>
                   <a:spcPts val="0"/>
                 </a:spcBef>
@@ -3454,9 +3519,6 @@
                 </a:spcAft>
                 <a:buNone/>
               </a:pPr>
-              <a:r>
-                <a:t/>
-              </a:r>
               <a:endParaRPr/>
             </a:p>
           </p:txBody>
@@ -3483,12 +3545,12 @@
             </a:ln>
           </p:spPr>
           <p:txBody>
-            <a:bodyPr anchorCtr="0" anchor="ctr" bIns="91425" lIns="91425" spcFirstLastPara="1" rIns="91425" wrap="square" tIns="91425">
+            <a:bodyPr spcFirstLastPara="1" wrap="square" lIns="91425" tIns="91425" rIns="91425" bIns="91425" anchor="ctr" anchorCtr="0">
               <a:noAutofit/>
             </a:bodyPr>
             <a:lstStyle/>
             <a:p>
-              <a:pPr indent="0" lvl="0" marL="0" rtl="0" algn="l">
+              <a:pPr marL="0" lvl="0" indent="0" algn="l" rtl="0">
                 <a:spcBef>
                   <a:spcPts val="0"/>
                 </a:spcBef>
@@ -3497,9 +3559,6 @@
                 </a:spcAft>
                 <a:buNone/>
               </a:pPr>
-              <a:r>
-                <a:t/>
-              </a:r>
               <a:endParaRPr/>
             </a:p>
           </p:txBody>
@@ -3508,7 +3567,9 @@
       <p:sp>
         <p:nvSpPr>
           <p:cNvPr id="28" name="Google Shape;28;p4"/>
-          <p:cNvSpPr txBox="1"/>
+          <p:cNvSpPr txBox="1">
+            <a:spLocks noGrp="1"/>
+          </p:cNvSpPr>
           <p:nvPr>
             <p:ph type="title"/>
           </p:nvPr>
@@ -3523,7 +3584,7 @@
           </a:prstGeom>
         </p:spPr>
         <p:txBody>
-          <a:bodyPr anchorCtr="0" anchor="t" bIns="91425" lIns="91425" spcFirstLastPara="1" rIns="91425" wrap="square" tIns="91425"/>
+          <a:bodyPr spcFirstLastPara="1" wrap="square" lIns="91425" tIns="91425" rIns="91425" bIns="91425" anchor="t" anchorCtr="0"/>
           <a:lstStyle>
             <a:lvl1pPr lvl="0">
               <a:spcBef>
@@ -3688,15 +3749,19 @@
               </a:defRPr>
             </a:lvl9pPr>
           </a:lstStyle>
-          <a:p/>
+          <a:p>
+            <a:endParaRPr/>
+          </a:p>
         </p:txBody>
       </p:sp>
       <p:sp>
         <p:nvSpPr>
           <p:cNvPr id="29" name="Google Shape;29;p4"/>
-          <p:cNvSpPr txBox="1"/>
+          <p:cNvSpPr txBox="1">
+            <a:spLocks noGrp="1"/>
+          </p:cNvSpPr>
           <p:nvPr>
-            <p:ph idx="1" type="body"/>
+            <p:ph type="body" idx="1"/>
           </p:nvPr>
         </p:nvSpPr>
         <p:spPr>
@@ -3709,9 +3774,9 @@
           </a:prstGeom>
         </p:spPr>
         <p:txBody>
-          <a:bodyPr anchorCtr="0" anchor="t" bIns="91425" lIns="91425" spcFirstLastPara="1" rIns="91425" wrap="square" tIns="91425"/>
+          <a:bodyPr spcFirstLastPara="1" wrap="square" lIns="91425" tIns="91425" rIns="91425" bIns="91425" anchor="t" anchorCtr="0"/>
           <a:lstStyle>
-            <a:lvl1pPr indent="-311150" lvl="0" marL="457200">
+            <a:lvl1pPr marL="457200" lvl="0" indent="-311150">
               <a:spcBef>
                 <a:spcPts val="0"/>
               </a:spcBef>
@@ -3722,7 +3787,7 @@
               <a:buChar char="●"/>
               <a:defRPr/>
             </a:lvl1pPr>
-            <a:lvl2pPr indent="-298450" lvl="1" marL="914400">
+            <a:lvl2pPr marL="914400" lvl="1" indent="-298450">
               <a:spcBef>
                 <a:spcPts val="1600"/>
               </a:spcBef>
@@ -3733,7 +3798,7 @@
               <a:buChar char="○"/>
               <a:defRPr/>
             </a:lvl2pPr>
-            <a:lvl3pPr indent="-298450" lvl="2" marL="1371600">
+            <a:lvl3pPr marL="1371600" lvl="2" indent="-298450">
               <a:spcBef>
                 <a:spcPts val="1600"/>
               </a:spcBef>
@@ -3744,7 +3809,7 @@
               <a:buChar char="■"/>
               <a:defRPr/>
             </a:lvl3pPr>
-            <a:lvl4pPr indent="-298450" lvl="3" marL="1828800">
+            <a:lvl4pPr marL="1828800" lvl="3" indent="-298450">
               <a:spcBef>
                 <a:spcPts val="1600"/>
               </a:spcBef>
@@ -3755,7 +3820,7 @@
               <a:buChar char="●"/>
               <a:defRPr/>
             </a:lvl4pPr>
-            <a:lvl5pPr indent="-298450" lvl="4" marL="2286000">
+            <a:lvl5pPr marL="2286000" lvl="4" indent="-298450">
               <a:spcBef>
                 <a:spcPts val="1600"/>
               </a:spcBef>
@@ -3766,7 +3831,7 @@
               <a:buChar char="○"/>
               <a:defRPr/>
             </a:lvl5pPr>
-            <a:lvl6pPr indent="-298450" lvl="5" marL="2743200">
+            <a:lvl6pPr marL="2743200" lvl="5" indent="-298450">
               <a:spcBef>
                 <a:spcPts val="1600"/>
               </a:spcBef>
@@ -3777,7 +3842,7 @@
               <a:buChar char="■"/>
               <a:defRPr/>
             </a:lvl6pPr>
-            <a:lvl7pPr indent="-298450" lvl="6" marL="3200400">
+            <a:lvl7pPr marL="3200400" lvl="6" indent="-298450">
               <a:spcBef>
                 <a:spcPts val="1600"/>
               </a:spcBef>
@@ -3788,7 +3853,7 @@
               <a:buChar char="●"/>
               <a:defRPr/>
             </a:lvl7pPr>
-            <a:lvl8pPr indent="-298450" lvl="7" marL="3657600">
+            <a:lvl8pPr marL="3657600" lvl="7" indent="-298450">
               <a:spcBef>
                 <a:spcPts val="1600"/>
               </a:spcBef>
@@ -3799,7 +3864,7 @@
               <a:buChar char="○"/>
               <a:defRPr/>
             </a:lvl8pPr>
-            <a:lvl9pPr indent="-298450" lvl="8" marL="4114800">
+            <a:lvl9pPr marL="4114800" lvl="8" indent="-298450">
               <a:spcBef>
                 <a:spcPts val="1600"/>
               </a:spcBef>
@@ -3811,15 +3876,19 @@
               <a:defRPr/>
             </a:lvl9pPr>
           </a:lstStyle>
-          <a:p/>
+          <a:p>
+            <a:endParaRPr/>
+          </a:p>
         </p:txBody>
       </p:sp>
       <p:sp>
         <p:nvSpPr>
           <p:cNvPr id="30" name="Google Shape;30;p4"/>
-          <p:cNvSpPr txBox="1"/>
+          <p:cNvSpPr txBox="1">
+            <a:spLocks noGrp="1"/>
+          </p:cNvSpPr>
           <p:nvPr>
-            <p:ph idx="12" type="sldNum"/>
+            <p:ph type="sldNum" idx="12"/>
           </p:nvPr>
         </p:nvSpPr>
         <p:spPr>
@@ -3832,7 +3901,7 @@
           </a:prstGeom>
         </p:spPr>
         <p:txBody>
-          <a:bodyPr anchorCtr="0" anchor="ctr" bIns="91425" lIns="91425" spcFirstLastPara="1" rIns="91425" wrap="square" tIns="91425">
+          <a:bodyPr spcFirstLastPara="1" wrap="square" lIns="91425" tIns="91425" rIns="91425" bIns="91425" anchor="ctr" anchorCtr="0">
             <a:noAutofit/>
           </a:bodyPr>
           <a:lstStyle>
@@ -3874,7 +3943,7 @@
             </a:lvl9pPr>
           </a:lstStyle>
           <a:p>
-            <a:pPr indent="0" lvl="0" marL="0" rtl="0" algn="r">
+            <a:pPr marL="0" lvl="0" indent="0" algn="r" rtl="0">
               <a:spcBef>
                 <a:spcPts val="0"/>
               </a:spcBef>
@@ -3900,11 +3969,11 @@
 </file>
 
 <file path=ppt/slideLayouts/slideLayout4.xml><?xml version="1.0" encoding="utf-8"?>
-<p:sldLayout xmlns:a="http://schemas.openxmlformats.org/drawingml/2006/main" xmlns:r="http://schemas.openxmlformats.org/officeDocument/2006/relationships" xmlns:mc="http://schemas.openxmlformats.org/markup-compatibility/2006" xmlns:mv="urn:schemas-microsoft-com:mac:vml" xmlns:p="http://schemas.openxmlformats.org/presentationml/2006/main" xmlns:c="http://schemas.openxmlformats.org/drawingml/2006/chart" xmlns:dgm="http://schemas.openxmlformats.org/drawingml/2006/diagram" xmlns:o="urn:schemas-microsoft-com:office:office" xmlns:v="urn:schemas-microsoft-com:vml" xmlns:pvml="urn:schemas-microsoft-com:office:powerpoint" xmlns:com="http://schemas.openxmlformats.org/drawingml/2006/compatibility" xmlns:p14="http://schemas.microsoft.com/office/powerpoint/2010/main" xmlns:p15="http://schemas.microsoft.com/office/powerpoint/2012/main" matchingName="Title and two columns" type="twoColTx">
+<p:sldLayout xmlns:a="http://schemas.openxmlformats.org/drawingml/2006/main" xmlns:r="http://schemas.openxmlformats.org/officeDocument/2006/relationships" xmlns:p="http://schemas.openxmlformats.org/presentationml/2006/main" matchingName="Title and two columns" type="twoColTx">
   <p:cSld name="TITLE_AND_TWO_COLUMNS">
     <p:spTree>
       <p:nvGrpSpPr>
-        <p:cNvPr id="31" name="Shape 31"/>
+        <p:cNvPr id="1" name="Shape 31"/>
         <p:cNvGrpSpPr/>
         <p:nvPr/>
       </p:nvGrpSpPr>
@@ -3938,12 +4007,12 @@
           </a:ln>
         </p:spPr>
         <p:txBody>
-          <a:bodyPr anchorCtr="0" anchor="ctr" bIns="91425" lIns="91425" spcFirstLastPara="1" rIns="91425" wrap="square" tIns="91425">
+          <a:bodyPr spcFirstLastPara="1" wrap="square" lIns="91425" tIns="91425" rIns="91425" bIns="91425" anchor="ctr" anchorCtr="0">
             <a:noAutofit/>
           </a:bodyPr>
           <a:lstStyle/>
           <a:p>
-            <a:pPr indent="0" lvl="0" marL="0" rtl="0" algn="l">
+            <a:pPr marL="0" lvl="0" indent="0" algn="l" rtl="0">
               <a:spcBef>
                 <a:spcPts val="0"/>
               </a:spcBef>
@@ -3952,9 +4021,6 @@
               </a:spcAft>
               <a:buNone/>
             </a:pPr>
-            <a:r>
-              <a:t/>
-            </a:r>
             <a:endParaRPr/>
           </a:p>
         </p:txBody>
@@ -3995,12 +4061,12 @@
             </a:ln>
           </p:spPr>
           <p:txBody>
-            <a:bodyPr anchorCtr="0" anchor="ctr" bIns="91425" lIns="91425" spcFirstLastPara="1" rIns="91425" wrap="square" tIns="91425">
+            <a:bodyPr spcFirstLastPara="1" wrap="square" lIns="91425" tIns="91425" rIns="91425" bIns="91425" anchor="ctr" anchorCtr="0">
               <a:noAutofit/>
             </a:bodyPr>
             <a:lstStyle/>
             <a:p>
-              <a:pPr indent="0" lvl="0" marL="0" rtl="0" algn="l">
+              <a:pPr marL="0" lvl="0" indent="0" algn="l" rtl="0">
                 <a:spcBef>
                   <a:spcPts val="0"/>
                 </a:spcBef>
@@ -4009,9 +4075,6 @@
                 </a:spcAft>
                 <a:buNone/>
               </a:pPr>
-              <a:r>
-                <a:t/>
-              </a:r>
               <a:endParaRPr/>
             </a:p>
           </p:txBody>
@@ -4038,12 +4101,12 @@
             </a:ln>
           </p:spPr>
           <p:txBody>
-            <a:bodyPr anchorCtr="0" anchor="ctr" bIns="91425" lIns="91425" spcFirstLastPara="1" rIns="91425" wrap="square" tIns="91425">
+            <a:bodyPr spcFirstLastPara="1" wrap="square" lIns="91425" tIns="91425" rIns="91425" bIns="91425" anchor="ctr" anchorCtr="0">
               <a:noAutofit/>
             </a:bodyPr>
             <a:lstStyle/>
             <a:p>
-              <a:pPr indent="0" lvl="0" marL="0" rtl="0" algn="l">
+              <a:pPr marL="0" lvl="0" indent="0" algn="l" rtl="0">
                 <a:spcBef>
                   <a:spcPts val="0"/>
                 </a:spcBef>
@@ -4052,9 +4115,6 @@
                 </a:spcAft>
                 <a:buNone/>
               </a:pPr>
-              <a:r>
-                <a:t/>
-              </a:r>
               <a:endParaRPr/>
             </a:p>
           </p:txBody>
@@ -4063,7 +4123,9 @@
       <p:sp>
         <p:nvSpPr>
           <p:cNvPr id="36" name="Google Shape;36;p5"/>
-          <p:cNvSpPr txBox="1"/>
+          <p:cNvSpPr txBox="1">
+            <a:spLocks noGrp="1"/>
+          </p:cNvSpPr>
           <p:nvPr>
             <p:ph type="title"/>
           </p:nvPr>
@@ -4078,7 +4140,7 @@
           </a:prstGeom>
         </p:spPr>
         <p:txBody>
-          <a:bodyPr anchorCtr="0" anchor="t" bIns="91425" lIns="91425" spcFirstLastPara="1" rIns="91425" wrap="square" tIns="91425"/>
+          <a:bodyPr spcFirstLastPara="1" wrap="square" lIns="91425" tIns="91425" rIns="91425" bIns="91425" anchor="t" anchorCtr="0"/>
           <a:lstStyle>
             <a:lvl1pPr lvl="0">
               <a:spcBef>
@@ -4243,15 +4305,19 @@
               </a:defRPr>
             </a:lvl9pPr>
           </a:lstStyle>
-          <a:p/>
+          <a:p>
+            <a:endParaRPr/>
+          </a:p>
         </p:txBody>
       </p:sp>
       <p:sp>
         <p:nvSpPr>
           <p:cNvPr id="37" name="Google Shape;37;p5"/>
-          <p:cNvSpPr txBox="1"/>
+          <p:cNvSpPr txBox="1">
+            <a:spLocks noGrp="1"/>
+          </p:cNvSpPr>
           <p:nvPr>
-            <p:ph idx="1" type="body"/>
+            <p:ph type="body" idx="1"/>
           </p:nvPr>
         </p:nvSpPr>
         <p:spPr>
@@ -4264,9 +4330,9 @@
           </a:prstGeom>
         </p:spPr>
         <p:txBody>
-          <a:bodyPr anchorCtr="0" anchor="t" bIns="91425" lIns="91425" spcFirstLastPara="1" rIns="91425" wrap="square" tIns="91425"/>
+          <a:bodyPr spcFirstLastPara="1" wrap="square" lIns="91425" tIns="91425" rIns="91425" bIns="91425" anchor="t" anchorCtr="0"/>
           <a:lstStyle>
-            <a:lvl1pPr indent="-311150" lvl="0" marL="457200">
+            <a:lvl1pPr marL="457200" lvl="0" indent="-311150">
               <a:spcBef>
                 <a:spcPts val="0"/>
               </a:spcBef>
@@ -4277,7 +4343,7 @@
               <a:buChar char="●"/>
               <a:defRPr/>
             </a:lvl1pPr>
-            <a:lvl2pPr indent="-298450" lvl="1" marL="914400">
+            <a:lvl2pPr marL="914400" lvl="1" indent="-298450">
               <a:spcBef>
                 <a:spcPts val="1600"/>
               </a:spcBef>
@@ -4288,7 +4354,7 @@
               <a:buChar char="○"/>
               <a:defRPr/>
             </a:lvl2pPr>
-            <a:lvl3pPr indent="-298450" lvl="2" marL="1371600">
+            <a:lvl3pPr marL="1371600" lvl="2" indent="-298450">
               <a:spcBef>
                 <a:spcPts val="1600"/>
               </a:spcBef>
@@ -4299,7 +4365,7 @@
               <a:buChar char="■"/>
               <a:defRPr/>
             </a:lvl3pPr>
-            <a:lvl4pPr indent="-298450" lvl="3" marL="1828800">
+            <a:lvl4pPr marL="1828800" lvl="3" indent="-298450">
               <a:spcBef>
                 <a:spcPts val="1600"/>
               </a:spcBef>
@@ -4310,7 +4376,7 @@
               <a:buChar char="●"/>
               <a:defRPr/>
             </a:lvl4pPr>
-            <a:lvl5pPr indent="-298450" lvl="4" marL="2286000">
+            <a:lvl5pPr marL="2286000" lvl="4" indent="-298450">
               <a:spcBef>
                 <a:spcPts val="1600"/>
               </a:spcBef>
@@ -4321,7 +4387,7 @@
               <a:buChar char="○"/>
               <a:defRPr/>
             </a:lvl5pPr>
-            <a:lvl6pPr indent="-298450" lvl="5" marL="2743200">
+            <a:lvl6pPr marL="2743200" lvl="5" indent="-298450">
               <a:spcBef>
                 <a:spcPts val="1600"/>
               </a:spcBef>
@@ -4332,7 +4398,7 @@
               <a:buChar char="■"/>
               <a:defRPr/>
             </a:lvl6pPr>
-            <a:lvl7pPr indent="-298450" lvl="6" marL="3200400">
+            <a:lvl7pPr marL="3200400" lvl="6" indent="-298450">
               <a:spcBef>
                 <a:spcPts val="1600"/>
               </a:spcBef>
@@ -4343,7 +4409,7 @@
               <a:buChar char="●"/>
               <a:defRPr/>
             </a:lvl7pPr>
-            <a:lvl8pPr indent="-298450" lvl="7" marL="3657600">
+            <a:lvl8pPr marL="3657600" lvl="7" indent="-298450">
               <a:spcBef>
                 <a:spcPts val="1600"/>
               </a:spcBef>
@@ -4354,7 +4420,7 @@
               <a:buChar char="○"/>
               <a:defRPr/>
             </a:lvl8pPr>
-            <a:lvl9pPr indent="-298450" lvl="8" marL="4114800">
+            <a:lvl9pPr marL="4114800" lvl="8" indent="-298450">
               <a:spcBef>
                 <a:spcPts val="1600"/>
               </a:spcBef>
@@ -4366,15 +4432,19 @@
               <a:defRPr/>
             </a:lvl9pPr>
           </a:lstStyle>
-          <a:p/>
+          <a:p>
+            <a:endParaRPr/>
+          </a:p>
         </p:txBody>
       </p:sp>
       <p:sp>
         <p:nvSpPr>
           <p:cNvPr id="38" name="Google Shape;38;p5"/>
-          <p:cNvSpPr txBox="1"/>
+          <p:cNvSpPr txBox="1">
+            <a:spLocks noGrp="1"/>
+          </p:cNvSpPr>
           <p:nvPr>
-            <p:ph idx="2" type="body"/>
+            <p:ph type="body" idx="2"/>
           </p:nvPr>
         </p:nvSpPr>
         <p:spPr>
@@ -4387,9 +4457,9 @@
           </a:prstGeom>
         </p:spPr>
         <p:txBody>
-          <a:bodyPr anchorCtr="0" anchor="t" bIns="91425" lIns="91425" spcFirstLastPara="1" rIns="91425" wrap="square" tIns="91425"/>
+          <a:bodyPr spcFirstLastPara="1" wrap="square" lIns="91425" tIns="91425" rIns="91425" bIns="91425" anchor="t" anchorCtr="0"/>
           <a:lstStyle>
-            <a:lvl1pPr indent="-311150" lvl="0" marL="457200">
+            <a:lvl1pPr marL="457200" lvl="0" indent="-311150">
               <a:spcBef>
                 <a:spcPts val="0"/>
               </a:spcBef>
@@ -4400,7 +4470,7 @@
               <a:buChar char="●"/>
               <a:defRPr/>
             </a:lvl1pPr>
-            <a:lvl2pPr indent="-298450" lvl="1" marL="914400">
+            <a:lvl2pPr marL="914400" lvl="1" indent="-298450">
               <a:spcBef>
                 <a:spcPts val="1600"/>
               </a:spcBef>
@@ -4411,7 +4481,7 @@
               <a:buChar char="○"/>
               <a:defRPr/>
             </a:lvl2pPr>
-            <a:lvl3pPr indent="-298450" lvl="2" marL="1371600">
+            <a:lvl3pPr marL="1371600" lvl="2" indent="-298450">
               <a:spcBef>
                 <a:spcPts val="1600"/>
               </a:spcBef>
@@ -4422,7 +4492,7 @@
               <a:buChar char="■"/>
               <a:defRPr/>
             </a:lvl3pPr>
-            <a:lvl4pPr indent="-298450" lvl="3" marL="1828800">
+            <a:lvl4pPr marL="1828800" lvl="3" indent="-298450">
               <a:spcBef>
                 <a:spcPts val="1600"/>
               </a:spcBef>
@@ -4433,7 +4503,7 @@
               <a:buChar char="●"/>
               <a:defRPr/>
             </a:lvl4pPr>
-            <a:lvl5pPr indent="-298450" lvl="4" marL="2286000">
+            <a:lvl5pPr marL="2286000" lvl="4" indent="-298450">
               <a:spcBef>
                 <a:spcPts val="1600"/>
               </a:spcBef>
@@ -4444,7 +4514,7 @@
               <a:buChar char="○"/>
               <a:defRPr/>
             </a:lvl5pPr>
-            <a:lvl6pPr indent="-298450" lvl="5" marL="2743200">
+            <a:lvl6pPr marL="2743200" lvl="5" indent="-298450">
               <a:spcBef>
                 <a:spcPts val="1600"/>
               </a:spcBef>
@@ -4455,7 +4525,7 @@
               <a:buChar char="■"/>
               <a:defRPr/>
             </a:lvl6pPr>
-            <a:lvl7pPr indent="-298450" lvl="6" marL="3200400">
+            <a:lvl7pPr marL="3200400" lvl="6" indent="-298450">
               <a:spcBef>
                 <a:spcPts val="1600"/>
               </a:spcBef>
@@ -4466,7 +4536,7 @@
               <a:buChar char="●"/>
               <a:defRPr/>
             </a:lvl7pPr>
-            <a:lvl8pPr indent="-298450" lvl="7" marL="3657600">
+            <a:lvl8pPr marL="3657600" lvl="7" indent="-298450">
               <a:spcBef>
                 <a:spcPts val="1600"/>
               </a:spcBef>
@@ -4477,7 +4547,7 @@
               <a:buChar char="○"/>
               <a:defRPr/>
             </a:lvl8pPr>
-            <a:lvl9pPr indent="-298450" lvl="8" marL="4114800">
+            <a:lvl9pPr marL="4114800" lvl="8" indent="-298450">
               <a:spcBef>
                 <a:spcPts val="1600"/>
               </a:spcBef>
@@ -4489,15 +4559,19 @@
               <a:defRPr/>
             </a:lvl9pPr>
           </a:lstStyle>
-          <a:p/>
+          <a:p>
+            <a:endParaRPr/>
+          </a:p>
         </p:txBody>
       </p:sp>
       <p:sp>
         <p:nvSpPr>
           <p:cNvPr id="39" name="Google Shape;39;p5"/>
-          <p:cNvSpPr txBox="1"/>
+          <p:cNvSpPr txBox="1">
+            <a:spLocks noGrp="1"/>
+          </p:cNvSpPr>
           <p:nvPr>
-            <p:ph idx="12" type="sldNum"/>
+            <p:ph type="sldNum" idx="12"/>
           </p:nvPr>
         </p:nvSpPr>
         <p:spPr>
@@ -4510,7 +4584,7 @@
           </a:prstGeom>
         </p:spPr>
         <p:txBody>
-          <a:bodyPr anchorCtr="0" anchor="ctr" bIns="91425" lIns="91425" spcFirstLastPara="1" rIns="91425" wrap="square" tIns="91425">
+          <a:bodyPr spcFirstLastPara="1" wrap="square" lIns="91425" tIns="91425" rIns="91425" bIns="91425" anchor="ctr" anchorCtr="0">
             <a:noAutofit/>
           </a:bodyPr>
           <a:lstStyle>
@@ -4552,7 +4626,7 @@
             </a:lvl9pPr>
           </a:lstStyle>
           <a:p>
-            <a:pPr indent="0" lvl="0" marL="0" rtl="0" algn="r">
+            <a:pPr marL="0" lvl="0" indent="0" algn="r" rtl="0">
               <a:spcBef>
                 <a:spcPts val="0"/>
               </a:spcBef>
@@ -4578,11 +4652,11 @@
 </file>
 
 <file path=ppt/slideLayouts/slideLayout5.xml><?xml version="1.0" encoding="utf-8"?>
-<p:sldLayout xmlns:a="http://schemas.openxmlformats.org/drawingml/2006/main" xmlns:r="http://schemas.openxmlformats.org/officeDocument/2006/relationships" xmlns:mc="http://schemas.openxmlformats.org/markup-compatibility/2006" xmlns:mv="urn:schemas-microsoft-com:mac:vml" xmlns:p="http://schemas.openxmlformats.org/presentationml/2006/main" xmlns:c="http://schemas.openxmlformats.org/drawingml/2006/chart" xmlns:dgm="http://schemas.openxmlformats.org/drawingml/2006/diagram" xmlns:o="urn:schemas-microsoft-com:office:office" xmlns:v="urn:schemas-microsoft-com:vml" xmlns:pvml="urn:schemas-microsoft-com:office:powerpoint" xmlns:com="http://schemas.openxmlformats.org/drawingml/2006/compatibility" xmlns:p14="http://schemas.microsoft.com/office/powerpoint/2010/main" xmlns:p15="http://schemas.microsoft.com/office/powerpoint/2012/main" matchingName="Title only" type="titleOnly">
+<p:sldLayout xmlns:a="http://schemas.openxmlformats.org/drawingml/2006/main" xmlns:r="http://schemas.openxmlformats.org/officeDocument/2006/relationships" xmlns:p="http://schemas.openxmlformats.org/presentationml/2006/main" matchingName="Title only" type="titleOnly">
   <p:cSld name="TITLE_ONLY">
     <p:spTree>
       <p:nvGrpSpPr>
-        <p:cNvPr id="40" name="Shape 40"/>
+        <p:cNvPr id="1" name="Shape 40"/>
         <p:cNvGrpSpPr/>
         <p:nvPr/>
       </p:nvGrpSpPr>
@@ -4616,12 +4690,12 @@
           </a:ln>
         </p:spPr>
         <p:txBody>
-          <a:bodyPr anchorCtr="0" anchor="ctr" bIns="91425" lIns="91425" spcFirstLastPara="1" rIns="91425" wrap="square" tIns="91425">
+          <a:bodyPr spcFirstLastPara="1" wrap="square" lIns="91425" tIns="91425" rIns="91425" bIns="91425" anchor="ctr" anchorCtr="0">
             <a:noAutofit/>
           </a:bodyPr>
           <a:lstStyle/>
           <a:p>
-            <a:pPr indent="0" lvl="0" marL="0" rtl="0" algn="l">
+            <a:pPr marL="0" lvl="0" indent="0" algn="l" rtl="0">
               <a:spcBef>
                 <a:spcPts val="0"/>
               </a:spcBef>
@@ -4630,9 +4704,6 @@
               </a:spcAft>
               <a:buNone/>
             </a:pPr>
-            <a:r>
-              <a:t/>
-            </a:r>
             <a:endParaRPr/>
           </a:p>
         </p:txBody>
@@ -4673,12 +4744,12 @@
             </a:ln>
           </p:spPr>
           <p:txBody>
-            <a:bodyPr anchorCtr="0" anchor="ctr" bIns="91425" lIns="91425" spcFirstLastPara="1" rIns="91425" wrap="square" tIns="91425">
+            <a:bodyPr spcFirstLastPara="1" wrap="square" lIns="91425" tIns="91425" rIns="91425" bIns="91425" anchor="ctr" anchorCtr="0">
               <a:noAutofit/>
             </a:bodyPr>
             <a:lstStyle/>
             <a:p>
-              <a:pPr indent="0" lvl="0" marL="0" rtl="0" algn="l">
+              <a:pPr marL="0" lvl="0" indent="0" algn="l" rtl="0">
                 <a:spcBef>
                   <a:spcPts val="0"/>
                 </a:spcBef>
@@ -4687,9 +4758,6 @@
                 </a:spcAft>
                 <a:buNone/>
               </a:pPr>
-              <a:r>
-                <a:t/>
-              </a:r>
               <a:endParaRPr/>
             </a:p>
           </p:txBody>
@@ -4716,12 +4784,12 @@
             </a:ln>
           </p:spPr>
           <p:txBody>
-            <a:bodyPr anchorCtr="0" anchor="ctr" bIns="91425" lIns="91425" spcFirstLastPara="1" rIns="91425" wrap="square" tIns="91425">
+            <a:bodyPr spcFirstLastPara="1" wrap="square" lIns="91425" tIns="91425" rIns="91425" bIns="91425" anchor="ctr" anchorCtr="0">
               <a:noAutofit/>
             </a:bodyPr>
             <a:lstStyle/>
             <a:p>
-              <a:pPr indent="0" lvl="0" marL="0" rtl="0" algn="l">
+              <a:pPr marL="0" lvl="0" indent="0" algn="l" rtl="0">
                 <a:spcBef>
                   <a:spcPts val="0"/>
                 </a:spcBef>
@@ -4730,9 +4798,6 @@
                 </a:spcAft>
                 <a:buNone/>
               </a:pPr>
-              <a:r>
-                <a:t/>
-              </a:r>
               <a:endParaRPr/>
             </a:p>
           </p:txBody>
@@ -4741,7 +4806,9 @@
       <p:sp>
         <p:nvSpPr>
           <p:cNvPr id="45" name="Google Shape;45;p6"/>
-          <p:cNvSpPr txBox="1"/>
+          <p:cNvSpPr txBox="1">
+            <a:spLocks noGrp="1"/>
+          </p:cNvSpPr>
           <p:nvPr>
             <p:ph type="title"/>
           </p:nvPr>
@@ -4756,7 +4823,7 @@
           </a:prstGeom>
         </p:spPr>
         <p:txBody>
-          <a:bodyPr anchorCtr="0" anchor="t" bIns="91425" lIns="91425" spcFirstLastPara="1" rIns="91425" wrap="square" tIns="91425"/>
+          <a:bodyPr spcFirstLastPara="1" wrap="square" lIns="91425" tIns="91425" rIns="91425" bIns="91425" anchor="t" anchorCtr="0"/>
           <a:lstStyle>
             <a:lvl1pPr lvl="0">
               <a:spcBef>
@@ -4921,15 +4988,19 @@
               </a:defRPr>
             </a:lvl9pPr>
           </a:lstStyle>
-          <a:p/>
+          <a:p>
+            <a:endParaRPr/>
+          </a:p>
         </p:txBody>
       </p:sp>
       <p:sp>
         <p:nvSpPr>
           <p:cNvPr id="46" name="Google Shape;46;p6"/>
-          <p:cNvSpPr txBox="1"/>
+          <p:cNvSpPr txBox="1">
+            <a:spLocks noGrp="1"/>
+          </p:cNvSpPr>
           <p:nvPr>
-            <p:ph idx="12" type="sldNum"/>
+            <p:ph type="sldNum" idx="12"/>
           </p:nvPr>
         </p:nvSpPr>
         <p:spPr>
@@ -4942,7 +5013,7 @@
           </a:prstGeom>
         </p:spPr>
         <p:txBody>
-          <a:bodyPr anchorCtr="0" anchor="ctr" bIns="91425" lIns="91425" spcFirstLastPara="1" rIns="91425" wrap="square" tIns="91425">
+          <a:bodyPr spcFirstLastPara="1" wrap="square" lIns="91425" tIns="91425" rIns="91425" bIns="91425" anchor="ctr" anchorCtr="0">
             <a:noAutofit/>
           </a:bodyPr>
           <a:lstStyle>
@@ -4984,7 +5055,7 @@
             </a:lvl9pPr>
           </a:lstStyle>
           <a:p>
-            <a:pPr indent="0" lvl="0" marL="0" rtl="0" algn="r">
+            <a:pPr marL="0" lvl="0" indent="0" algn="r" rtl="0">
               <a:spcBef>
                 <a:spcPts val="0"/>
               </a:spcBef>
@@ -5010,11 +5081,11 @@
 </file>
 
 <file path=ppt/slideLayouts/slideLayout6.xml><?xml version="1.0" encoding="utf-8"?>
-<p:sldLayout xmlns:a="http://schemas.openxmlformats.org/drawingml/2006/main" xmlns:r="http://schemas.openxmlformats.org/officeDocument/2006/relationships" xmlns:mc="http://schemas.openxmlformats.org/markup-compatibility/2006" xmlns:mv="urn:schemas-microsoft-com:mac:vml" xmlns:p="http://schemas.openxmlformats.org/presentationml/2006/main" xmlns:c="http://schemas.openxmlformats.org/drawingml/2006/chart" xmlns:dgm="http://schemas.openxmlformats.org/drawingml/2006/diagram" xmlns:o="urn:schemas-microsoft-com:office:office" xmlns:v="urn:schemas-microsoft-com:vml" xmlns:pvml="urn:schemas-microsoft-com:office:powerpoint" xmlns:com="http://schemas.openxmlformats.org/drawingml/2006/compatibility" xmlns:p14="http://schemas.microsoft.com/office/powerpoint/2010/main" xmlns:p15="http://schemas.microsoft.com/office/powerpoint/2012/main" matchingName="One column text">
+<p:sldLayout xmlns:a="http://schemas.openxmlformats.org/drawingml/2006/main" xmlns:r="http://schemas.openxmlformats.org/officeDocument/2006/relationships" xmlns:p="http://schemas.openxmlformats.org/presentationml/2006/main" matchingName="One column text">
   <p:cSld name="ONE_COLUMN_TEXT">
     <p:spTree>
       <p:nvGrpSpPr>
-        <p:cNvPr id="47" name="Shape 47"/>
+        <p:cNvPr id="1" name="Shape 47"/>
         <p:cNvGrpSpPr/>
         <p:nvPr/>
       </p:nvGrpSpPr>
@@ -5048,12 +5119,12 @@
           </a:ln>
         </p:spPr>
         <p:txBody>
-          <a:bodyPr anchorCtr="0" anchor="ctr" bIns="91425" lIns="91425" spcFirstLastPara="1" rIns="91425" wrap="square" tIns="91425">
+          <a:bodyPr spcFirstLastPara="1" wrap="square" lIns="91425" tIns="91425" rIns="91425" bIns="91425" anchor="ctr" anchorCtr="0">
             <a:noAutofit/>
           </a:bodyPr>
           <a:lstStyle/>
           <a:p>
-            <a:pPr indent="0" lvl="0" marL="0" rtl="0" algn="l">
+            <a:pPr marL="0" lvl="0" indent="0" algn="l" rtl="0">
               <a:spcBef>
                 <a:spcPts val="0"/>
               </a:spcBef>
@@ -5062,9 +5133,6 @@
               </a:spcAft>
               <a:buNone/>
             </a:pPr>
-            <a:r>
-              <a:t/>
-            </a:r>
             <a:endParaRPr/>
           </a:p>
         </p:txBody>
@@ -5105,12 +5173,12 @@
             </a:ln>
           </p:spPr>
           <p:txBody>
-            <a:bodyPr anchorCtr="0" anchor="ctr" bIns="91425" lIns="91425" spcFirstLastPara="1" rIns="91425" wrap="square" tIns="91425">
+            <a:bodyPr spcFirstLastPara="1" wrap="square" lIns="91425" tIns="91425" rIns="91425" bIns="91425" anchor="ctr" anchorCtr="0">
               <a:noAutofit/>
             </a:bodyPr>
             <a:lstStyle/>
             <a:p>
-              <a:pPr indent="0" lvl="0" marL="0" rtl="0" algn="l">
+              <a:pPr marL="0" lvl="0" indent="0" algn="l" rtl="0">
                 <a:spcBef>
                   <a:spcPts val="0"/>
                 </a:spcBef>
@@ -5119,9 +5187,6 @@
                 </a:spcAft>
                 <a:buNone/>
               </a:pPr>
-              <a:r>
-                <a:t/>
-              </a:r>
               <a:endParaRPr/>
             </a:p>
           </p:txBody>
@@ -5148,12 +5213,12 @@
             </a:ln>
           </p:spPr>
           <p:txBody>
-            <a:bodyPr anchorCtr="0" anchor="ctr" bIns="91425" lIns="91425" spcFirstLastPara="1" rIns="91425" wrap="square" tIns="91425">
+            <a:bodyPr spcFirstLastPara="1" wrap="square" lIns="91425" tIns="91425" rIns="91425" bIns="91425" anchor="ctr" anchorCtr="0">
               <a:noAutofit/>
             </a:bodyPr>
             <a:lstStyle/>
             <a:p>
-              <a:pPr indent="0" lvl="0" marL="0" rtl="0" algn="l">
+              <a:pPr marL="0" lvl="0" indent="0" algn="l" rtl="0">
                 <a:spcBef>
                   <a:spcPts val="0"/>
                 </a:spcBef>
@@ -5162,9 +5227,6 @@
                 </a:spcAft>
                 <a:buNone/>
               </a:pPr>
-              <a:r>
-                <a:t/>
-              </a:r>
               <a:endParaRPr/>
             </a:p>
           </p:txBody>
@@ -5173,7 +5235,9 @@
       <p:sp>
         <p:nvSpPr>
           <p:cNvPr id="52" name="Google Shape;52;p7"/>
-          <p:cNvSpPr txBox="1"/>
+          <p:cNvSpPr txBox="1">
+            <a:spLocks noGrp="1"/>
+          </p:cNvSpPr>
           <p:nvPr>
             <p:ph type="title"/>
           </p:nvPr>
@@ -5188,7 +5252,7 @@
           </a:prstGeom>
         </p:spPr>
         <p:txBody>
-          <a:bodyPr anchorCtr="0" anchor="t" bIns="91425" lIns="91425" spcFirstLastPara="1" rIns="91425" wrap="square" tIns="91425"/>
+          <a:bodyPr spcFirstLastPara="1" wrap="square" lIns="91425" tIns="91425" rIns="91425" bIns="91425" anchor="t" anchorCtr="0"/>
           <a:lstStyle>
             <a:lvl1pPr lvl="0">
               <a:spcBef>
@@ -5353,15 +5417,19 @@
               </a:defRPr>
             </a:lvl9pPr>
           </a:lstStyle>
-          <a:p/>
+          <a:p>
+            <a:endParaRPr/>
+          </a:p>
         </p:txBody>
       </p:sp>
       <p:sp>
         <p:nvSpPr>
           <p:cNvPr id="53" name="Google Shape;53;p7"/>
-          <p:cNvSpPr txBox="1"/>
+          <p:cNvSpPr txBox="1">
+            <a:spLocks noGrp="1"/>
+          </p:cNvSpPr>
           <p:nvPr>
-            <p:ph idx="1" type="body"/>
+            <p:ph type="body" idx="1"/>
           </p:nvPr>
         </p:nvSpPr>
         <p:spPr>
@@ -5374,9 +5442,9 @@
           </a:prstGeom>
         </p:spPr>
         <p:txBody>
-          <a:bodyPr anchorCtr="0" anchor="t" bIns="91425" lIns="91425" spcFirstLastPara="1" rIns="91425" wrap="square" tIns="91425"/>
+          <a:bodyPr spcFirstLastPara="1" wrap="square" lIns="91425" tIns="91425" rIns="91425" bIns="91425" anchor="t" anchorCtr="0"/>
           <a:lstStyle>
-            <a:lvl1pPr indent="-311150" lvl="0" marL="457200">
+            <a:lvl1pPr marL="457200" lvl="0" indent="-311150">
               <a:spcBef>
                 <a:spcPts val="0"/>
               </a:spcBef>
@@ -5387,7 +5455,7 @@
               <a:buChar char="●"/>
               <a:defRPr/>
             </a:lvl1pPr>
-            <a:lvl2pPr indent="-298450" lvl="1" marL="914400">
+            <a:lvl2pPr marL="914400" lvl="1" indent="-298450">
               <a:spcBef>
                 <a:spcPts val="1600"/>
               </a:spcBef>
@@ -5398,7 +5466,7 @@
               <a:buChar char="○"/>
               <a:defRPr/>
             </a:lvl2pPr>
-            <a:lvl3pPr indent="-298450" lvl="2" marL="1371600">
+            <a:lvl3pPr marL="1371600" lvl="2" indent="-298450">
               <a:spcBef>
                 <a:spcPts val="1600"/>
               </a:spcBef>
@@ -5409,7 +5477,7 @@
               <a:buChar char="■"/>
               <a:defRPr/>
             </a:lvl3pPr>
-            <a:lvl4pPr indent="-298450" lvl="3" marL="1828800">
+            <a:lvl4pPr marL="1828800" lvl="3" indent="-298450">
               <a:spcBef>
                 <a:spcPts val="1600"/>
               </a:spcBef>
@@ -5420,7 +5488,7 @@
               <a:buChar char="●"/>
               <a:defRPr/>
             </a:lvl4pPr>
-            <a:lvl5pPr indent="-298450" lvl="4" marL="2286000">
+            <a:lvl5pPr marL="2286000" lvl="4" indent="-298450">
               <a:spcBef>
                 <a:spcPts val="1600"/>
               </a:spcBef>
@@ -5431,7 +5499,7 @@
               <a:buChar char="○"/>
               <a:defRPr/>
             </a:lvl5pPr>
-            <a:lvl6pPr indent="-298450" lvl="5" marL="2743200">
+            <a:lvl6pPr marL="2743200" lvl="5" indent="-298450">
               <a:spcBef>
                 <a:spcPts val="1600"/>
               </a:spcBef>
@@ -5442,7 +5510,7 @@
               <a:buChar char="■"/>
               <a:defRPr/>
             </a:lvl6pPr>
-            <a:lvl7pPr indent="-298450" lvl="6" marL="3200400">
+            <a:lvl7pPr marL="3200400" lvl="6" indent="-298450">
               <a:spcBef>
                 <a:spcPts val="1600"/>
               </a:spcBef>
@@ -5453,7 +5521,7 @@
               <a:buChar char="●"/>
               <a:defRPr/>
             </a:lvl7pPr>
-            <a:lvl8pPr indent="-298450" lvl="7" marL="3657600">
+            <a:lvl8pPr marL="3657600" lvl="7" indent="-298450">
               <a:spcBef>
                 <a:spcPts val="1600"/>
               </a:spcBef>
@@ -5464,7 +5532,7 @@
               <a:buChar char="○"/>
               <a:defRPr/>
             </a:lvl8pPr>
-            <a:lvl9pPr indent="-298450" lvl="8" marL="4114800">
+            <a:lvl9pPr marL="4114800" lvl="8" indent="-298450">
               <a:spcBef>
                 <a:spcPts val="1600"/>
               </a:spcBef>
@@ -5476,15 +5544,19 @@
               <a:defRPr/>
             </a:lvl9pPr>
           </a:lstStyle>
-          <a:p/>
+          <a:p>
+            <a:endParaRPr/>
+          </a:p>
         </p:txBody>
       </p:sp>
       <p:sp>
         <p:nvSpPr>
           <p:cNvPr id="54" name="Google Shape;54;p7"/>
-          <p:cNvSpPr txBox="1"/>
+          <p:cNvSpPr txBox="1">
+            <a:spLocks noGrp="1"/>
+          </p:cNvSpPr>
           <p:nvPr>
-            <p:ph idx="12" type="sldNum"/>
+            <p:ph type="sldNum" idx="12"/>
           </p:nvPr>
         </p:nvSpPr>
         <p:spPr>
@@ -5497,7 +5569,7 @@
           </a:prstGeom>
         </p:spPr>
         <p:txBody>
-          <a:bodyPr anchorCtr="0" anchor="ctr" bIns="91425" lIns="91425" spcFirstLastPara="1" rIns="91425" wrap="square" tIns="91425">
+          <a:bodyPr spcFirstLastPara="1" wrap="square" lIns="91425" tIns="91425" rIns="91425" bIns="91425" anchor="ctr" anchorCtr="0">
             <a:noAutofit/>
           </a:bodyPr>
           <a:lstStyle>
@@ -5539,7 +5611,7 @@
             </a:lvl9pPr>
           </a:lstStyle>
           <a:p>
-            <a:pPr indent="0" lvl="0" marL="0" rtl="0" algn="r">
+            <a:pPr marL="0" lvl="0" indent="0" algn="r" rtl="0">
               <a:spcBef>
                 <a:spcPts val="0"/>
               </a:spcBef>
@@ -5565,18 +5637,19 @@
 </file>
 
 <file path=ppt/slideLayouts/slideLayout7.xml><?xml version="1.0" encoding="utf-8"?>
-<p:sldLayout xmlns:a="http://schemas.openxmlformats.org/drawingml/2006/main" xmlns:r="http://schemas.openxmlformats.org/officeDocument/2006/relationships" xmlns:mc="http://schemas.openxmlformats.org/markup-compatibility/2006" xmlns:mv="urn:schemas-microsoft-com:mac:vml" xmlns:p="http://schemas.openxmlformats.org/presentationml/2006/main" xmlns:c="http://schemas.openxmlformats.org/drawingml/2006/chart" xmlns:dgm="http://schemas.openxmlformats.org/drawingml/2006/diagram" xmlns:o="urn:schemas-microsoft-com:office:office" xmlns:v="urn:schemas-microsoft-com:vml" xmlns:pvml="urn:schemas-microsoft-com:office:powerpoint" xmlns:com="http://schemas.openxmlformats.org/drawingml/2006/compatibility" xmlns:p14="http://schemas.microsoft.com/office/powerpoint/2010/main" xmlns:p15="http://schemas.microsoft.com/office/powerpoint/2012/main" matchingName="Main point">
+<p:sldLayout xmlns:a="http://schemas.openxmlformats.org/drawingml/2006/main" xmlns:r="http://schemas.openxmlformats.org/officeDocument/2006/relationships" xmlns:p="http://schemas.openxmlformats.org/presentationml/2006/main" matchingName="Main point">
   <p:cSld name="MAIN_POINT">
     <p:bg>
       <p:bgPr>
         <a:solidFill>
           <a:schemeClr val="accent3"/>
         </a:solidFill>
+        <a:effectLst/>
       </p:bgPr>
     </p:bg>
     <p:spTree>
       <p:nvGrpSpPr>
-        <p:cNvPr id="55" name="Shape 55"/>
+        <p:cNvPr id="1" name="Shape 55"/>
         <p:cNvGrpSpPr/>
         <p:nvPr/>
       </p:nvGrpSpPr>
@@ -5624,12 +5697,12 @@
             </a:ln>
           </p:spPr>
           <p:txBody>
-            <a:bodyPr anchorCtr="0" anchor="ctr" bIns="91425" lIns="91425" spcFirstLastPara="1" rIns="91425" wrap="square" tIns="91425">
+            <a:bodyPr spcFirstLastPara="1" wrap="square" lIns="91425" tIns="91425" rIns="91425" bIns="91425" anchor="ctr" anchorCtr="0">
               <a:noAutofit/>
             </a:bodyPr>
             <a:lstStyle/>
             <a:p>
-              <a:pPr indent="0" lvl="0" marL="0" rtl="0" algn="l">
+              <a:pPr marL="0" lvl="0" indent="0" algn="l" rtl="0">
                 <a:spcBef>
                   <a:spcPts val="0"/>
                 </a:spcBef>
@@ -5638,9 +5711,6 @@
                 </a:spcAft>
                 <a:buNone/>
               </a:pPr>
-              <a:r>
-                <a:t/>
-              </a:r>
               <a:endParaRPr/>
             </a:p>
           </p:txBody>
@@ -5667,12 +5737,12 @@
             </a:ln>
           </p:spPr>
           <p:txBody>
-            <a:bodyPr anchorCtr="0" anchor="ctr" bIns="91425" lIns="91425" spcFirstLastPara="1" rIns="91425" wrap="square" tIns="91425">
+            <a:bodyPr spcFirstLastPara="1" wrap="square" lIns="91425" tIns="91425" rIns="91425" bIns="91425" anchor="ctr" anchorCtr="0">
               <a:noAutofit/>
             </a:bodyPr>
             <a:lstStyle/>
             <a:p>
-              <a:pPr indent="0" lvl="0" marL="0" rtl="0" algn="l">
+              <a:pPr marL="0" lvl="0" indent="0" algn="l" rtl="0">
                 <a:spcBef>
                   <a:spcPts val="0"/>
                 </a:spcBef>
@@ -5681,9 +5751,6 @@
                 </a:spcAft>
                 <a:buNone/>
               </a:pPr>
-              <a:r>
-                <a:t/>
-              </a:r>
               <a:endParaRPr/>
             </a:p>
           </p:txBody>
@@ -5692,7 +5759,9 @@
       <p:sp>
         <p:nvSpPr>
           <p:cNvPr id="59" name="Google Shape;59;p8"/>
-          <p:cNvSpPr txBox="1"/>
+          <p:cNvSpPr txBox="1">
+            <a:spLocks noGrp="1"/>
+          </p:cNvSpPr>
           <p:nvPr>
             <p:ph type="title"/>
           </p:nvPr>
@@ -5707,7 +5776,7 @@
           </a:prstGeom>
         </p:spPr>
         <p:txBody>
-          <a:bodyPr anchorCtr="0" anchor="ctr" bIns="91425" lIns="91425" spcFirstLastPara="1" rIns="91425" wrap="square" tIns="91425"/>
+          <a:bodyPr spcFirstLastPara="1" wrap="square" lIns="91425" tIns="91425" rIns="91425" bIns="91425" anchor="ctr" anchorCtr="0"/>
           <a:lstStyle>
             <a:lvl1pPr lvl="0">
               <a:spcBef>
@@ -5872,15 +5941,19 @@
               </a:defRPr>
             </a:lvl9pPr>
           </a:lstStyle>
-          <a:p/>
+          <a:p>
+            <a:endParaRPr/>
+          </a:p>
         </p:txBody>
       </p:sp>
       <p:sp>
         <p:nvSpPr>
           <p:cNvPr id="60" name="Google Shape;60;p8"/>
-          <p:cNvSpPr txBox="1"/>
+          <p:cNvSpPr txBox="1">
+            <a:spLocks noGrp="1"/>
+          </p:cNvSpPr>
           <p:nvPr>
-            <p:ph idx="12" type="sldNum"/>
+            <p:ph type="sldNum" idx="12"/>
           </p:nvPr>
         </p:nvSpPr>
         <p:spPr>
@@ -5893,7 +5966,7 @@
           </a:prstGeom>
         </p:spPr>
         <p:txBody>
-          <a:bodyPr anchorCtr="0" anchor="ctr" bIns="91425" lIns="91425" spcFirstLastPara="1" rIns="91425" wrap="square" tIns="91425">
+          <a:bodyPr spcFirstLastPara="1" wrap="square" lIns="91425" tIns="91425" rIns="91425" bIns="91425" anchor="ctr" anchorCtr="0">
             <a:noAutofit/>
           </a:bodyPr>
           <a:lstStyle>
@@ -5971,7 +6044,7 @@
             </a:lvl9pPr>
           </a:lstStyle>
           <a:p>
-            <a:pPr indent="0" lvl="0" marL="0" rtl="0" algn="r">
+            <a:pPr marL="0" lvl="0" indent="0" algn="r" rtl="0">
               <a:spcBef>
                 <a:spcPts val="0"/>
               </a:spcBef>
@@ -5997,11 +6070,11 @@
 </file>
 
 <file path=ppt/slideLayouts/slideLayout8.xml><?xml version="1.0" encoding="utf-8"?>
-<p:sldLayout xmlns:a="http://schemas.openxmlformats.org/drawingml/2006/main" xmlns:r="http://schemas.openxmlformats.org/officeDocument/2006/relationships" xmlns:mc="http://schemas.openxmlformats.org/markup-compatibility/2006" xmlns:mv="urn:schemas-microsoft-com:mac:vml" xmlns:p="http://schemas.openxmlformats.org/presentationml/2006/main" xmlns:c="http://schemas.openxmlformats.org/drawingml/2006/chart" xmlns:dgm="http://schemas.openxmlformats.org/drawingml/2006/diagram" xmlns:o="urn:schemas-microsoft-com:office:office" xmlns:v="urn:schemas-microsoft-com:vml" xmlns:pvml="urn:schemas-microsoft-com:office:powerpoint" xmlns:com="http://schemas.openxmlformats.org/drawingml/2006/compatibility" xmlns:p14="http://schemas.microsoft.com/office/powerpoint/2010/main" xmlns:p15="http://schemas.microsoft.com/office/powerpoint/2012/main" matchingName="Section title and description">
+<p:sldLayout xmlns:a="http://schemas.openxmlformats.org/drawingml/2006/main" xmlns:r="http://schemas.openxmlformats.org/officeDocument/2006/relationships" xmlns:p="http://schemas.openxmlformats.org/presentationml/2006/main" matchingName="Section title and description">
   <p:cSld name="SECTION_TITLE_AND_DESCRIPTION">
     <p:spTree>
       <p:nvGrpSpPr>
-        <p:cNvPr id="61" name="Shape 61"/>
+        <p:cNvPr id="1" name="Shape 61"/>
         <p:cNvGrpSpPr/>
         <p:nvPr/>
       </p:nvGrpSpPr>
@@ -6035,12 +6108,12 @@
           </a:ln>
         </p:spPr>
         <p:txBody>
-          <a:bodyPr anchorCtr="0" anchor="ctr" bIns="91425" lIns="91425" spcFirstLastPara="1" rIns="91425" wrap="square" tIns="91425">
+          <a:bodyPr spcFirstLastPara="1" wrap="square" lIns="91425" tIns="91425" rIns="91425" bIns="91425" anchor="ctr" anchorCtr="0">
             <a:noAutofit/>
           </a:bodyPr>
           <a:lstStyle/>
           <a:p>
-            <a:pPr indent="0" lvl="0" marL="0" rtl="0" algn="l">
+            <a:pPr marL="0" lvl="0" indent="0" algn="l" rtl="0">
               <a:spcBef>
                 <a:spcPts val="0"/>
               </a:spcBef>
@@ -6049,9 +6122,6 @@
               </a:spcAft>
               <a:buNone/>
             </a:pPr>
-            <a:r>
-              <a:t/>
-            </a:r>
             <a:endParaRPr/>
           </a:p>
         </p:txBody>
@@ -6092,12 +6162,12 @@
             </a:ln>
           </p:spPr>
           <p:txBody>
-            <a:bodyPr anchorCtr="0" anchor="ctr" bIns="91425" lIns="91425" spcFirstLastPara="1" rIns="91425" wrap="square" tIns="91425">
+            <a:bodyPr spcFirstLastPara="1" wrap="square" lIns="91425" tIns="91425" rIns="91425" bIns="91425" anchor="ctr" anchorCtr="0">
               <a:noAutofit/>
             </a:bodyPr>
             <a:lstStyle/>
             <a:p>
-              <a:pPr indent="0" lvl="0" marL="0" rtl="0" algn="l">
+              <a:pPr marL="0" lvl="0" indent="0" algn="l" rtl="0">
                 <a:spcBef>
                   <a:spcPts val="0"/>
                 </a:spcBef>
@@ -6106,9 +6176,6 @@
                 </a:spcAft>
                 <a:buNone/>
               </a:pPr>
-              <a:r>
-                <a:t/>
-              </a:r>
               <a:endParaRPr/>
             </a:p>
           </p:txBody>
@@ -6135,12 +6202,12 @@
             </a:ln>
           </p:spPr>
           <p:txBody>
-            <a:bodyPr anchorCtr="0" anchor="ctr" bIns="91425" lIns="91425" spcFirstLastPara="1" rIns="91425" wrap="square" tIns="91425">
+            <a:bodyPr spcFirstLastPara="1" wrap="square" lIns="91425" tIns="91425" rIns="91425" bIns="91425" anchor="ctr" anchorCtr="0">
               <a:noAutofit/>
             </a:bodyPr>
             <a:lstStyle/>
             <a:p>
-              <a:pPr indent="0" lvl="0" marL="0" rtl="0" algn="l">
+              <a:pPr marL="0" lvl="0" indent="0" algn="l" rtl="0">
                 <a:spcBef>
                   <a:spcPts val="0"/>
                 </a:spcBef>
@@ -6149,9 +6216,6 @@
                 </a:spcAft>
                 <a:buNone/>
               </a:pPr>
-              <a:r>
-                <a:t/>
-              </a:r>
               <a:endParaRPr/>
             </a:p>
           </p:txBody>
@@ -6160,7 +6224,9 @@
       <p:sp>
         <p:nvSpPr>
           <p:cNvPr id="66" name="Google Shape;66;p9"/>
-          <p:cNvSpPr txBox="1"/>
+          <p:cNvSpPr txBox="1">
+            <a:spLocks noGrp="1"/>
+          </p:cNvSpPr>
           <p:nvPr>
             <p:ph type="title"/>
           </p:nvPr>
@@ -6175,7 +6241,7 @@
           </a:prstGeom>
         </p:spPr>
         <p:txBody>
-          <a:bodyPr anchorCtr="0" anchor="t" bIns="91425" lIns="91425" spcFirstLastPara="1" rIns="91425" wrap="square" tIns="91425"/>
+          <a:bodyPr spcFirstLastPara="1" wrap="square" lIns="91425" tIns="91425" rIns="91425" bIns="91425" anchor="t" anchorCtr="0"/>
           <a:lstStyle>
             <a:lvl1pPr lvl="0">
               <a:spcBef>
@@ -6340,15 +6406,19 @@
               </a:defRPr>
             </a:lvl9pPr>
           </a:lstStyle>
-          <a:p/>
+          <a:p>
+            <a:endParaRPr/>
+          </a:p>
         </p:txBody>
       </p:sp>
       <p:sp>
         <p:nvSpPr>
           <p:cNvPr id="67" name="Google Shape;67;p9"/>
-          <p:cNvSpPr txBox="1"/>
+          <p:cNvSpPr txBox="1">
+            <a:spLocks noGrp="1"/>
+          </p:cNvSpPr>
           <p:nvPr>
-            <p:ph idx="1" type="subTitle"/>
+            <p:ph type="subTitle" idx="1"/>
           </p:nvPr>
         </p:nvSpPr>
         <p:spPr>
@@ -6361,7 +6431,7 @@
           </a:prstGeom>
         </p:spPr>
         <p:txBody>
-          <a:bodyPr anchorCtr="0" anchor="t" bIns="91425" lIns="91425" spcFirstLastPara="1" rIns="91425" wrap="square" tIns="91425"/>
+          <a:bodyPr spcFirstLastPara="1" wrap="square" lIns="91425" tIns="91425" rIns="91425" bIns="91425" anchor="t" anchorCtr="0"/>
           <a:lstStyle>
             <a:lvl1pPr lvl="0">
               <a:lnSpc>
@@ -6490,15 +6560,19 @@
               <a:defRPr sz="1600"/>
             </a:lvl9pPr>
           </a:lstStyle>
-          <a:p/>
+          <a:p>
+            <a:endParaRPr/>
+          </a:p>
         </p:txBody>
       </p:sp>
       <p:sp>
         <p:nvSpPr>
           <p:cNvPr id="68" name="Google Shape;68;p9"/>
-          <p:cNvSpPr txBox="1"/>
+          <p:cNvSpPr txBox="1">
+            <a:spLocks noGrp="1"/>
+          </p:cNvSpPr>
           <p:nvPr>
-            <p:ph idx="2" type="body"/>
+            <p:ph type="body" idx="2"/>
           </p:nvPr>
         </p:nvSpPr>
         <p:spPr>
@@ -6511,9 +6585,9 @@
           </a:prstGeom>
         </p:spPr>
         <p:txBody>
-          <a:bodyPr anchorCtr="0" anchor="t" bIns="91425" lIns="91425" spcFirstLastPara="1" rIns="91425" wrap="square" tIns="91425"/>
+          <a:bodyPr spcFirstLastPara="1" wrap="square" lIns="91425" tIns="91425" rIns="91425" bIns="91425" anchor="t" anchorCtr="0"/>
           <a:lstStyle>
-            <a:lvl1pPr indent="-311150" lvl="0" marL="457200">
+            <a:lvl1pPr marL="457200" lvl="0" indent="-311150">
               <a:spcBef>
                 <a:spcPts val="0"/>
               </a:spcBef>
@@ -6524,7 +6598,7 @@
               <a:buChar char="●"/>
               <a:defRPr/>
             </a:lvl1pPr>
-            <a:lvl2pPr indent="-298450" lvl="1" marL="914400">
+            <a:lvl2pPr marL="914400" lvl="1" indent="-298450">
               <a:spcBef>
                 <a:spcPts val="1600"/>
               </a:spcBef>
@@ -6535,7 +6609,7 @@
               <a:buChar char="○"/>
               <a:defRPr/>
             </a:lvl2pPr>
-            <a:lvl3pPr indent="-298450" lvl="2" marL="1371600">
+            <a:lvl3pPr marL="1371600" lvl="2" indent="-298450">
               <a:spcBef>
                 <a:spcPts val="1600"/>
               </a:spcBef>
@@ -6546,7 +6620,7 @@
               <a:buChar char="■"/>
               <a:defRPr/>
             </a:lvl3pPr>
-            <a:lvl4pPr indent="-298450" lvl="3" marL="1828800">
+            <a:lvl4pPr marL="1828800" lvl="3" indent="-298450">
               <a:spcBef>
                 <a:spcPts val="1600"/>
               </a:spcBef>
@@ -6557,7 +6631,7 @@
               <a:buChar char="●"/>
               <a:defRPr/>
             </a:lvl4pPr>
-            <a:lvl5pPr indent="-298450" lvl="4" marL="2286000">
+            <a:lvl5pPr marL="2286000" lvl="4" indent="-298450">
               <a:spcBef>
                 <a:spcPts val="1600"/>
               </a:spcBef>
@@ -6568,7 +6642,7 @@
               <a:buChar char="○"/>
               <a:defRPr/>
             </a:lvl5pPr>
-            <a:lvl6pPr indent="-298450" lvl="5" marL="2743200">
+            <a:lvl6pPr marL="2743200" lvl="5" indent="-298450">
               <a:spcBef>
                 <a:spcPts val="1600"/>
               </a:spcBef>
@@ -6579,7 +6653,7 @@
               <a:buChar char="■"/>
               <a:defRPr/>
             </a:lvl6pPr>
-            <a:lvl7pPr indent="-298450" lvl="6" marL="3200400">
+            <a:lvl7pPr marL="3200400" lvl="6" indent="-298450">
               <a:spcBef>
                 <a:spcPts val="1600"/>
               </a:spcBef>
@@ -6590,7 +6664,7 @@
               <a:buChar char="●"/>
               <a:defRPr/>
             </a:lvl7pPr>
-            <a:lvl8pPr indent="-298450" lvl="7" marL="3657600">
+            <a:lvl8pPr marL="3657600" lvl="7" indent="-298450">
               <a:spcBef>
                 <a:spcPts val="1600"/>
               </a:spcBef>
@@ -6601,7 +6675,7 @@
               <a:buChar char="○"/>
               <a:defRPr/>
             </a:lvl8pPr>
-            <a:lvl9pPr indent="-298450" lvl="8" marL="4114800">
+            <a:lvl9pPr marL="4114800" lvl="8" indent="-298450">
               <a:spcBef>
                 <a:spcPts val="1600"/>
               </a:spcBef>
@@ -6613,15 +6687,19 @@
               <a:defRPr/>
             </a:lvl9pPr>
           </a:lstStyle>
-          <a:p/>
+          <a:p>
+            <a:endParaRPr/>
+          </a:p>
         </p:txBody>
       </p:sp>
       <p:sp>
         <p:nvSpPr>
           <p:cNvPr id="69" name="Google Shape;69;p9"/>
-          <p:cNvSpPr txBox="1"/>
+          <p:cNvSpPr txBox="1">
+            <a:spLocks noGrp="1"/>
+          </p:cNvSpPr>
           <p:nvPr>
-            <p:ph idx="12" type="sldNum"/>
+            <p:ph type="sldNum" idx="12"/>
           </p:nvPr>
         </p:nvSpPr>
         <p:spPr>
@@ -6634,7 +6712,7 @@
           </a:prstGeom>
         </p:spPr>
         <p:txBody>
-          <a:bodyPr anchorCtr="0" anchor="ctr" bIns="91425" lIns="91425" spcFirstLastPara="1" rIns="91425" wrap="square" tIns="91425">
+          <a:bodyPr spcFirstLastPara="1" wrap="square" lIns="91425" tIns="91425" rIns="91425" bIns="91425" anchor="ctr" anchorCtr="0">
             <a:noAutofit/>
           </a:bodyPr>
           <a:lstStyle>
@@ -6676,7 +6754,7 @@
             </a:lvl9pPr>
           </a:lstStyle>
           <a:p>
-            <a:pPr indent="0" lvl="0" marL="0" rtl="0" algn="r">
+            <a:pPr marL="0" lvl="0" indent="0" algn="r" rtl="0">
               <a:spcBef>
                 <a:spcPts val="0"/>
               </a:spcBef>
@@ -6702,11 +6780,11 @@
 </file>
 
 <file path=ppt/slideLayouts/slideLayout9.xml><?xml version="1.0" encoding="utf-8"?>
-<p:sldLayout xmlns:a="http://schemas.openxmlformats.org/drawingml/2006/main" xmlns:r="http://schemas.openxmlformats.org/officeDocument/2006/relationships" xmlns:mc="http://schemas.openxmlformats.org/markup-compatibility/2006" xmlns:mv="urn:schemas-microsoft-com:mac:vml" xmlns:p="http://schemas.openxmlformats.org/presentationml/2006/main" xmlns:c="http://schemas.openxmlformats.org/drawingml/2006/chart" xmlns:dgm="http://schemas.openxmlformats.org/drawingml/2006/diagram" xmlns:o="urn:schemas-microsoft-com:office:office" xmlns:v="urn:schemas-microsoft-com:vml" xmlns:pvml="urn:schemas-microsoft-com:office:powerpoint" xmlns:com="http://schemas.openxmlformats.org/drawingml/2006/compatibility" xmlns:p14="http://schemas.microsoft.com/office/powerpoint/2010/main" xmlns:p15="http://schemas.microsoft.com/office/powerpoint/2012/main" matchingName="Caption">
+<p:sldLayout xmlns:a="http://schemas.openxmlformats.org/drawingml/2006/main" xmlns:r="http://schemas.openxmlformats.org/officeDocument/2006/relationships" xmlns:p="http://schemas.openxmlformats.org/presentationml/2006/main" matchingName="Caption">
   <p:cSld name="CAPTION_ONLY">
     <p:spTree>
       <p:nvGrpSpPr>
-        <p:cNvPr id="70" name="Shape 70"/>
+        <p:cNvPr id="1" name="Shape 70"/>
         <p:cNvGrpSpPr/>
         <p:nvPr/>
       </p:nvGrpSpPr>
@@ -6721,9 +6799,11 @@
       <p:sp>
         <p:nvSpPr>
           <p:cNvPr id="71" name="Google Shape;71;p10"/>
-          <p:cNvSpPr txBox="1"/>
+          <p:cNvSpPr txBox="1">
+            <a:spLocks noGrp="1"/>
+          </p:cNvSpPr>
           <p:nvPr>
-            <p:ph idx="1" type="body"/>
+            <p:ph type="body" idx="1"/>
           </p:nvPr>
         </p:nvSpPr>
         <p:spPr>
@@ -6736,9 +6816,9 @@
           </a:prstGeom>
         </p:spPr>
         <p:txBody>
-          <a:bodyPr anchorCtr="0" anchor="ctr" bIns="91425" lIns="91425" spcFirstLastPara="1" rIns="91425" wrap="square" tIns="91425"/>
+          <a:bodyPr spcFirstLastPara="1" wrap="square" lIns="91425" tIns="91425" rIns="91425" bIns="91425" anchor="ctr" anchorCtr="0"/>
           <a:lstStyle>
-            <a:lvl1pPr indent="-228600" lvl="0" marL="457200">
+            <a:lvl1pPr marL="457200" lvl="0" indent="-228600">
               <a:lnSpc>
                 <a:spcPct val="100000"/>
               </a:lnSpc>
@@ -6753,15 +6833,19 @@
               <a:defRPr/>
             </a:lvl1pPr>
           </a:lstStyle>
-          <a:p/>
+          <a:p>
+            <a:endParaRPr/>
+          </a:p>
         </p:txBody>
       </p:sp>
       <p:sp>
         <p:nvSpPr>
           <p:cNvPr id="72" name="Google Shape;72;p10"/>
-          <p:cNvSpPr txBox="1"/>
+          <p:cNvSpPr txBox="1">
+            <a:spLocks noGrp="1"/>
+          </p:cNvSpPr>
           <p:nvPr>
-            <p:ph idx="12" type="sldNum"/>
+            <p:ph type="sldNum" idx="12"/>
           </p:nvPr>
         </p:nvSpPr>
         <p:spPr>
@@ -6774,7 +6858,7 @@
           </a:prstGeom>
         </p:spPr>
         <p:txBody>
-          <a:bodyPr anchorCtr="0" anchor="ctr" bIns="91425" lIns="91425" spcFirstLastPara="1" rIns="91425" wrap="square" tIns="91425">
+          <a:bodyPr spcFirstLastPara="1" wrap="square" lIns="91425" tIns="91425" rIns="91425" bIns="91425" anchor="ctr" anchorCtr="0">
             <a:noAutofit/>
           </a:bodyPr>
           <a:lstStyle>
@@ -6816,7 +6900,7 @@
             </a:lvl9pPr>
           </a:lstStyle>
           <a:p>
-            <a:pPr indent="0" lvl="0" marL="0" rtl="0" algn="r">
+            <a:pPr marL="0" lvl="0" indent="0" algn="r" rtl="0">
               <a:spcBef>
                 <a:spcPts val="0"/>
               </a:spcBef>
@@ -6842,18 +6926,19 @@
 </file>
 
 <file path=ppt/slideMasters/slideMaster1.xml><?xml version="1.0" encoding="utf-8"?>
-<p:sldMaster xmlns:a="http://schemas.openxmlformats.org/drawingml/2006/main" xmlns:r="http://schemas.openxmlformats.org/officeDocument/2006/relationships" xmlns:mc="http://schemas.openxmlformats.org/markup-compatibility/2006" xmlns:mv="urn:schemas-microsoft-com:mac:vml" xmlns:p="http://schemas.openxmlformats.org/presentationml/2006/main" xmlns:c="http://schemas.openxmlformats.org/drawingml/2006/chart" xmlns:dgm="http://schemas.openxmlformats.org/drawingml/2006/diagram" xmlns:o="urn:schemas-microsoft-com:office:office" xmlns:v="urn:schemas-microsoft-com:vml" xmlns:pvml="urn:schemas-microsoft-com:office:powerpoint" xmlns:com="http://schemas.openxmlformats.org/drawingml/2006/compatibility" xmlns:p14="http://schemas.microsoft.com/office/powerpoint/2010/main" xmlns:p15="http://schemas.microsoft.com/office/powerpoint/2012/main">
+<p:sldMaster xmlns:a="http://schemas.openxmlformats.org/drawingml/2006/main" xmlns:r="http://schemas.openxmlformats.org/officeDocument/2006/relationships" xmlns:p="http://schemas.openxmlformats.org/presentationml/2006/main">
   <p:cSld name="streamline">
     <p:bg>
       <p:bgPr>
         <a:solidFill>
           <a:schemeClr val="lt1"/>
         </a:solidFill>
+        <a:effectLst/>
       </p:bgPr>
     </p:bg>
     <p:spTree>
       <p:nvGrpSpPr>
-        <p:cNvPr id="5" name="Shape 5"/>
+        <p:cNvPr id="1" name="Shape 5"/>
         <p:cNvGrpSpPr/>
         <p:nvPr/>
       </p:nvGrpSpPr>
@@ -6868,7 +6953,9 @@
       <p:sp>
         <p:nvSpPr>
           <p:cNvPr id="6" name="Google Shape;6;p1"/>
-          <p:cNvSpPr txBox="1"/>
+          <p:cNvSpPr txBox="1">
+            <a:spLocks noGrp="1"/>
+          </p:cNvSpPr>
           <p:nvPr>
             <p:ph type="title"/>
           </p:nvPr>
@@ -6887,7 +6974,7 @@
           </a:ln>
         </p:spPr>
         <p:txBody>
-          <a:bodyPr anchorCtr="0" anchor="t" bIns="91425" lIns="91425" spcFirstLastPara="1" rIns="91425" wrap="square" tIns="91425"/>
+          <a:bodyPr spcFirstLastPara="1" wrap="square" lIns="91425" tIns="91425" rIns="91425" bIns="91425" anchor="t" anchorCtr="0"/>
           <a:lstStyle>
             <a:lvl1pPr lvl="0">
               <a:spcBef>
@@ -6899,7 +6986,7 @@
               <a:buSzPts val="2800"/>
               <a:buFont typeface="Raleway"/>
               <a:buNone/>
-              <a:defRPr b="1" sz="2800">
+              <a:defRPr sz="2800" b="1">
                 <a:latin typeface="Raleway"/>
                 <a:ea typeface="Raleway"/>
                 <a:cs typeface="Raleway"/>
@@ -6916,7 +7003,7 @@
               <a:buSzPts val="2800"/>
               <a:buFont typeface="Raleway"/>
               <a:buNone/>
-              <a:defRPr b="1" sz="2800">
+              <a:defRPr sz="2800" b="1">
                 <a:latin typeface="Raleway"/>
                 <a:ea typeface="Raleway"/>
                 <a:cs typeface="Raleway"/>
@@ -6933,7 +7020,7 @@
               <a:buSzPts val="2800"/>
               <a:buFont typeface="Raleway"/>
               <a:buNone/>
-              <a:defRPr b="1" sz="2800">
+              <a:defRPr sz="2800" b="1">
                 <a:latin typeface="Raleway"/>
                 <a:ea typeface="Raleway"/>
                 <a:cs typeface="Raleway"/>
@@ -6950,7 +7037,7 @@
               <a:buSzPts val="2800"/>
               <a:buFont typeface="Raleway"/>
               <a:buNone/>
-              <a:defRPr b="1" sz="2800">
+              <a:defRPr sz="2800" b="1">
                 <a:latin typeface="Raleway"/>
                 <a:ea typeface="Raleway"/>
                 <a:cs typeface="Raleway"/>
@@ -6967,7 +7054,7 @@
               <a:buSzPts val="2800"/>
               <a:buFont typeface="Raleway"/>
               <a:buNone/>
-              <a:defRPr b="1" sz="2800">
+              <a:defRPr sz="2800" b="1">
                 <a:latin typeface="Raleway"/>
                 <a:ea typeface="Raleway"/>
                 <a:cs typeface="Raleway"/>
@@ -6984,7 +7071,7 @@
               <a:buSzPts val="2800"/>
               <a:buFont typeface="Raleway"/>
               <a:buNone/>
-              <a:defRPr b="1" sz="2800">
+              <a:defRPr sz="2800" b="1">
                 <a:latin typeface="Raleway"/>
                 <a:ea typeface="Raleway"/>
                 <a:cs typeface="Raleway"/>
@@ -7001,7 +7088,7 @@
               <a:buSzPts val="2800"/>
               <a:buFont typeface="Raleway"/>
               <a:buNone/>
-              <a:defRPr b="1" sz="2800">
+              <a:defRPr sz="2800" b="1">
                 <a:latin typeface="Raleway"/>
                 <a:ea typeface="Raleway"/>
                 <a:cs typeface="Raleway"/>
@@ -7018,7 +7105,7 @@
               <a:buSzPts val="2800"/>
               <a:buFont typeface="Raleway"/>
               <a:buNone/>
-              <a:defRPr b="1" sz="2800">
+              <a:defRPr sz="2800" b="1">
                 <a:latin typeface="Raleway"/>
                 <a:ea typeface="Raleway"/>
                 <a:cs typeface="Raleway"/>
@@ -7035,7 +7122,7 @@
               <a:buSzPts val="2800"/>
               <a:buFont typeface="Raleway"/>
               <a:buNone/>
-              <a:defRPr b="1" sz="2800">
+              <a:defRPr sz="2800" b="1">
                 <a:latin typeface="Raleway"/>
                 <a:ea typeface="Raleway"/>
                 <a:cs typeface="Raleway"/>
@@ -7043,15 +7130,19 @@
               </a:defRPr>
             </a:lvl9pPr>
           </a:lstStyle>
-          <a:p/>
+          <a:p>
+            <a:endParaRPr/>
+          </a:p>
         </p:txBody>
       </p:sp>
       <p:sp>
         <p:nvSpPr>
           <p:cNvPr id="7" name="Google Shape;7;p1"/>
-          <p:cNvSpPr txBox="1"/>
+          <p:cNvSpPr txBox="1">
+            <a:spLocks noGrp="1"/>
+          </p:cNvSpPr>
           <p:nvPr>
-            <p:ph idx="1" type="body"/>
+            <p:ph type="body" idx="1"/>
           </p:nvPr>
         </p:nvSpPr>
         <p:spPr>
@@ -7068,9 +7159,9 @@
           </a:ln>
         </p:spPr>
         <p:txBody>
-          <a:bodyPr anchorCtr="0" anchor="t" bIns="91425" lIns="91425" spcFirstLastPara="1" rIns="91425" wrap="square" tIns="91425"/>
+          <a:bodyPr spcFirstLastPara="1" wrap="square" lIns="91425" tIns="91425" rIns="91425" bIns="91425" anchor="t" anchorCtr="0"/>
           <a:lstStyle>
-            <a:lvl1pPr indent="-311150" lvl="0" marL="457200">
+            <a:lvl1pPr marL="457200" lvl="0" indent="-311150">
               <a:lnSpc>
                 <a:spcPct val="115000"/>
               </a:lnSpc>
@@ -7096,7 +7187,7 @@
                 <a:sym typeface="Lato"/>
               </a:defRPr>
             </a:lvl1pPr>
-            <a:lvl2pPr indent="-298450" lvl="1" marL="914400">
+            <a:lvl2pPr marL="914400" lvl="1" indent="-298450">
               <a:lnSpc>
                 <a:spcPct val="115000"/>
               </a:lnSpc>
@@ -7122,7 +7213,7 @@
                 <a:sym typeface="Lato"/>
               </a:defRPr>
             </a:lvl2pPr>
-            <a:lvl3pPr indent="-298450" lvl="2" marL="1371600">
+            <a:lvl3pPr marL="1371600" lvl="2" indent="-298450">
               <a:lnSpc>
                 <a:spcPct val="115000"/>
               </a:lnSpc>
@@ -7148,7 +7239,7 @@
                 <a:sym typeface="Lato"/>
               </a:defRPr>
             </a:lvl3pPr>
-            <a:lvl4pPr indent="-298450" lvl="3" marL="1828800">
+            <a:lvl4pPr marL="1828800" lvl="3" indent="-298450">
               <a:lnSpc>
                 <a:spcPct val="115000"/>
               </a:lnSpc>
@@ -7174,7 +7265,7 @@
                 <a:sym typeface="Lato"/>
               </a:defRPr>
             </a:lvl4pPr>
-            <a:lvl5pPr indent="-298450" lvl="4" marL="2286000">
+            <a:lvl5pPr marL="2286000" lvl="4" indent="-298450">
               <a:lnSpc>
                 <a:spcPct val="115000"/>
               </a:lnSpc>
@@ -7200,7 +7291,7 @@
                 <a:sym typeface="Lato"/>
               </a:defRPr>
             </a:lvl5pPr>
-            <a:lvl6pPr indent="-298450" lvl="5" marL="2743200">
+            <a:lvl6pPr marL="2743200" lvl="5" indent="-298450">
               <a:lnSpc>
                 <a:spcPct val="115000"/>
               </a:lnSpc>
@@ -7226,7 +7317,7 @@
                 <a:sym typeface="Lato"/>
               </a:defRPr>
             </a:lvl6pPr>
-            <a:lvl7pPr indent="-298450" lvl="6" marL="3200400">
+            <a:lvl7pPr marL="3200400" lvl="6" indent="-298450">
               <a:lnSpc>
                 <a:spcPct val="115000"/>
               </a:lnSpc>
@@ -7252,7 +7343,7 @@
                 <a:sym typeface="Lato"/>
               </a:defRPr>
             </a:lvl7pPr>
-            <a:lvl8pPr indent="-298450" lvl="7" marL="3657600">
+            <a:lvl8pPr marL="3657600" lvl="7" indent="-298450">
               <a:lnSpc>
                 <a:spcPct val="115000"/>
               </a:lnSpc>
@@ -7278,7 +7369,7 @@
                 <a:sym typeface="Lato"/>
               </a:defRPr>
             </a:lvl8pPr>
-            <a:lvl9pPr indent="-298450" lvl="8" marL="4114800">
+            <a:lvl9pPr marL="4114800" lvl="8" indent="-298450">
               <a:lnSpc>
                 <a:spcPct val="115000"/>
               </a:lnSpc>
@@ -7305,15 +7396,19 @@
               </a:defRPr>
             </a:lvl9pPr>
           </a:lstStyle>
-          <a:p/>
+          <a:p>
+            <a:endParaRPr/>
+          </a:p>
         </p:txBody>
       </p:sp>
       <p:sp>
         <p:nvSpPr>
           <p:cNvPr id="8" name="Google Shape;8;p1"/>
-          <p:cNvSpPr txBox="1"/>
+          <p:cNvSpPr txBox="1">
+            <a:spLocks noGrp="1"/>
+          </p:cNvSpPr>
           <p:nvPr>
-            <p:ph idx="12" type="sldNum"/>
+            <p:ph type="sldNum" idx="12"/>
           </p:nvPr>
         </p:nvSpPr>
         <p:spPr>
@@ -7330,7 +7425,7 @@
           </a:ln>
         </p:spPr>
         <p:txBody>
-          <a:bodyPr anchorCtr="0" anchor="ctr" bIns="91425" lIns="91425" spcFirstLastPara="1" rIns="91425" wrap="square" tIns="91425">
+          <a:bodyPr spcFirstLastPara="1" wrap="square" lIns="91425" tIns="91425" rIns="91425" bIns="91425" anchor="ctr" anchorCtr="0">
             <a:noAutofit/>
           </a:bodyPr>
           <a:lstStyle>
@@ -7444,7 +7539,7 @@
             </a:lvl9pPr>
           </a:lstStyle>
           <a:p>
-            <a:pPr indent="0" lvl="0" marL="0" rtl="0" algn="r">
+            <a:pPr marL="0" lvl="0" indent="0" algn="r" rtl="0">
               <a:spcBef>
                 <a:spcPts val="0"/>
               </a:spcBef>
@@ -7463,7 +7558,7 @@
       </p:sp>
     </p:spTree>
   </p:cSld>
-  <p:clrMap accent1="accent1" accent2="accent2" accent3="accent3" accent4="accent4" accent5="accent5" accent6="accent6" bg1="lt1" bg2="dk2" tx1="dk1" tx2="lt2" folHlink="folHlink" hlink="hlink"/>
+  <p:clrMap bg1="lt1" tx1="dk1" bg2="dk2" tx2="lt2" accent1="accent1" accent2="accent2" accent3="accent3" accent4="accent4" accent5="accent5" accent6="accent6" hlink="hlink" folHlink="folHlink"/>
   <p:sldLayoutIdLst>
     <p:sldLayoutId id="2147483648" r:id="rId1"/>
     <p:sldLayoutId id="2147483649" r:id="rId2"/>
@@ -7477,10 +7572,10 @@
     <p:sldLayoutId id="2147483657" r:id="rId10"/>
     <p:sldLayoutId id="2147483658" r:id="rId11"/>
   </p:sldLayoutIdLst>
-  <p:hf dt="0" ftr="0" hdr="0" sldNum="0"/>
+  <p:hf sldNum="0" hdr="0" ftr="0" dt="0"/>
   <p:txStyles>
     <p:titleStyle>
-      <a:defPPr lvl="0" marR="0" rtl="0" algn="l">
+      <a:defPPr marR="0" lvl="0" algn="l" rtl="0">
         <a:lnSpc>
           <a:spcPct val="100000"/>
         </a:lnSpc>
@@ -7491,7 +7586,7 @@
           <a:spcPts val="0"/>
         </a:spcAft>
       </a:defPPr>
-      <a:lvl1pPr lvl="0" marR="0" rtl="0" algn="l">
+      <a:lvl1pPr marR="0" lvl="0" algn="l" rtl="0">
         <a:lnSpc>
           <a:spcPct val="100000"/>
         </a:lnSpc>
@@ -7505,7 +7600,7 @@
           <a:srgbClr val="000000"/>
         </a:buClr>
         <a:buFont typeface="Arial"/>
-        <a:defRPr b="0" i="0" sz="1400" u="none" cap="none" strike="noStrike">
+        <a:defRPr sz="1400" b="0" i="0" u="none" strike="noStrike" cap="none">
           <a:solidFill>
             <a:srgbClr val="000000"/>
           </a:solidFill>
@@ -7515,7 +7610,7 @@
           <a:sym typeface="Arial"/>
         </a:defRPr>
       </a:lvl1pPr>
-      <a:lvl2pPr lvl="1" marR="0" rtl="0" algn="l">
+      <a:lvl2pPr marR="0" lvl="1" algn="l" rtl="0">
         <a:lnSpc>
           <a:spcPct val="100000"/>
         </a:lnSpc>
@@ -7529,7 +7624,7 @@
           <a:srgbClr val="000000"/>
         </a:buClr>
         <a:buFont typeface="Arial"/>
-        <a:defRPr b="0" i="0" sz="1400" u="none" cap="none" strike="noStrike">
+        <a:defRPr sz="1400" b="0" i="0" u="none" strike="noStrike" cap="none">
           <a:solidFill>
             <a:srgbClr val="000000"/>
           </a:solidFill>
@@ -7539,7 +7634,7 @@
           <a:sym typeface="Arial"/>
         </a:defRPr>
       </a:lvl2pPr>
-      <a:lvl3pPr lvl="2" marR="0" rtl="0" algn="l">
+      <a:lvl3pPr marR="0" lvl="2" algn="l" rtl="0">
         <a:lnSpc>
           <a:spcPct val="100000"/>
         </a:lnSpc>
@@ -7553,7 +7648,7 @@
           <a:srgbClr val="000000"/>
         </a:buClr>
         <a:buFont typeface="Arial"/>
-        <a:defRPr b="0" i="0" sz="1400" u="none" cap="none" strike="noStrike">
+        <a:defRPr sz="1400" b="0" i="0" u="none" strike="noStrike" cap="none">
           <a:solidFill>
             <a:srgbClr val="000000"/>
           </a:solidFill>
@@ -7563,7 +7658,7 @@
           <a:sym typeface="Arial"/>
         </a:defRPr>
       </a:lvl3pPr>
-      <a:lvl4pPr lvl="3" marR="0" rtl="0" algn="l">
+      <a:lvl4pPr marR="0" lvl="3" algn="l" rtl="0">
         <a:lnSpc>
           <a:spcPct val="100000"/>
         </a:lnSpc>
@@ -7577,7 +7672,7 @@
           <a:srgbClr val="000000"/>
         </a:buClr>
         <a:buFont typeface="Arial"/>
-        <a:defRPr b="0" i="0" sz="1400" u="none" cap="none" strike="noStrike">
+        <a:defRPr sz="1400" b="0" i="0" u="none" strike="noStrike" cap="none">
           <a:solidFill>
             <a:srgbClr val="000000"/>
           </a:solidFill>
@@ -7587,7 +7682,7 @@
           <a:sym typeface="Arial"/>
         </a:defRPr>
       </a:lvl4pPr>
-      <a:lvl5pPr lvl="4" marR="0" rtl="0" algn="l">
+      <a:lvl5pPr marR="0" lvl="4" algn="l" rtl="0">
         <a:lnSpc>
           <a:spcPct val="100000"/>
         </a:lnSpc>
@@ -7601,7 +7696,7 @@
           <a:srgbClr val="000000"/>
         </a:buClr>
         <a:buFont typeface="Arial"/>
-        <a:defRPr b="0" i="0" sz="1400" u="none" cap="none" strike="noStrike">
+        <a:defRPr sz="1400" b="0" i="0" u="none" strike="noStrike" cap="none">
           <a:solidFill>
             <a:srgbClr val="000000"/>
           </a:solidFill>
@@ -7611,7 +7706,7 @@
           <a:sym typeface="Arial"/>
         </a:defRPr>
       </a:lvl5pPr>
-      <a:lvl6pPr lvl="5" marR="0" rtl="0" algn="l">
+      <a:lvl6pPr marR="0" lvl="5" algn="l" rtl="0">
         <a:lnSpc>
           <a:spcPct val="100000"/>
         </a:lnSpc>
@@ -7625,7 +7720,7 @@
           <a:srgbClr val="000000"/>
         </a:buClr>
         <a:buFont typeface="Arial"/>
-        <a:defRPr b="0" i="0" sz="1400" u="none" cap="none" strike="noStrike">
+        <a:defRPr sz="1400" b="0" i="0" u="none" strike="noStrike" cap="none">
           <a:solidFill>
             <a:srgbClr val="000000"/>
           </a:solidFill>
@@ -7635,7 +7730,7 @@
           <a:sym typeface="Arial"/>
         </a:defRPr>
       </a:lvl6pPr>
-      <a:lvl7pPr lvl="6" marR="0" rtl="0" algn="l">
+      <a:lvl7pPr marR="0" lvl="6" algn="l" rtl="0">
         <a:lnSpc>
           <a:spcPct val="100000"/>
         </a:lnSpc>
@@ -7649,7 +7744,7 @@
           <a:srgbClr val="000000"/>
         </a:buClr>
         <a:buFont typeface="Arial"/>
-        <a:defRPr b="0" i="0" sz="1400" u="none" cap="none" strike="noStrike">
+        <a:defRPr sz="1400" b="0" i="0" u="none" strike="noStrike" cap="none">
           <a:solidFill>
             <a:srgbClr val="000000"/>
           </a:solidFill>
@@ -7659,7 +7754,7 @@
           <a:sym typeface="Arial"/>
         </a:defRPr>
       </a:lvl7pPr>
-      <a:lvl8pPr lvl="7" marR="0" rtl="0" algn="l">
+      <a:lvl8pPr marR="0" lvl="7" algn="l" rtl="0">
         <a:lnSpc>
           <a:spcPct val="100000"/>
         </a:lnSpc>
@@ -7673,7 +7768,7 @@
           <a:srgbClr val="000000"/>
         </a:buClr>
         <a:buFont typeface="Arial"/>
-        <a:defRPr b="0" i="0" sz="1400" u="none" cap="none" strike="noStrike">
+        <a:defRPr sz="1400" b="0" i="0" u="none" strike="noStrike" cap="none">
           <a:solidFill>
             <a:srgbClr val="000000"/>
           </a:solidFill>
@@ -7683,7 +7778,7 @@
           <a:sym typeface="Arial"/>
         </a:defRPr>
       </a:lvl8pPr>
-      <a:lvl9pPr lvl="8" marR="0" rtl="0" algn="l">
+      <a:lvl9pPr marR="0" lvl="8" algn="l" rtl="0">
         <a:lnSpc>
           <a:spcPct val="100000"/>
         </a:lnSpc>
@@ -7697,7 +7792,7 @@
           <a:srgbClr val="000000"/>
         </a:buClr>
         <a:buFont typeface="Arial"/>
-        <a:defRPr b="0" i="0" sz="1400" u="none" cap="none" strike="noStrike">
+        <a:defRPr sz="1400" b="0" i="0" u="none" strike="noStrike" cap="none">
           <a:solidFill>
             <a:srgbClr val="000000"/>
           </a:solidFill>
@@ -7709,7 +7804,7 @@
       </a:lvl9pPr>
     </p:titleStyle>
     <p:bodyStyle>
-      <a:defPPr lvl="0" marR="0" rtl="0" algn="l">
+      <a:defPPr marR="0" lvl="0" algn="l" rtl="0">
         <a:lnSpc>
           <a:spcPct val="100000"/>
         </a:lnSpc>
@@ -7720,7 +7815,7 @@
           <a:spcPts val="0"/>
         </a:spcAft>
       </a:defPPr>
-      <a:lvl1pPr lvl="0" marR="0" rtl="0" algn="l">
+      <a:lvl1pPr marR="0" lvl="0" algn="l" rtl="0">
         <a:lnSpc>
           <a:spcPct val="100000"/>
         </a:lnSpc>
@@ -7734,7 +7829,7 @@
           <a:srgbClr val="000000"/>
         </a:buClr>
         <a:buFont typeface="Arial"/>
-        <a:defRPr b="0" i="0" sz="1400" u="none" cap="none" strike="noStrike">
+        <a:defRPr sz="1400" b="0" i="0" u="none" strike="noStrike" cap="none">
           <a:solidFill>
             <a:srgbClr val="000000"/>
           </a:solidFill>
@@ -7744,7 +7839,7 @@
           <a:sym typeface="Arial"/>
         </a:defRPr>
       </a:lvl1pPr>
-      <a:lvl2pPr lvl="1" marR="0" rtl="0" algn="l">
+      <a:lvl2pPr marR="0" lvl="1" algn="l" rtl="0">
         <a:lnSpc>
           <a:spcPct val="100000"/>
         </a:lnSpc>
@@ -7758,7 +7853,7 @@
           <a:srgbClr val="000000"/>
         </a:buClr>
         <a:buFont typeface="Arial"/>
-        <a:defRPr b="0" i="0" sz="1400" u="none" cap="none" strike="noStrike">
+        <a:defRPr sz="1400" b="0" i="0" u="none" strike="noStrike" cap="none">
           <a:solidFill>
             <a:srgbClr val="000000"/>
           </a:solidFill>
@@ -7768,7 +7863,7 @@
           <a:sym typeface="Arial"/>
         </a:defRPr>
       </a:lvl2pPr>
-      <a:lvl3pPr lvl="2" marR="0" rtl="0" algn="l">
+      <a:lvl3pPr marR="0" lvl="2" algn="l" rtl="0">
         <a:lnSpc>
           <a:spcPct val="100000"/>
         </a:lnSpc>
@@ -7782,7 +7877,7 @@
           <a:srgbClr val="000000"/>
         </a:buClr>
         <a:buFont typeface="Arial"/>
-        <a:defRPr b="0" i="0" sz="1400" u="none" cap="none" strike="noStrike">
+        <a:defRPr sz="1400" b="0" i="0" u="none" strike="noStrike" cap="none">
           <a:solidFill>
             <a:srgbClr val="000000"/>
           </a:solidFill>
@@ -7792,7 +7887,7 @@
           <a:sym typeface="Arial"/>
         </a:defRPr>
       </a:lvl3pPr>
-      <a:lvl4pPr lvl="3" marR="0" rtl="0" algn="l">
+      <a:lvl4pPr marR="0" lvl="3" algn="l" rtl="0">
         <a:lnSpc>
           <a:spcPct val="100000"/>
         </a:lnSpc>
@@ -7806,7 +7901,7 @@
           <a:srgbClr val="000000"/>
         </a:buClr>
         <a:buFont typeface="Arial"/>
-        <a:defRPr b="0" i="0" sz="1400" u="none" cap="none" strike="noStrike">
+        <a:defRPr sz="1400" b="0" i="0" u="none" strike="noStrike" cap="none">
           <a:solidFill>
             <a:srgbClr val="000000"/>
           </a:solidFill>
@@ -7816,7 +7911,7 @@
           <a:sym typeface="Arial"/>
         </a:defRPr>
       </a:lvl4pPr>
-      <a:lvl5pPr lvl="4" marR="0" rtl="0" algn="l">
+      <a:lvl5pPr marR="0" lvl="4" algn="l" rtl="0">
         <a:lnSpc>
           <a:spcPct val="100000"/>
         </a:lnSpc>
@@ -7830,7 +7925,7 @@
           <a:srgbClr val="000000"/>
         </a:buClr>
         <a:buFont typeface="Arial"/>
-        <a:defRPr b="0" i="0" sz="1400" u="none" cap="none" strike="noStrike">
+        <a:defRPr sz="1400" b="0" i="0" u="none" strike="noStrike" cap="none">
           <a:solidFill>
             <a:srgbClr val="000000"/>
           </a:solidFill>
@@ -7840,7 +7935,7 @@
           <a:sym typeface="Arial"/>
         </a:defRPr>
       </a:lvl5pPr>
-      <a:lvl6pPr lvl="5" marR="0" rtl="0" algn="l">
+      <a:lvl6pPr marR="0" lvl="5" algn="l" rtl="0">
         <a:lnSpc>
           <a:spcPct val="100000"/>
         </a:lnSpc>
@@ -7854,7 +7949,7 @@
           <a:srgbClr val="000000"/>
         </a:buClr>
         <a:buFont typeface="Arial"/>
-        <a:defRPr b="0" i="0" sz="1400" u="none" cap="none" strike="noStrike">
+        <a:defRPr sz="1400" b="0" i="0" u="none" strike="noStrike" cap="none">
           <a:solidFill>
             <a:srgbClr val="000000"/>
           </a:solidFill>
@@ -7864,7 +7959,7 @@
           <a:sym typeface="Arial"/>
         </a:defRPr>
       </a:lvl6pPr>
-      <a:lvl7pPr lvl="6" marR="0" rtl="0" algn="l">
+      <a:lvl7pPr marR="0" lvl="6" algn="l" rtl="0">
         <a:lnSpc>
           <a:spcPct val="100000"/>
         </a:lnSpc>
@@ -7878,7 +7973,7 @@
           <a:srgbClr val="000000"/>
         </a:buClr>
         <a:buFont typeface="Arial"/>
-        <a:defRPr b="0" i="0" sz="1400" u="none" cap="none" strike="noStrike">
+        <a:defRPr sz="1400" b="0" i="0" u="none" strike="noStrike" cap="none">
           <a:solidFill>
             <a:srgbClr val="000000"/>
           </a:solidFill>
@@ -7888,7 +7983,7 @@
           <a:sym typeface="Arial"/>
         </a:defRPr>
       </a:lvl7pPr>
-      <a:lvl8pPr lvl="7" marR="0" rtl="0" algn="l">
+      <a:lvl8pPr marR="0" lvl="7" algn="l" rtl="0">
         <a:lnSpc>
           <a:spcPct val="100000"/>
         </a:lnSpc>
@@ -7902,7 +7997,7 @@
           <a:srgbClr val="000000"/>
         </a:buClr>
         <a:buFont typeface="Arial"/>
-        <a:defRPr b="0" i="0" sz="1400" u="none" cap="none" strike="noStrike">
+        <a:defRPr sz="1400" b="0" i="0" u="none" strike="noStrike" cap="none">
           <a:solidFill>
             <a:srgbClr val="000000"/>
           </a:solidFill>
@@ -7912,7 +8007,7 @@
           <a:sym typeface="Arial"/>
         </a:defRPr>
       </a:lvl8pPr>
-      <a:lvl9pPr lvl="8" marR="0" rtl="0" algn="l">
+      <a:lvl9pPr marR="0" lvl="8" algn="l" rtl="0">
         <a:lnSpc>
           <a:spcPct val="100000"/>
         </a:lnSpc>
@@ -7926,7 +8021,7 @@
           <a:srgbClr val="000000"/>
         </a:buClr>
         <a:buFont typeface="Arial"/>
-        <a:defRPr b="0" i="0" sz="1400" u="none" cap="none" strike="noStrike">
+        <a:defRPr sz="1400" b="0" i="0" u="none" strike="noStrike" cap="none">
           <a:solidFill>
             <a:srgbClr val="000000"/>
           </a:solidFill>
@@ -7938,7 +8033,7 @@
       </a:lvl9pPr>
     </p:bodyStyle>
     <p:otherStyle>
-      <a:defPPr lvl="0" marR="0" rtl="0" algn="l">
+      <a:defPPr marR="0" lvl="0" algn="l" rtl="0">
         <a:lnSpc>
           <a:spcPct val="100000"/>
         </a:lnSpc>
@@ -7949,7 +8044,7 @@
           <a:spcPts val="0"/>
         </a:spcAft>
       </a:defPPr>
-      <a:lvl1pPr lvl="0" marR="0" rtl="0" algn="l">
+      <a:lvl1pPr marR="0" lvl="0" algn="l" rtl="0">
         <a:lnSpc>
           <a:spcPct val="100000"/>
         </a:lnSpc>
@@ -7963,7 +8058,7 @@
           <a:srgbClr val="000000"/>
         </a:buClr>
         <a:buFont typeface="Arial"/>
-        <a:defRPr b="0" i="0" sz="1400" u="none" cap="none" strike="noStrike">
+        <a:defRPr sz="1400" b="0" i="0" u="none" strike="noStrike" cap="none">
           <a:solidFill>
             <a:srgbClr val="000000"/>
           </a:solidFill>
@@ -7973,7 +8068,7 @@
           <a:sym typeface="Arial"/>
         </a:defRPr>
       </a:lvl1pPr>
-      <a:lvl2pPr lvl="1" marR="0" rtl="0" algn="l">
+      <a:lvl2pPr marR="0" lvl="1" algn="l" rtl="0">
         <a:lnSpc>
           <a:spcPct val="100000"/>
         </a:lnSpc>
@@ -7987,7 +8082,7 @@
           <a:srgbClr val="000000"/>
         </a:buClr>
         <a:buFont typeface="Arial"/>
-        <a:defRPr b="0" i="0" sz="1400" u="none" cap="none" strike="noStrike">
+        <a:defRPr sz="1400" b="0" i="0" u="none" strike="noStrike" cap="none">
           <a:solidFill>
             <a:srgbClr val="000000"/>
           </a:solidFill>
@@ -7997,7 +8092,7 @@
           <a:sym typeface="Arial"/>
         </a:defRPr>
       </a:lvl2pPr>
-      <a:lvl3pPr lvl="2" marR="0" rtl="0" algn="l">
+      <a:lvl3pPr marR="0" lvl="2" algn="l" rtl="0">
         <a:lnSpc>
           <a:spcPct val="100000"/>
         </a:lnSpc>
@@ -8011,7 +8106,7 @@
           <a:srgbClr val="000000"/>
         </a:buClr>
         <a:buFont typeface="Arial"/>
-        <a:defRPr b="0" i="0" sz="1400" u="none" cap="none" strike="noStrike">
+        <a:defRPr sz="1400" b="0" i="0" u="none" strike="noStrike" cap="none">
           <a:solidFill>
             <a:srgbClr val="000000"/>
           </a:solidFill>
@@ -8021,7 +8116,7 @@
           <a:sym typeface="Arial"/>
         </a:defRPr>
       </a:lvl3pPr>
-      <a:lvl4pPr lvl="3" marR="0" rtl="0" algn="l">
+      <a:lvl4pPr marR="0" lvl="3" algn="l" rtl="0">
         <a:lnSpc>
           <a:spcPct val="100000"/>
         </a:lnSpc>
@@ -8035,7 +8130,7 @@
           <a:srgbClr val="000000"/>
         </a:buClr>
         <a:buFont typeface="Arial"/>
-        <a:defRPr b="0" i="0" sz="1400" u="none" cap="none" strike="noStrike">
+        <a:defRPr sz="1400" b="0" i="0" u="none" strike="noStrike" cap="none">
           <a:solidFill>
             <a:srgbClr val="000000"/>
           </a:solidFill>
@@ -8045,7 +8140,7 @@
           <a:sym typeface="Arial"/>
         </a:defRPr>
       </a:lvl4pPr>
-      <a:lvl5pPr lvl="4" marR="0" rtl="0" algn="l">
+      <a:lvl5pPr marR="0" lvl="4" algn="l" rtl="0">
         <a:lnSpc>
           <a:spcPct val="100000"/>
         </a:lnSpc>
@@ -8059,7 +8154,7 @@
           <a:srgbClr val="000000"/>
         </a:buClr>
         <a:buFont typeface="Arial"/>
-        <a:defRPr b="0" i="0" sz="1400" u="none" cap="none" strike="noStrike">
+        <a:defRPr sz="1400" b="0" i="0" u="none" strike="noStrike" cap="none">
           <a:solidFill>
             <a:srgbClr val="000000"/>
           </a:solidFill>
@@ -8069,7 +8164,7 @@
           <a:sym typeface="Arial"/>
         </a:defRPr>
       </a:lvl5pPr>
-      <a:lvl6pPr lvl="5" marR="0" rtl="0" algn="l">
+      <a:lvl6pPr marR="0" lvl="5" algn="l" rtl="0">
         <a:lnSpc>
           <a:spcPct val="100000"/>
         </a:lnSpc>
@@ -8083,7 +8178,7 @@
           <a:srgbClr val="000000"/>
         </a:buClr>
         <a:buFont typeface="Arial"/>
-        <a:defRPr b="0" i="0" sz="1400" u="none" cap="none" strike="noStrike">
+        <a:defRPr sz="1400" b="0" i="0" u="none" strike="noStrike" cap="none">
           <a:solidFill>
             <a:srgbClr val="000000"/>
           </a:solidFill>
@@ -8093,7 +8188,7 @@
           <a:sym typeface="Arial"/>
         </a:defRPr>
       </a:lvl6pPr>
-      <a:lvl7pPr lvl="6" marR="0" rtl="0" algn="l">
+      <a:lvl7pPr marR="0" lvl="6" algn="l" rtl="0">
         <a:lnSpc>
           <a:spcPct val="100000"/>
         </a:lnSpc>
@@ -8107,7 +8202,7 @@
           <a:srgbClr val="000000"/>
         </a:buClr>
         <a:buFont typeface="Arial"/>
-        <a:defRPr b="0" i="0" sz="1400" u="none" cap="none" strike="noStrike">
+        <a:defRPr sz="1400" b="0" i="0" u="none" strike="noStrike" cap="none">
           <a:solidFill>
             <a:srgbClr val="000000"/>
           </a:solidFill>
@@ -8117,7 +8212,7 @@
           <a:sym typeface="Arial"/>
         </a:defRPr>
       </a:lvl7pPr>
-      <a:lvl8pPr lvl="7" marR="0" rtl="0" algn="l">
+      <a:lvl8pPr marR="0" lvl="7" algn="l" rtl="0">
         <a:lnSpc>
           <a:spcPct val="100000"/>
         </a:lnSpc>
@@ -8131,7 +8226,7 @@
           <a:srgbClr val="000000"/>
         </a:buClr>
         <a:buFont typeface="Arial"/>
-        <a:defRPr b="0" i="0" sz="1400" u="none" cap="none" strike="noStrike">
+        <a:defRPr sz="1400" b="0" i="0" u="none" strike="noStrike" cap="none">
           <a:solidFill>
             <a:srgbClr val="000000"/>
           </a:solidFill>
@@ -8141,7 +8236,7 @@
           <a:sym typeface="Arial"/>
         </a:defRPr>
       </a:lvl8pPr>
-      <a:lvl9pPr lvl="8" marR="0" rtl="0" algn="l">
+      <a:lvl9pPr marR="0" lvl="8" algn="l" rtl="0">
         <a:lnSpc>
           <a:spcPct val="100000"/>
         </a:lnSpc>
@@ -8155,7 +8250,7 @@
           <a:srgbClr val="000000"/>
         </a:buClr>
         <a:buFont typeface="Arial"/>
-        <a:defRPr b="0" i="0" sz="1400" u="none" cap="none" strike="noStrike">
+        <a:defRPr sz="1400" b="0" i="0" u="none" strike="noStrike" cap="none">
           <a:solidFill>
             <a:srgbClr val="000000"/>
           </a:solidFill>
@@ -8171,11 +8266,11 @@
 </file>
 
 <file path=ppt/slides/slide1.xml><?xml version="1.0" encoding="utf-8"?>
-<p:sld xmlns:a="http://schemas.openxmlformats.org/drawingml/2006/main" xmlns:r="http://schemas.openxmlformats.org/officeDocument/2006/relationships" xmlns:mc="http://schemas.openxmlformats.org/markup-compatibility/2006" xmlns:mv="urn:schemas-microsoft-com:mac:vml" xmlns:p="http://schemas.openxmlformats.org/presentationml/2006/main" xmlns:c="http://schemas.openxmlformats.org/drawingml/2006/chart" xmlns:dgm="http://schemas.openxmlformats.org/drawingml/2006/diagram" xmlns:o="urn:schemas-microsoft-com:office:office" xmlns:v="urn:schemas-microsoft-com:vml" xmlns:pvml="urn:schemas-microsoft-com:office:powerpoint" xmlns:com="http://schemas.openxmlformats.org/drawingml/2006/compatibility" xmlns:p14="http://schemas.microsoft.com/office/powerpoint/2010/main" xmlns:p15="http://schemas.microsoft.com/office/powerpoint/2012/main">
+<p:sld xmlns:a="http://schemas.openxmlformats.org/drawingml/2006/main" xmlns:r="http://schemas.openxmlformats.org/officeDocument/2006/relationships" xmlns:p="http://schemas.openxmlformats.org/presentationml/2006/main">
   <p:cSld>
     <p:spTree>
       <p:nvGrpSpPr>
-        <p:cNvPr id="85" name="Shape 85"/>
+        <p:cNvPr id="1" name="Shape 85"/>
         <p:cNvGrpSpPr/>
         <p:nvPr/>
       </p:nvGrpSpPr>
@@ -8190,7 +8285,9 @@
       <p:sp>
         <p:nvSpPr>
           <p:cNvPr id="86" name="Google Shape;86;p13"/>
-          <p:cNvSpPr txBox="1"/>
+          <p:cNvSpPr txBox="1">
+            <a:spLocks noGrp="1"/>
+          </p:cNvSpPr>
           <p:nvPr>
             <p:ph type="ctrTitle"/>
           </p:nvPr>
@@ -8205,12 +8302,12 @@
           </a:prstGeom>
         </p:spPr>
         <p:txBody>
-          <a:bodyPr anchorCtr="0" anchor="t" bIns="91425" lIns="91425" spcFirstLastPara="1" rIns="91425" wrap="square" tIns="91425">
+          <a:bodyPr spcFirstLastPara="1" wrap="square" lIns="91425" tIns="91425" rIns="91425" bIns="91425" anchor="t" anchorCtr="0">
             <a:noAutofit/>
           </a:bodyPr>
           <a:lstStyle/>
           <a:p>
-            <a:pPr indent="0" lvl="0" marL="0" rtl="0" algn="l">
+            <a:pPr marL="0" lvl="0" indent="0" algn="l" rtl="0">
               <a:spcBef>
                 <a:spcPts val="0"/>
               </a:spcBef>
@@ -8230,9 +8327,11 @@
       <p:sp>
         <p:nvSpPr>
           <p:cNvPr id="87" name="Google Shape;87;p13"/>
-          <p:cNvSpPr txBox="1"/>
+          <p:cNvSpPr txBox="1">
+            <a:spLocks noGrp="1"/>
+          </p:cNvSpPr>
           <p:nvPr>
-            <p:ph idx="1" type="subTitle"/>
+            <p:ph type="subTitle" idx="1"/>
           </p:nvPr>
         </p:nvSpPr>
         <p:spPr>
@@ -8245,12 +8344,12 @@
           </a:prstGeom>
         </p:spPr>
         <p:txBody>
-          <a:bodyPr anchorCtr="0" anchor="t" bIns="91425" lIns="91425" spcFirstLastPara="1" rIns="91425" wrap="square" tIns="91425">
+          <a:bodyPr spcFirstLastPara="1" wrap="square" lIns="91425" tIns="91425" rIns="91425" bIns="91425" anchor="t" anchorCtr="0">
             <a:noAutofit/>
           </a:bodyPr>
           <a:lstStyle/>
           <a:p>
-            <a:pPr indent="0" lvl="0" marL="0" rtl="0" algn="l">
+            <a:pPr marL="0" lvl="0" indent="0" algn="l" rtl="0">
               <a:spcBef>
                 <a:spcPts val="0"/>
               </a:spcBef>
@@ -8276,11 +8375,11 @@
 </file>
 
 <file path=ppt/slides/slide2.xml><?xml version="1.0" encoding="utf-8"?>
-<p:sld xmlns:a="http://schemas.openxmlformats.org/drawingml/2006/main" xmlns:r="http://schemas.openxmlformats.org/officeDocument/2006/relationships" xmlns:mc="http://schemas.openxmlformats.org/markup-compatibility/2006" xmlns:mv="urn:schemas-microsoft-com:mac:vml" xmlns:p="http://schemas.openxmlformats.org/presentationml/2006/main" xmlns:c="http://schemas.openxmlformats.org/drawingml/2006/chart" xmlns:dgm="http://schemas.openxmlformats.org/drawingml/2006/diagram" xmlns:o="urn:schemas-microsoft-com:office:office" xmlns:v="urn:schemas-microsoft-com:vml" xmlns:pvml="urn:schemas-microsoft-com:office:powerpoint" xmlns:com="http://schemas.openxmlformats.org/drawingml/2006/compatibility" xmlns:p14="http://schemas.microsoft.com/office/powerpoint/2010/main" xmlns:p15="http://schemas.microsoft.com/office/powerpoint/2012/main">
+<p:sld xmlns:a="http://schemas.openxmlformats.org/drawingml/2006/main" xmlns:r="http://schemas.openxmlformats.org/officeDocument/2006/relationships" xmlns:p="http://schemas.openxmlformats.org/presentationml/2006/main">
   <p:cSld>
     <p:spTree>
       <p:nvGrpSpPr>
-        <p:cNvPr id="91" name="Shape 91"/>
+        <p:cNvPr id="1" name="Shape 91"/>
         <p:cNvGrpSpPr/>
         <p:nvPr/>
       </p:nvGrpSpPr>
@@ -8295,7 +8394,9 @@
       <p:sp>
         <p:nvSpPr>
           <p:cNvPr id="92" name="Google Shape;92;p14"/>
-          <p:cNvSpPr txBox="1"/>
+          <p:cNvSpPr txBox="1">
+            <a:spLocks noGrp="1"/>
+          </p:cNvSpPr>
           <p:nvPr>
             <p:ph type="title"/>
           </p:nvPr>
@@ -8310,12 +8411,12 @@
           </a:prstGeom>
         </p:spPr>
         <p:txBody>
-          <a:bodyPr anchorCtr="0" anchor="t" bIns="91425" lIns="91425" spcFirstLastPara="1" rIns="91425" wrap="square" tIns="91425">
+          <a:bodyPr spcFirstLastPara="1" wrap="square" lIns="91425" tIns="91425" rIns="91425" bIns="91425" anchor="t" anchorCtr="0">
             <a:noAutofit/>
           </a:bodyPr>
           <a:lstStyle/>
           <a:p>
-            <a:pPr indent="0" lvl="0" marL="0" rtl="0" algn="l">
+            <a:pPr marL="0" lvl="0" indent="0" algn="l" rtl="0">
               <a:spcBef>
                 <a:spcPts val="0"/>
               </a:spcBef>
@@ -8335,9 +8436,11 @@
       <p:sp>
         <p:nvSpPr>
           <p:cNvPr id="93" name="Google Shape;93;p14"/>
-          <p:cNvSpPr txBox="1"/>
+          <p:cNvSpPr txBox="1">
+            <a:spLocks noGrp="1"/>
+          </p:cNvSpPr>
           <p:nvPr>
-            <p:ph idx="1" type="body"/>
+            <p:ph type="body" idx="1"/>
           </p:nvPr>
         </p:nvSpPr>
         <p:spPr>
@@ -8350,12 +8453,12 @@
           </a:prstGeom>
         </p:spPr>
         <p:txBody>
-          <a:bodyPr anchorCtr="0" anchor="t" bIns="91425" lIns="91425" spcFirstLastPara="1" rIns="91425" wrap="square" tIns="91425">
+          <a:bodyPr spcFirstLastPara="1" wrap="square" lIns="91425" tIns="91425" rIns="91425" bIns="91425" anchor="t" anchorCtr="0">
             <a:noAutofit/>
           </a:bodyPr>
           <a:lstStyle/>
           <a:p>
-            <a:pPr indent="0" lvl="0" marL="0" rtl="0" algn="l">
+            <a:pPr marL="0" lvl="0" indent="0" algn="l" rtl="0">
               <a:spcBef>
                 <a:spcPts val="0"/>
               </a:spcBef>
@@ -8365,9 +8468,22 @@
               <a:buNone/>
             </a:pPr>
             <a:r>
-              <a:t/>
+              <a:rPr lang="en-US" dirty="0" err="1"/>
+              <a:t>Glas</a:t>
             </a:r>
-            <a:endParaRPr/>
+            <a:r>
+              <a:rPr lang="en-US" dirty="0"/>
+              <a:t> </a:t>
+            </a:r>
+            <a:r>
+              <a:rPr lang="en-US" dirty="0" err="1"/>
+              <a:t>Overgow</a:t>
+            </a:r>
+            <a:r>
+              <a:rPr lang="en-US" dirty="0"/>
+              <a:t> is a web application aimed to work as a forum for Glasgow university students where they will be able to post questions and discuss university assignments. A user can sign up, specify which degree he is studying and which year so that only the relevant forums would be displayed to him. Then if he has a question about any assignment he can post a question on the forum to which other users can respond. Or he can respond to an already existing question or respond to comments on the question. Every post and comment can be liked/ disliked by users and if a comment answers the users question, the user can mark that comment as an answer and can close the thread. </a:t>
+            </a:r>
+            <a:endParaRPr dirty="0"/>
           </a:p>
         </p:txBody>
       </p:sp>
@@ -8380,11 +8496,11 @@
 </file>
 
 <file path=ppt/slides/slide3.xml><?xml version="1.0" encoding="utf-8"?>
-<p:sld xmlns:a="http://schemas.openxmlformats.org/drawingml/2006/main" xmlns:r="http://schemas.openxmlformats.org/officeDocument/2006/relationships" xmlns:mc="http://schemas.openxmlformats.org/markup-compatibility/2006" xmlns:mv="urn:schemas-microsoft-com:mac:vml" xmlns:p="http://schemas.openxmlformats.org/presentationml/2006/main" xmlns:c="http://schemas.openxmlformats.org/drawingml/2006/chart" xmlns:dgm="http://schemas.openxmlformats.org/drawingml/2006/diagram" xmlns:o="urn:schemas-microsoft-com:office:office" xmlns:v="urn:schemas-microsoft-com:vml" xmlns:pvml="urn:schemas-microsoft-com:office:powerpoint" xmlns:com="http://schemas.openxmlformats.org/drawingml/2006/compatibility" xmlns:p14="http://schemas.microsoft.com/office/powerpoint/2010/main" xmlns:p15="http://schemas.microsoft.com/office/powerpoint/2012/main">
+<p:sld xmlns:a="http://schemas.openxmlformats.org/drawingml/2006/main" xmlns:r="http://schemas.openxmlformats.org/officeDocument/2006/relationships" xmlns:p="http://schemas.openxmlformats.org/presentationml/2006/main">
   <p:cSld>
     <p:spTree>
       <p:nvGrpSpPr>
-        <p:cNvPr id="97" name="Shape 97"/>
+        <p:cNvPr id="1" name="Shape 97"/>
         <p:cNvGrpSpPr/>
         <p:nvPr/>
       </p:nvGrpSpPr>
@@ -8399,7 +8515,9 @@
       <p:sp>
         <p:nvSpPr>
           <p:cNvPr id="98" name="Google Shape;98;p15"/>
-          <p:cNvSpPr txBox="1"/>
+          <p:cNvSpPr txBox="1">
+            <a:spLocks noGrp="1"/>
+          </p:cNvSpPr>
           <p:nvPr>
             <p:ph type="title"/>
           </p:nvPr>
@@ -8414,12 +8532,12 @@
           </a:prstGeom>
         </p:spPr>
         <p:txBody>
-          <a:bodyPr anchorCtr="0" anchor="t" bIns="91425" lIns="91425" spcFirstLastPara="1" rIns="91425" wrap="square" tIns="91425">
+          <a:bodyPr spcFirstLastPara="1" wrap="square" lIns="91425" tIns="91425" rIns="91425" bIns="91425" anchor="t" anchorCtr="0">
             <a:noAutofit/>
           </a:bodyPr>
           <a:lstStyle/>
           <a:p>
-            <a:pPr indent="0" lvl="0" marL="0" rtl="0" algn="l">
+            <a:pPr marL="0" lvl="0" indent="0" algn="l" rtl="0">
               <a:spcBef>
                 <a:spcPts val="0"/>
               </a:spcBef>
@@ -8439,9 +8557,11 @@
       <p:sp>
         <p:nvSpPr>
           <p:cNvPr id="99" name="Google Shape;99;p15"/>
-          <p:cNvSpPr txBox="1"/>
+          <p:cNvSpPr txBox="1">
+            <a:spLocks noGrp="1"/>
+          </p:cNvSpPr>
           <p:nvPr>
-            <p:ph idx="1" type="body"/>
+            <p:ph type="body" idx="1"/>
           </p:nvPr>
         </p:nvSpPr>
         <p:spPr>
@@ -8454,12 +8574,12 @@
           </a:prstGeom>
         </p:spPr>
         <p:txBody>
-          <a:bodyPr anchorCtr="0" anchor="t" bIns="91425" lIns="91425" spcFirstLastPara="1" rIns="91425" wrap="square" tIns="91425">
+          <a:bodyPr spcFirstLastPara="1" wrap="square" lIns="91425" tIns="91425" rIns="91425" bIns="91425" anchor="t" anchorCtr="0">
             <a:noAutofit/>
           </a:bodyPr>
           <a:lstStyle/>
           <a:p>
-            <a:pPr indent="0" lvl="0" marL="0" rtl="0" algn="l">
+            <a:pPr marL="0" lvl="0" indent="0" algn="l" rtl="0">
               <a:spcBef>
                 <a:spcPts val="0"/>
               </a:spcBef>
@@ -8468,9 +8588,6 @@
               </a:spcAft>
               <a:buNone/>
             </a:pPr>
-            <a:r>
-              <a:t/>
-            </a:r>
             <a:endParaRPr/>
           </a:p>
         </p:txBody>
@@ -8484,11 +8601,11 @@
 </file>
 
 <file path=ppt/slides/slide4.xml><?xml version="1.0" encoding="utf-8"?>
-<p:sld xmlns:a="http://schemas.openxmlformats.org/drawingml/2006/main" xmlns:r="http://schemas.openxmlformats.org/officeDocument/2006/relationships" xmlns:mc="http://schemas.openxmlformats.org/markup-compatibility/2006" xmlns:mv="urn:schemas-microsoft-com:mac:vml" xmlns:p="http://schemas.openxmlformats.org/presentationml/2006/main" xmlns:c="http://schemas.openxmlformats.org/drawingml/2006/chart" xmlns:dgm="http://schemas.openxmlformats.org/drawingml/2006/diagram" xmlns:o="urn:schemas-microsoft-com:office:office" xmlns:v="urn:schemas-microsoft-com:vml" xmlns:pvml="urn:schemas-microsoft-com:office:powerpoint" xmlns:com="http://schemas.openxmlformats.org/drawingml/2006/compatibility" xmlns:p14="http://schemas.microsoft.com/office/powerpoint/2010/main" xmlns:p15="http://schemas.microsoft.com/office/powerpoint/2012/main">
+<p:sld xmlns:a="http://schemas.openxmlformats.org/drawingml/2006/main" xmlns:r="http://schemas.openxmlformats.org/officeDocument/2006/relationships" xmlns:p="http://schemas.openxmlformats.org/presentationml/2006/main">
   <p:cSld>
     <p:spTree>
       <p:nvGrpSpPr>
-        <p:cNvPr id="103" name="Shape 103"/>
+        <p:cNvPr id="1" name="Shape 103"/>
         <p:cNvGrpSpPr/>
         <p:nvPr/>
       </p:nvGrpSpPr>
@@ -8503,7 +8620,9 @@
       <p:sp>
         <p:nvSpPr>
           <p:cNvPr id="104" name="Google Shape;104;p16"/>
-          <p:cNvSpPr txBox="1"/>
+          <p:cNvSpPr txBox="1">
+            <a:spLocks noGrp="1"/>
+          </p:cNvSpPr>
           <p:nvPr>
             <p:ph type="title"/>
           </p:nvPr>
@@ -8518,12 +8637,12 @@
           </a:prstGeom>
         </p:spPr>
         <p:txBody>
-          <a:bodyPr anchorCtr="0" anchor="t" bIns="91425" lIns="91425" spcFirstLastPara="1" rIns="91425" wrap="square" tIns="91425">
+          <a:bodyPr spcFirstLastPara="1" wrap="square" lIns="91425" tIns="91425" rIns="91425" bIns="91425" anchor="t" anchorCtr="0">
             <a:noAutofit/>
           </a:bodyPr>
           <a:lstStyle/>
           <a:p>
-            <a:pPr indent="0" lvl="0" marL="0" rtl="0" algn="l">
+            <a:pPr marL="0" lvl="0" indent="0" algn="l" rtl="0">
               <a:spcBef>
                 <a:spcPts val="0"/>
               </a:spcBef>
@@ -8543,9 +8662,11 @@
       <p:sp>
         <p:nvSpPr>
           <p:cNvPr id="105" name="Google Shape;105;p16"/>
-          <p:cNvSpPr txBox="1"/>
+          <p:cNvSpPr txBox="1">
+            <a:spLocks noGrp="1"/>
+          </p:cNvSpPr>
           <p:nvPr>
-            <p:ph idx="1" type="body"/>
+            <p:ph type="body" idx="1"/>
           </p:nvPr>
         </p:nvSpPr>
         <p:spPr>
@@ -8558,12 +8679,12 @@
           </a:prstGeom>
         </p:spPr>
         <p:txBody>
-          <a:bodyPr anchorCtr="0" anchor="t" bIns="91425" lIns="91425" spcFirstLastPara="1" rIns="91425" wrap="square" tIns="91425">
+          <a:bodyPr spcFirstLastPara="1" wrap="square" lIns="91425" tIns="91425" rIns="91425" bIns="91425" anchor="t" anchorCtr="0">
             <a:noAutofit/>
           </a:bodyPr>
           <a:lstStyle/>
           <a:p>
-            <a:pPr indent="0" lvl="0" marL="0" rtl="0" algn="l">
+            <a:pPr marL="0" lvl="0" indent="0" algn="l" rtl="0">
               <a:spcBef>
                 <a:spcPts val="0"/>
               </a:spcBef>
@@ -8572,9 +8693,6 @@
               </a:spcAft>
               <a:buNone/>
             </a:pPr>
-            <a:r>
-              <a:t/>
-            </a:r>
             <a:endParaRPr/>
           </a:p>
         </p:txBody>
@@ -8588,11 +8706,11 @@
 </file>
 
 <file path=ppt/slides/slide5.xml><?xml version="1.0" encoding="utf-8"?>
-<p:sld xmlns:a="http://schemas.openxmlformats.org/drawingml/2006/main" xmlns:r="http://schemas.openxmlformats.org/officeDocument/2006/relationships" xmlns:mc="http://schemas.openxmlformats.org/markup-compatibility/2006" xmlns:mv="urn:schemas-microsoft-com:mac:vml" xmlns:p="http://schemas.openxmlformats.org/presentationml/2006/main" xmlns:c="http://schemas.openxmlformats.org/drawingml/2006/chart" xmlns:dgm="http://schemas.openxmlformats.org/drawingml/2006/diagram" xmlns:o="urn:schemas-microsoft-com:office:office" xmlns:v="urn:schemas-microsoft-com:vml" xmlns:pvml="urn:schemas-microsoft-com:office:powerpoint" xmlns:com="http://schemas.openxmlformats.org/drawingml/2006/compatibility" xmlns:p14="http://schemas.microsoft.com/office/powerpoint/2010/main" xmlns:p15="http://schemas.microsoft.com/office/powerpoint/2012/main">
+<p:sld xmlns:a="http://schemas.openxmlformats.org/drawingml/2006/main" xmlns:r="http://schemas.openxmlformats.org/officeDocument/2006/relationships" xmlns:p="http://schemas.openxmlformats.org/presentationml/2006/main">
   <p:cSld>
     <p:spTree>
       <p:nvGrpSpPr>
-        <p:cNvPr id="109" name="Shape 109"/>
+        <p:cNvPr id="1" name="Shape 109"/>
         <p:cNvGrpSpPr/>
         <p:nvPr/>
       </p:nvGrpSpPr>
@@ -8607,7 +8725,9 @@
       <p:sp>
         <p:nvSpPr>
           <p:cNvPr id="110" name="Google Shape;110;p17"/>
-          <p:cNvSpPr txBox="1"/>
+          <p:cNvSpPr txBox="1">
+            <a:spLocks noGrp="1"/>
+          </p:cNvSpPr>
           <p:nvPr>
             <p:ph type="title"/>
           </p:nvPr>
@@ -8622,12 +8742,12 @@
           </a:prstGeom>
         </p:spPr>
         <p:txBody>
-          <a:bodyPr anchorCtr="0" anchor="t" bIns="91425" lIns="91425" spcFirstLastPara="1" rIns="91425" wrap="square" tIns="91425">
+          <a:bodyPr spcFirstLastPara="1" wrap="square" lIns="91425" tIns="91425" rIns="91425" bIns="91425" anchor="t" anchorCtr="0">
             <a:noAutofit/>
           </a:bodyPr>
           <a:lstStyle/>
           <a:p>
-            <a:pPr indent="0" lvl="0" marL="0" rtl="0" algn="l">
+            <a:pPr marL="0" lvl="0" indent="0" algn="l" rtl="0">
               <a:spcBef>
                 <a:spcPts val="0"/>
               </a:spcBef>
@@ -8647,9 +8767,11 @@
       <p:sp>
         <p:nvSpPr>
           <p:cNvPr id="111" name="Google Shape;111;p17"/>
-          <p:cNvSpPr txBox="1"/>
+          <p:cNvSpPr txBox="1">
+            <a:spLocks noGrp="1"/>
+          </p:cNvSpPr>
           <p:nvPr>
-            <p:ph idx="1" type="body"/>
+            <p:ph type="body" idx="1"/>
           </p:nvPr>
         </p:nvSpPr>
         <p:spPr>
@@ -8662,12 +8784,12 @@
           </a:prstGeom>
         </p:spPr>
         <p:txBody>
-          <a:bodyPr anchorCtr="0" anchor="t" bIns="91425" lIns="91425" spcFirstLastPara="1" rIns="91425" wrap="square" tIns="91425">
+          <a:bodyPr spcFirstLastPara="1" wrap="square" lIns="91425" tIns="91425" rIns="91425" bIns="91425" anchor="t" anchorCtr="0">
             <a:noAutofit/>
           </a:bodyPr>
           <a:lstStyle/>
           <a:p>
-            <a:pPr indent="0" lvl="0" marL="0" rtl="0" algn="l">
+            <a:pPr marL="0" lvl="0" indent="0" algn="l" rtl="0">
               <a:spcBef>
                 <a:spcPts val="0"/>
               </a:spcBef>
@@ -8676,9 +8798,6 @@
               </a:spcAft>
               <a:buNone/>
             </a:pPr>
-            <a:r>
-              <a:t/>
-            </a:r>
             <a:endParaRPr/>
           </a:p>
         </p:txBody>
@@ -8692,11 +8811,11 @@
 </file>
 
 <file path=ppt/slides/slide6.xml><?xml version="1.0" encoding="utf-8"?>
-<p:sld xmlns:a="http://schemas.openxmlformats.org/drawingml/2006/main" xmlns:r="http://schemas.openxmlformats.org/officeDocument/2006/relationships" xmlns:mc="http://schemas.openxmlformats.org/markup-compatibility/2006" xmlns:mv="urn:schemas-microsoft-com:mac:vml" xmlns:p="http://schemas.openxmlformats.org/presentationml/2006/main" xmlns:c="http://schemas.openxmlformats.org/drawingml/2006/chart" xmlns:dgm="http://schemas.openxmlformats.org/drawingml/2006/diagram" xmlns:o="urn:schemas-microsoft-com:office:office" xmlns:v="urn:schemas-microsoft-com:vml" xmlns:pvml="urn:schemas-microsoft-com:office:powerpoint" xmlns:com="http://schemas.openxmlformats.org/drawingml/2006/compatibility" xmlns:p14="http://schemas.microsoft.com/office/powerpoint/2010/main" xmlns:p15="http://schemas.microsoft.com/office/powerpoint/2012/main">
+<p:sld xmlns:a="http://schemas.openxmlformats.org/drawingml/2006/main" xmlns:r="http://schemas.openxmlformats.org/officeDocument/2006/relationships" xmlns:p="http://schemas.openxmlformats.org/presentationml/2006/main">
   <p:cSld>
     <p:spTree>
       <p:nvGrpSpPr>
-        <p:cNvPr id="115" name="Shape 115"/>
+        <p:cNvPr id="1" name="Shape 115"/>
         <p:cNvGrpSpPr/>
         <p:nvPr/>
       </p:nvGrpSpPr>
@@ -8711,7 +8830,9 @@
       <p:sp>
         <p:nvSpPr>
           <p:cNvPr id="116" name="Google Shape;116;p18"/>
-          <p:cNvSpPr txBox="1"/>
+          <p:cNvSpPr txBox="1">
+            <a:spLocks noGrp="1"/>
+          </p:cNvSpPr>
           <p:nvPr>
             <p:ph type="title"/>
           </p:nvPr>
@@ -8726,12 +8847,12 @@
           </a:prstGeom>
         </p:spPr>
         <p:txBody>
-          <a:bodyPr anchorCtr="0" anchor="t" bIns="91425" lIns="91425" spcFirstLastPara="1" rIns="91425" wrap="square" tIns="91425">
+          <a:bodyPr spcFirstLastPara="1" wrap="square" lIns="91425" tIns="91425" rIns="91425" bIns="91425" anchor="t" anchorCtr="0">
             <a:noAutofit/>
           </a:bodyPr>
           <a:lstStyle/>
           <a:p>
-            <a:pPr indent="0" lvl="0" marL="0" rtl="0" algn="l">
+            <a:pPr marL="0" lvl="0" indent="0" algn="l" rtl="0">
               <a:spcBef>
                 <a:spcPts val="0"/>
               </a:spcBef>
@@ -8751,9 +8872,11 @@
       <p:sp>
         <p:nvSpPr>
           <p:cNvPr id="117" name="Google Shape;117;p18"/>
-          <p:cNvSpPr txBox="1"/>
+          <p:cNvSpPr txBox="1">
+            <a:spLocks noGrp="1"/>
+          </p:cNvSpPr>
           <p:nvPr>
-            <p:ph idx="1" type="body"/>
+            <p:ph type="body" idx="1"/>
           </p:nvPr>
         </p:nvSpPr>
         <p:spPr>
@@ -8766,12 +8889,12 @@
           </a:prstGeom>
         </p:spPr>
         <p:txBody>
-          <a:bodyPr anchorCtr="0" anchor="t" bIns="91425" lIns="91425" spcFirstLastPara="1" rIns="91425" wrap="square" tIns="91425">
+          <a:bodyPr spcFirstLastPara="1" wrap="square" lIns="91425" tIns="91425" rIns="91425" bIns="91425" anchor="t" anchorCtr="0">
             <a:noAutofit/>
           </a:bodyPr>
           <a:lstStyle/>
           <a:p>
-            <a:pPr indent="0" lvl="0" marL="0" rtl="0" algn="l">
+            <a:pPr marL="0" lvl="0" indent="0" algn="l" rtl="0">
               <a:spcBef>
                 <a:spcPts val="0"/>
               </a:spcBef>
@@ -8780,9 +8903,6 @@
               </a:spcAft>
               <a:buNone/>
             </a:pPr>
-            <a:r>
-              <a:t/>
-            </a:r>
             <a:endParaRPr/>
           </a:p>
         </p:txBody>
@@ -8796,11 +8916,11 @@
 </file>
 
 <file path=ppt/slides/slide7.xml><?xml version="1.0" encoding="utf-8"?>
-<p:sld xmlns:a="http://schemas.openxmlformats.org/drawingml/2006/main" xmlns:r="http://schemas.openxmlformats.org/officeDocument/2006/relationships" xmlns:mc="http://schemas.openxmlformats.org/markup-compatibility/2006" xmlns:mv="urn:schemas-microsoft-com:mac:vml" xmlns:p="http://schemas.openxmlformats.org/presentationml/2006/main" xmlns:c="http://schemas.openxmlformats.org/drawingml/2006/chart" xmlns:dgm="http://schemas.openxmlformats.org/drawingml/2006/diagram" xmlns:o="urn:schemas-microsoft-com:office:office" xmlns:v="urn:schemas-microsoft-com:vml" xmlns:pvml="urn:schemas-microsoft-com:office:powerpoint" xmlns:com="http://schemas.openxmlformats.org/drawingml/2006/compatibility" xmlns:p14="http://schemas.microsoft.com/office/powerpoint/2010/main" xmlns:p15="http://schemas.microsoft.com/office/powerpoint/2012/main">
+<p:sld xmlns:a="http://schemas.openxmlformats.org/drawingml/2006/main" xmlns:r="http://schemas.openxmlformats.org/officeDocument/2006/relationships" xmlns:p="http://schemas.openxmlformats.org/presentationml/2006/main">
   <p:cSld>
     <p:spTree>
       <p:nvGrpSpPr>
-        <p:cNvPr id="121" name="Shape 121"/>
+        <p:cNvPr id="1" name="Shape 121"/>
         <p:cNvGrpSpPr/>
         <p:nvPr/>
       </p:nvGrpSpPr>
@@ -8815,7 +8935,9 @@
       <p:sp>
         <p:nvSpPr>
           <p:cNvPr id="122" name="Google Shape;122;p19"/>
-          <p:cNvSpPr txBox="1"/>
+          <p:cNvSpPr txBox="1">
+            <a:spLocks noGrp="1"/>
+          </p:cNvSpPr>
           <p:nvPr>
             <p:ph type="title"/>
           </p:nvPr>
@@ -8830,12 +8952,12 @@
           </a:prstGeom>
         </p:spPr>
         <p:txBody>
-          <a:bodyPr anchorCtr="0" anchor="t" bIns="91425" lIns="91425" spcFirstLastPara="1" rIns="91425" wrap="square" tIns="91425">
+          <a:bodyPr spcFirstLastPara="1" wrap="square" lIns="91425" tIns="91425" rIns="91425" bIns="91425" anchor="t" anchorCtr="0">
             <a:noAutofit/>
           </a:bodyPr>
           <a:lstStyle/>
           <a:p>
-            <a:pPr indent="0" lvl="0" marL="0" rtl="0" algn="l">
+            <a:pPr marL="0" lvl="0" indent="0" algn="l" rtl="0">
               <a:spcBef>
                 <a:spcPts val="0"/>
               </a:spcBef>
@@ -8855,9 +8977,11 @@
       <p:sp>
         <p:nvSpPr>
           <p:cNvPr id="123" name="Google Shape;123;p19"/>
-          <p:cNvSpPr txBox="1"/>
+          <p:cNvSpPr txBox="1">
+            <a:spLocks noGrp="1"/>
+          </p:cNvSpPr>
           <p:nvPr>
-            <p:ph idx="1" type="body"/>
+            <p:ph type="body" idx="1"/>
           </p:nvPr>
         </p:nvSpPr>
         <p:spPr>
@@ -8870,12 +8994,12 @@
           </a:prstGeom>
         </p:spPr>
         <p:txBody>
-          <a:bodyPr anchorCtr="0" anchor="t" bIns="91425" lIns="91425" spcFirstLastPara="1" rIns="91425" wrap="square" tIns="91425">
+          <a:bodyPr spcFirstLastPara="1" wrap="square" lIns="91425" tIns="91425" rIns="91425" bIns="91425" anchor="t" anchorCtr="0">
             <a:noAutofit/>
           </a:bodyPr>
           <a:lstStyle/>
           <a:p>
-            <a:pPr indent="0" lvl="0" marL="0" rtl="0" algn="l">
+            <a:pPr marL="0" lvl="0" indent="0" algn="l" rtl="0">
               <a:spcBef>
                 <a:spcPts val="0"/>
               </a:spcBef>
@@ -8884,9 +9008,6 @@
               </a:spcAft>
               <a:buNone/>
             </a:pPr>
-            <a:r>
-              <a:t/>
-            </a:r>
             <a:endParaRPr/>
           </a:p>
         </p:txBody>
@@ -8900,11 +9021,11 @@
 </file>
 
 <file path=ppt/slides/slide8.xml><?xml version="1.0" encoding="utf-8"?>
-<p:sld xmlns:a="http://schemas.openxmlformats.org/drawingml/2006/main" xmlns:r="http://schemas.openxmlformats.org/officeDocument/2006/relationships" xmlns:mc="http://schemas.openxmlformats.org/markup-compatibility/2006" xmlns:mv="urn:schemas-microsoft-com:mac:vml" xmlns:p="http://schemas.openxmlformats.org/presentationml/2006/main" xmlns:c="http://schemas.openxmlformats.org/drawingml/2006/chart" xmlns:dgm="http://schemas.openxmlformats.org/drawingml/2006/diagram" xmlns:o="urn:schemas-microsoft-com:office:office" xmlns:v="urn:schemas-microsoft-com:vml" xmlns:pvml="urn:schemas-microsoft-com:office:powerpoint" xmlns:com="http://schemas.openxmlformats.org/drawingml/2006/compatibility" xmlns:p14="http://schemas.microsoft.com/office/powerpoint/2010/main" xmlns:p15="http://schemas.microsoft.com/office/powerpoint/2012/main">
+<p:sld xmlns:a="http://schemas.openxmlformats.org/drawingml/2006/main" xmlns:r="http://schemas.openxmlformats.org/officeDocument/2006/relationships" xmlns:p="http://schemas.openxmlformats.org/presentationml/2006/main">
   <p:cSld>
     <p:spTree>
       <p:nvGrpSpPr>
-        <p:cNvPr id="127" name="Shape 127"/>
+        <p:cNvPr id="1" name="Shape 127"/>
         <p:cNvGrpSpPr/>
         <p:nvPr/>
       </p:nvGrpSpPr>
@@ -8919,7 +9040,9 @@
       <p:sp>
         <p:nvSpPr>
           <p:cNvPr id="128" name="Google Shape;128;p20"/>
-          <p:cNvSpPr txBox="1"/>
+          <p:cNvSpPr txBox="1">
+            <a:spLocks noGrp="1"/>
+          </p:cNvSpPr>
           <p:nvPr>
             <p:ph type="title"/>
           </p:nvPr>
@@ -8934,12 +9057,12 @@
           </a:prstGeom>
         </p:spPr>
         <p:txBody>
-          <a:bodyPr anchorCtr="0" anchor="t" bIns="91425" lIns="91425" spcFirstLastPara="1" rIns="91425" wrap="square" tIns="91425">
+          <a:bodyPr spcFirstLastPara="1" wrap="square" lIns="91425" tIns="91425" rIns="91425" bIns="91425" anchor="t" anchorCtr="0">
             <a:noAutofit/>
           </a:bodyPr>
           <a:lstStyle/>
           <a:p>
-            <a:pPr indent="0" lvl="0" marL="0" rtl="0" algn="l">
+            <a:pPr marL="0" lvl="0" indent="0" algn="l" rtl="0">
               <a:spcBef>
                 <a:spcPts val="0"/>
               </a:spcBef>
@@ -8959,9 +9082,11 @@
       <p:sp>
         <p:nvSpPr>
           <p:cNvPr id="129" name="Google Shape;129;p20"/>
-          <p:cNvSpPr txBox="1"/>
+          <p:cNvSpPr txBox="1">
+            <a:spLocks noGrp="1"/>
+          </p:cNvSpPr>
           <p:nvPr>
-            <p:ph idx="1" type="body"/>
+            <p:ph type="body" idx="1"/>
           </p:nvPr>
         </p:nvSpPr>
         <p:spPr>
@@ -8974,12 +9099,12 @@
           </a:prstGeom>
         </p:spPr>
         <p:txBody>
-          <a:bodyPr anchorCtr="0" anchor="t" bIns="91425" lIns="91425" spcFirstLastPara="1" rIns="91425" wrap="square" tIns="91425">
+          <a:bodyPr spcFirstLastPara="1" wrap="square" lIns="91425" tIns="91425" rIns="91425" bIns="91425" anchor="t" anchorCtr="0">
             <a:noAutofit/>
           </a:bodyPr>
           <a:lstStyle/>
           <a:p>
-            <a:pPr indent="0" lvl="0" marL="0" rtl="0" algn="l">
+            <a:pPr marL="0" lvl="0" indent="0" algn="l" rtl="0">
               <a:spcBef>
                 <a:spcPts val="0"/>
               </a:spcBef>
@@ -8988,9 +9113,6 @@
               </a:spcAft>
               <a:buNone/>
             </a:pPr>
-            <a:r>
-              <a:t/>
-            </a:r>
             <a:endParaRPr/>
           </a:p>
         </p:txBody>
@@ -9004,11 +9126,11 @@
 </file>
 
 <file path=ppt/slides/slide9.xml><?xml version="1.0" encoding="utf-8"?>
-<p:sld xmlns:a="http://schemas.openxmlformats.org/drawingml/2006/main" xmlns:r="http://schemas.openxmlformats.org/officeDocument/2006/relationships" xmlns:mc="http://schemas.openxmlformats.org/markup-compatibility/2006" xmlns:mv="urn:schemas-microsoft-com:mac:vml" xmlns:p="http://schemas.openxmlformats.org/presentationml/2006/main" xmlns:c="http://schemas.openxmlformats.org/drawingml/2006/chart" xmlns:dgm="http://schemas.openxmlformats.org/drawingml/2006/diagram" xmlns:o="urn:schemas-microsoft-com:office:office" xmlns:v="urn:schemas-microsoft-com:vml" xmlns:pvml="urn:schemas-microsoft-com:office:powerpoint" xmlns:com="http://schemas.openxmlformats.org/drawingml/2006/compatibility" xmlns:p14="http://schemas.microsoft.com/office/powerpoint/2010/main" xmlns:p15="http://schemas.microsoft.com/office/powerpoint/2012/main">
+<p:sld xmlns:a="http://schemas.openxmlformats.org/drawingml/2006/main" xmlns:r="http://schemas.openxmlformats.org/officeDocument/2006/relationships" xmlns:p="http://schemas.openxmlformats.org/presentationml/2006/main">
   <p:cSld>
     <p:spTree>
       <p:nvGrpSpPr>
-        <p:cNvPr id="133" name="Shape 133"/>
+        <p:cNvPr id="1" name="Shape 133"/>
         <p:cNvGrpSpPr/>
         <p:nvPr/>
       </p:nvGrpSpPr>
@@ -9023,7 +9145,9 @@
       <p:sp>
         <p:nvSpPr>
           <p:cNvPr id="134" name="Google Shape;134;p21"/>
-          <p:cNvSpPr txBox="1"/>
+          <p:cNvSpPr txBox="1">
+            <a:spLocks noGrp="1"/>
+          </p:cNvSpPr>
           <p:nvPr>
             <p:ph type="title"/>
           </p:nvPr>
@@ -9038,12 +9162,12 @@
           </a:prstGeom>
         </p:spPr>
         <p:txBody>
-          <a:bodyPr anchorCtr="0" anchor="t" bIns="91425" lIns="91425" spcFirstLastPara="1" rIns="91425" wrap="square" tIns="91425">
+          <a:bodyPr spcFirstLastPara="1" wrap="square" lIns="91425" tIns="91425" rIns="91425" bIns="91425" anchor="t" anchorCtr="0">
             <a:noAutofit/>
           </a:bodyPr>
           <a:lstStyle/>
           <a:p>
-            <a:pPr indent="0" lvl="0" marL="0" rtl="0" algn="l">
+            <a:pPr marL="0" lvl="0" indent="0" algn="l" rtl="0">
               <a:spcBef>
                 <a:spcPts val="0"/>
               </a:spcBef>
@@ -9063,9 +9187,11 @@
       <p:sp>
         <p:nvSpPr>
           <p:cNvPr id="135" name="Google Shape;135;p21"/>
-          <p:cNvSpPr txBox="1"/>
+          <p:cNvSpPr txBox="1">
+            <a:spLocks noGrp="1"/>
+          </p:cNvSpPr>
           <p:nvPr>
-            <p:ph idx="1" type="body"/>
+            <p:ph type="body" idx="1"/>
           </p:nvPr>
         </p:nvSpPr>
         <p:spPr>
@@ -9078,12 +9204,12 @@
           </a:prstGeom>
         </p:spPr>
         <p:txBody>
-          <a:bodyPr anchorCtr="0" anchor="t" bIns="91425" lIns="91425" spcFirstLastPara="1" rIns="91425" wrap="square" tIns="91425">
+          <a:bodyPr spcFirstLastPara="1" wrap="square" lIns="91425" tIns="91425" rIns="91425" bIns="91425" anchor="t" anchorCtr="0">
             <a:noAutofit/>
           </a:bodyPr>
           <a:lstStyle/>
           <a:p>
-            <a:pPr indent="0" lvl="0" marL="0" rtl="0" algn="l">
+            <a:pPr marL="0" lvl="0" indent="0" algn="l" rtl="0">
               <a:spcBef>
                 <a:spcPts val="0"/>
               </a:spcBef>
@@ -9092,9 +9218,6 @@
               </a:spcAft>
               <a:buNone/>
             </a:pPr>
-            <a:r>
-              <a:t/>
-            </a:r>
             <a:endParaRPr/>
           </a:p>
         </p:txBody>
@@ -9108,7 +9231,288 @@
 </file>
 
 <file path=ppt/theme/theme1.xml><?xml version="1.0" encoding="utf-8"?>
-<a:theme xmlns:a="http://schemas.openxmlformats.org/drawingml/2006/main" xmlns:r="http://schemas.openxmlformats.org/officeDocument/2006/relationships">
+<a:theme xmlns:a="http://schemas.openxmlformats.org/drawingml/2006/main" name="Streamline">
+  <a:themeElements>
+    <a:clrScheme name="Streamline">
+      <a:dk1>
+        <a:srgbClr val="1A9988"/>
+      </a:dk1>
+      <a:lt1>
+        <a:srgbClr val="FFFFFF"/>
+      </a:lt1>
+      <a:dk2>
+        <a:srgbClr val="1A1A1A"/>
+      </a:dk2>
+      <a:lt2>
+        <a:srgbClr val="E9EDEE"/>
+      </a:lt2>
+      <a:accent1>
+        <a:srgbClr val="595959"/>
+      </a:accent1>
+      <a:accent2>
+        <a:srgbClr val="6AA4C8"/>
+      </a:accent2>
+      <a:accent3>
+        <a:srgbClr val="EB5600"/>
+      </a:accent3>
+      <a:accent4>
+        <a:srgbClr val="A2FFE8"/>
+      </a:accent4>
+      <a:accent5>
+        <a:srgbClr val="1C3678"/>
+      </a:accent5>
+      <a:accent6>
+        <a:srgbClr val="FFB8A2"/>
+      </a:accent6>
+      <a:hlink>
+        <a:srgbClr val="1C3678"/>
+      </a:hlink>
+      <a:folHlink>
+        <a:srgbClr val="1C3678"/>
+      </a:folHlink>
+    </a:clrScheme>
+    <a:fontScheme name="Office">
+      <a:majorFont>
+        <a:latin typeface="Arial"/>
+        <a:ea typeface=""/>
+        <a:cs typeface=""/>
+        <a:font script="Jpan" typeface="ＭＳ Ｐゴシック"/>
+        <a:font script="Hang" typeface="맑은 고딕"/>
+        <a:font script="Hans" typeface="宋体"/>
+        <a:font script="Hant" typeface="新細明體"/>
+        <a:font script="Arab" typeface="Times New Roman"/>
+        <a:font script="Hebr" typeface="Times New Roman"/>
+        <a:font script="Thai" typeface="Angsana New"/>
+        <a:font script="Ethi" typeface="Nyala"/>
+        <a:font script="Beng" typeface="Vrinda"/>
+        <a:font script="Gujr" typeface="Shruti"/>
+        <a:font script="Khmr" typeface="MoolBoran"/>
+        <a:font script="Knda" typeface="Tunga"/>
+        <a:font script="Guru" typeface="Raavi"/>
+        <a:font script="Cans" typeface="Euphemia"/>
+        <a:font script="Cher" typeface="Plantagenet Cherokee"/>
+        <a:font script="Yiii" typeface="Microsoft Yi Baiti"/>
+        <a:font script="Tibt" typeface="Microsoft Himalaya"/>
+        <a:font script="Thaa" typeface="MV Boli"/>
+        <a:font script="Deva" typeface="Mangal"/>
+        <a:font script="Telu" typeface="Gautami"/>
+        <a:font script="Taml" typeface="Latha"/>
+        <a:font script="Syrc" typeface="Estrangelo Edessa"/>
+        <a:font script="Orya" typeface="Kalinga"/>
+        <a:font script="Mlym" typeface="Kartika"/>
+        <a:font script="Laoo" typeface="DokChampa"/>
+        <a:font script="Sinh" typeface="Iskoola Pota"/>
+        <a:font script="Mong" typeface="Mongolian Baiti"/>
+        <a:font script="Viet" typeface="Times New Roman"/>
+        <a:font script="Uigh" typeface="Microsoft Uighur"/>
+        <a:font script="Geor" typeface="Sylfaen"/>
+      </a:majorFont>
+      <a:minorFont>
+        <a:latin typeface="Arial"/>
+        <a:ea typeface=""/>
+        <a:cs typeface=""/>
+        <a:font script="Jpan" typeface="ＭＳ Ｐゴシック"/>
+        <a:font script="Hang" typeface="맑은 고딕"/>
+        <a:font script="Hans" typeface="宋体"/>
+        <a:font script="Hant" typeface="新細明體"/>
+        <a:font script="Arab" typeface="Arial"/>
+        <a:font script="Hebr" typeface="Arial"/>
+        <a:font script="Thai" typeface="Cordia New"/>
+        <a:font script="Ethi" typeface="Nyala"/>
+        <a:font script="Beng" typeface="Vrinda"/>
+        <a:font script="Gujr" typeface="Shruti"/>
+        <a:font script="Khmr" typeface="DaunPenh"/>
+        <a:font script="Knda" typeface="Tunga"/>
+        <a:font script="Guru" typeface="Raavi"/>
+        <a:font script="Cans" typeface="Euphemia"/>
+        <a:font script="Cher" typeface="Plantagenet Cherokee"/>
+        <a:font script="Yiii" typeface="Microsoft Yi Baiti"/>
+        <a:font script="Tibt" typeface="Microsoft Himalaya"/>
+        <a:font script="Thaa" typeface="MV Boli"/>
+        <a:font script="Deva" typeface="Mangal"/>
+        <a:font script="Telu" typeface="Gautami"/>
+        <a:font script="Taml" typeface="Latha"/>
+        <a:font script="Syrc" typeface="Estrangelo Edessa"/>
+        <a:font script="Orya" typeface="Kalinga"/>
+        <a:font script="Mlym" typeface="Kartika"/>
+        <a:font script="Laoo" typeface="DokChampa"/>
+        <a:font script="Sinh" typeface="Iskoola Pota"/>
+        <a:font script="Mong" typeface="Mongolian Baiti"/>
+        <a:font script="Viet" typeface="Arial"/>
+        <a:font script="Uigh" typeface="Microsoft Uighur"/>
+        <a:font script="Geor" typeface="Sylfaen"/>
+      </a:minorFont>
+    </a:fontScheme>
+    <a:fmtScheme name="Office">
+      <a:fillStyleLst>
+        <a:solidFill>
+          <a:schemeClr val="phClr"/>
+        </a:solidFill>
+        <a:gradFill rotWithShape="1">
+          <a:gsLst>
+            <a:gs pos="0">
+              <a:schemeClr val="phClr">
+                <a:tint val="50000"/>
+                <a:satMod val="300000"/>
+              </a:schemeClr>
+            </a:gs>
+            <a:gs pos="35000">
+              <a:schemeClr val="phClr">
+                <a:tint val="37000"/>
+                <a:satMod val="300000"/>
+              </a:schemeClr>
+            </a:gs>
+            <a:gs pos="100000">
+              <a:schemeClr val="phClr">
+                <a:tint val="15000"/>
+                <a:satMod val="350000"/>
+              </a:schemeClr>
+            </a:gs>
+          </a:gsLst>
+          <a:lin ang="16200000" scaled="1"/>
+        </a:gradFill>
+        <a:gradFill rotWithShape="1">
+          <a:gsLst>
+            <a:gs pos="0">
+              <a:schemeClr val="phClr">
+                <a:tint val="100000"/>
+                <a:shade val="100000"/>
+                <a:satMod val="130000"/>
+              </a:schemeClr>
+            </a:gs>
+            <a:gs pos="100000">
+              <a:schemeClr val="phClr">
+                <a:tint val="50000"/>
+                <a:shade val="100000"/>
+                <a:satMod val="350000"/>
+              </a:schemeClr>
+            </a:gs>
+          </a:gsLst>
+          <a:lin ang="16200000" scaled="0"/>
+        </a:gradFill>
+      </a:fillStyleLst>
+      <a:lnStyleLst>
+        <a:ln w="9525" cap="flat" cmpd="sng" algn="ctr">
+          <a:solidFill>
+            <a:schemeClr val="phClr">
+              <a:shade val="95000"/>
+              <a:satMod val="105000"/>
+            </a:schemeClr>
+          </a:solidFill>
+          <a:prstDash val="solid"/>
+        </a:ln>
+        <a:ln w="25400" cap="flat" cmpd="sng" algn="ctr">
+          <a:solidFill>
+            <a:schemeClr val="phClr"/>
+          </a:solidFill>
+          <a:prstDash val="solid"/>
+        </a:ln>
+        <a:ln w="38100" cap="flat" cmpd="sng" algn="ctr">
+          <a:solidFill>
+            <a:schemeClr val="phClr"/>
+          </a:solidFill>
+          <a:prstDash val="solid"/>
+        </a:ln>
+      </a:lnStyleLst>
+      <a:effectStyleLst>
+        <a:effectStyle>
+          <a:effectLst>
+            <a:outerShdw blurRad="40000" dist="20000" dir="5400000" rotWithShape="0">
+              <a:srgbClr val="000000">
+                <a:alpha val="38000"/>
+              </a:srgbClr>
+            </a:outerShdw>
+          </a:effectLst>
+        </a:effectStyle>
+        <a:effectStyle>
+          <a:effectLst>
+            <a:outerShdw blurRad="40000" dist="23000" dir="5400000" rotWithShape="0">
+              <a:srgbClr val="000000">
+                <a:alpha val="35000"/>
+              </a:srgbClr>
+            </a:outerShdw>
+          </a:effectLst>
+        </a:effectStyle>
+        <a:effectStyle>
+          <a:effectLst>
+            <a:outerShdw blurRad="40000" dist="23000" dir="5400000" rotWithShape="0">
+              <a:srgbClr val="000000">
+                <a:alpha val="35000"/>
+              </a:srgbClr>
+            </a:outerShdw>
+          </a:effectLst>
+          <a:scene3d>
+            <a:camera prst="orthographicFront">
+              <a:rot lat="0" lon="0" rev="0"/>
+            </a:camera>
+            <a:lightRig rig="threePt" dir="t">
+              <a:rot lat="0" lon="0" rev="1200000"/>
+            </a:lightRig>
+          </a:scene3d>
+          <a:sp3d>
+            <a:bevelT w="63500" h="25400"/>
+          </a:sp3d>
+        </a:effectStyle>
+      </a:effectStyleLst>
+      <a:bgFillStyleLst>
+        <a:solidFill>
+          <a:schemeClr val="phClr"/>
+        </a:solidFill>
+        <a:gradFill rotWithShape="1">
+          <a:gsLst>
+            <a:gs pos="0">
+              <a:schemeClr val="phClr">
+                <a:tint val="40000"/>
+                <a:satMod val="350000"/>
+              </a:schemeClr>
+            </a:gs>
+            <a:gs pos="40000">
+              <a:schemeClr val="phClr">
+                <a:tint val="45000"/>
+                <a:shade val="99000"/>
+                <a:satMod val="350000"/>
+              </a:schemeClr>
+            </a:gs>
+            <a:gs pos="100000">
+              <a:schemeClr val="phClr">
+                <a:shade val="20000"/>
+                <a:satMod val="255000"/>
+              </a:schemeClr>
+            </a:gs>
+          </a:gsLst>
+          <a:path path="circle">
+            <a:fillToRect l="50000" t="-80000" r="50000" b="180000"/>
+          </a:path>
+        </a:gradFill>
+        <a:gradFill rotWithShape="1">
+          <a:gsLst>
+            <a:gs pos="0">
+              <a:schemeClr val="phClr">
+                <a:tint val="80000"/>
+                <a:satMod val="300000"/>
+              </a:schemeClr>
+            </a:gs>
+            <a:gs pos="100000">
+              <a:schemeClr val="phClr">
+                <a:shade val="30000"/>
+                <a:satMod val="200000"/>
+              </a:schemeClr>
+            </a:gs>
+          </a:gsLst>
+          <a:path path="circle">
+            <a:fillToRect l="50000" t="50000" r="50000" b="50000"/>
+          </a:path>
+        </a:gradFill>
+      </a:bgFillStyleLst>
+    </a:fmtScheme>
+  </a:themeElements>
+  <a:objectDefaults/>
+  <a:extraClrSchemeLst/>
+</a:theme>
+</file>
+
+<file path=ppt/theme/theme2.xml><?xml version="1.0" encoding="utf-8"?>
+<a:theme xmlns:a="http://schemas.openxmlformats.org/drawingml/2006/main">
   <a:themeElements>
     <a:clrScheme name="Default">
       <a:dk1>
@@ -9383,284 +9787,7 @@
       </a:bgFillStyleLst>
     </a:fmtScheme>
   </a:themeElements>
-</a:theme>
-</file>
-
-<file path=ppt/theme/theme2.xml><?xml version="1.0" encoding="utf-8"?>
-<a:theme xmlns:a="http://schemas.openxmlformats.org/drawingml/2006/main" xmlns:r="http://schemas.openxmlformats.org/officeDocument/2006/relationships" name="Streamline">
-  <a:themeElements>
-    <a:clrScheme name="Streamline">
-      <a:dk1>
-        <a:srgbClr val="1A9988"/>
-      </a:dk1>
-      <a:lt1>
-        <a:srgbClr val="FFFFFF"/>
-      </a:lt1>
-      <a:dk2>
-        <a:srgbClr val="1A1A1A"/>
-      </a:dk2>
-      <a:lt2>
-        <a:srgbClr val="E9EDEE"/>
-      </a:lt2>
-      <a:accent1>
-        <a:srgbClr val="595959"/>
-      </a:accent1>
-      <a:accent2>
-        <a:srgbClr val="6AA4C8"/>
-      </a:accent2>
-      <a:accent3>
-        <a:srgbClr val="EB5600"/>
-      </a:accent3>
-      <a:accent4>
-        <a:srgbClr val="A2FFE8"/>
-      </a:accent4>
-      <a:accent5>
-        <a:srgbClr val="1C3678"/>
-      </a:accent5>
-      <a:accent6>
-        <a:srgbClr val="FFB8A2"/>
-      </a:accent6>
-      <a:hlink>
-        <a:srgbClr val="1C3678"/>
-      </a:hlink>
-      <a:folHlink>
-        <a:srgbClr val="1C3678"/>
-      </a:folHlink>
-    </a:clrScheme>
-    <a:fontScheme name="Office">
-      <a:majorFont>
-        <a:latin typeface="Arial"/>
-        <a:ea typeface=""/>
-        <a:cs typeface=""/>
-        <a:font script="Jpan" typeface="ＭＳ Ｐゴシック"/>
-        <a:font script="Hang" typeface="맑은 고딕"/>
-        <a:font script="Hans" typeface="宋体"/>
-        <a:font script="Hant" typeface="新細明體"/>
-        <a:font script="Arab" typeface="Times New Roman"/>
-        <a:font script="Hebr" typeface="Times New Roman"/>
-        <a:font script="Thai" typeface="Angsana New"/>
-        <a:font script="Ethi" typeface="Nyala"/>
-        <a:font script="Beng" typeface="Vrinda"/>
-        <a:font script="Gujr" typeface="Shruti"/>
-        <a:font script="Khmr" typeface="MoolBoran"/>
-        <a:font script="Knda" typeface="Tunga"/>
-        <a:font script="Guru" typeface="Raavi"/>
-        <a:font script="Cans" typeface="Euphemia"/>
-        <a:font script="Cher" typeface="Plantagenet Cherokee"/>
-        <a:font script="Yiii" typeface="Microsoft Yi Baiti"/>
-        <a:font script="Tibt" typeface="Microsoft Himalaya"/>
-        <a:font script="Thaa" typeface="MV Boli"/>
-        <a:font script="Deva" typeface="Mangal"/>
-        <a:font script="Telu" typeface="Gautami"/>
-        <a:font script="Taml" typeface="Latha"/>
-        <a:font script="Syrc" typeface="Estrangelo Edessa"/>
-        <a:font script="Orya" typeface="Kalinga"/>
-        <a:font script="Mlym" typeface="Kartika"/>
-        <a:font script="Laoo" typeface="DokChampa"/>
-        <a:font script="Sinh" typeface="Iskoola Pota"/>
-        <a:font script="Mong" typeface="Mongolian Baiti"/>
-        <a:font script="Viet" typeface="Times New Roman"/>
-        <a:font script="Uigh" typeface="Microsoft Uighur"/>
-        <a:font script="Geor" typeface="Sylfaen"/>
-      </a:majorFont>
-      <a:minorFont>
-        <a:latin typeface="Arial"/>
-        <a:ea typeface=""/>
-        <a:cs typeface=""/>
-        <a:font script="Jpan" typeface="ＭＳ Ｐゴシック"/>
-        <a:font script="Hang" typeface="맑은 고딕"/>
-        <a:font script="Hans" typeface="宋体"/>
-        <a:font script="Hant" typeface="新細明體"/>
-        <a:font script="Arab" typeface="Arial"/>
-        <a:font script="Hebr" typeface="Arial"/>
-        <a:font script="Thai" typeface="Cordia New"/>
-        <a:font script="Ethi" typeface="Nyala"/>
-        <a:font script="Beng" typeface="Vrinda"/>
-        <a:font script="Gujr" typeface="Shruti"/>
-        <a:font script="Khmr" typeface="DaunPenh"/>
-        <a:font script="Knda" typeface="Tunga"/>
-        <a:font script="Guru" typeface="Raavi"/>
-        <a:font script="Cans" typeface="Euphemia"/>
-        <a:font script="Cher" typeface="Plantagenet Cherokee"/>
-        <a:font script="Yiii" typeface="Microsoft Yi Baiti"/>
-        <a:font script="Tibt" typeface="Microsoft Himalaya"/>
-        <a:font script="Thaa" typeface="MV Boli"/>
-        <a:font script="Deva" typeface="Mangal"/>
-        <a:font script="Telu" typeface="Gautami"/>
-        <a:font script="Taml" typeface="Latha"/>
-        <a:font script="Syrc" typeface="Estrangelo Edessa"/>
-        <a:font script="Orya" typeface="Kalinga"/>
-        <a:font script="Mlym" typeface="Kartika"/>
-        <a:font script="Laoo" typeface="DokChampa"/>
-        <a:font script="Sinh" typeface="Iskoola Pota"/>
-        <a:font script="Mong" typeface="Mongolian Baiti"/>
-        <a:font script="Viet" typeface="Arial"/>
-        <a:font script="Uigh" typeface="Microsoft Uighur"/>
-        <a:font script="Geor" typeface="Sylfaen"/>
-      </a:minorFont>
-    </a:fontScheme>
-    <a:fmtScheme name="Office">
-      <a:fillStyleLst>
-        <a:solidFill>
-          <a:schemeClr val="phClr"/>
-        </a:solidFill>
-        <a:gradFill rotWithShape="1">
-          <a:gsLst>
-            <a:gs pos="0">
-              <a:schemeClr val="phClr">
-                <a:tint val="50000"/>
-                <a:satMod val="300000"/>
-              </a:schemeClr>
-            </a:gs>
-            <a:gs pos="35000">
-              <a:schemeClr val="phClr">
-                <a:tint val="37000"/>
-                <a:satMod val="300000"/>
-              </a:schemeClr>
-            </a:gs>
-            <a:gs pos="100000">
-              <a:schemeClr val="phClr">
-                <a:tint val="15000"/>
-                <a:satMod val="350000"/>
-              </a:schemeClr>
-            </a:gs>
-          </a:gsLst>
-          <a:lin ang="16200000" scaled="1"/>
-        </a:gradFill>
-        <a:gradFill rotWithShape="1">
-          <a:gsLst>
-            <a:gs pos="0">
-              <a:schemeClr val="phClr">
-                <a:tint val="100000"/>
-                <a:shade val="100000"/>
-                <a:satMod val="130000"/>
-              </a:schemeClr>
-            </a:gs>
-            <a:gs pos="100000">
-              <a:schemeClr val="phClr">
-                <a:tint val="50000"/>
-                <a:shade val="100000"/>
-                <a:satMod val="350000"/>
-              </a:schemeClr>
-            </a:gs>
-          </a:gsLst>
-          <a:lin ang="16200000" scaled="0"/>
-        </a:gradFill>
-      </a:fillStyleLst>
-      <a:lnStyleLst>
-        <a:ln w="9525" cap="flat" cmpd="sng" algn="ctr">
-          <a:solidFill>
-            <a:schemeClr val="phClr">
-              <a:shade val="95000"/>
-              <a:satMod val="105000"/>
-            </a:schemeClr>
-          </a:solidFill>
-          <a:prstDash val="solid"/>
-        </a:ln>
-        <a:ln w="25400" cap="flat" cmpd="sng" algn="ctr">
-          <a:solidFill>
-            <a:schemeClr val="phClr"/>
-          </a:solidFill>
-          <a:prstDash val="solid"/>
-        </a:ln>
-        <a:ln w="38100" cap="flat" cmpd="sng" algn="ctr">
-          <a:solidFill>
-            <a:schemeClr val="phClr"/>
-          </a:solidFill>
-          <a:prstDash val="solid"/>
-        </a:ln>
-      </a:lnStyleLst>
-      <a:effectStyleLst>
-        <a:effectStyle>
-          <a:effectLst>
-            <a:outerShdw blurRad="40000" dist="20000" dir="5400000" rotWithShape="0">
-              <a:srgbClr val="000000">
-                <a:alpha val="38000"/>
-              </a:srgbClr>
-            </a:outerShdw>
-          </a:effectLst>
-        </a:effectStyle>
-        <a:effectStyle>
-          <a:effectLst>
-            <a:outerShdw blurRad="40000" dist="23000" dir="5400000" rotWithShape="0">
-              <a:srgbClr val="000000">
-                <a:alpha val="35000"/>
-              </a:srgbClr>
-            </a:outerShdw>
-          </a:effectLst>
-        </a:effectStyle>
-        <a:effectStyle>
-          <a:effectLst>
-            <a:outerShdw blurRad="40000" dist="23000" dir="5400000" rotWithShape="0">
-              <a:srgbClr val="000000">
-                <a:alpha val="35000"/>
-              </a:srgbClr>
-            </a:outerShdw>
-          </a:effectLst>
-          <a:scene3d>
-            <a:camera prst="orthographicFront">
-              <a:rot lat="0" lon="0" rev="0"/>
-            </a:camera>
-            <a:lightRig rig="threePt" dir="t">
-              <a:rot lat="0" lon="0" rev="1200000"/>
-            </a:lightRig>
-          </a:scene3d>
-          <a:sp3d>
-            <a:bevelT w="63500" h="25400"/>
-          </a:sp3d>
-        </a:effectStyle>
-      </a:effectStyleLst>
-      <a:bgFillStyleLst>
-        <a:solidFill>
-          <a:schemeClr val="phClr"/>
-        </a:solidFill>
-        <a:gradFill rotWithShape="1">
-          <a:gsLst>
-            <a:gs pos="0">
-              <a:schemeClr val="phClr">
-                <a:tint val="40000"/>
-                <a:satMod val="350000"/>
-              </a:schemeClr>
-            </a:gs>
-            <a:gs pos="40000">
-              <a:schemeClr val="phClr">
-                <a:tint val="45000"/>
-                <a:shade val="99000"/>
-                <a:satMod val="350000"/>
-              </a:schemeClr>
-            </a:gs>
-            <a:gs pos="100000">
-              <a:schemeClr val="phClr">
-                <a:shade val="20000"/>
-                <a:satMod val="255000"/>
-              </a:schemeClr>
-            </a:gs>
-          </a:gsLst>
-          <a:path path="circle">
-            <a:fillToRect l="50000" t="-80000" r="50000" b="180000"/>
-          </a:path>
-        </a:gradFill>
-        <a:gradFill rotWithShape="1">
-          <a:gsLst>
-            <a:gs pos="0">
-              <a:schemeClr val="phClr">
-                <a:tint val="80000"/>
-                <a:satMod val="300000"/>
-              </a:schemeClr>
-            </a:gs>
-            <a:gs pos="100000">
-              <a:schemeClr val="phClr">
-                <a:shade val="30000"/>
-                <a:satMod val="200000"/>
-              </a:schemeClr>
-            </a:gs>
-          </a:gsLst>
-          <a:path path="circle">
-            <a:fillToRect l="50000" t="50000" r="50000" b="50000"/>
-          </a:path>
-        </a:gradFill>
-      </a:bgFillStyleLst>
-    </a:fmtScheme>
-  </a:themeElements>
+  <a:objectDefaults/>
+  <a:extraClrSchemeLst/>
 </a:theme>
 </file>